--- a/课程PPT/11.JavaScript标准内置对象-非构造器（Math、JSON）.pptx
+++ b/课程PPT/11.JavaScript标准内置对象-非构造器（Math、JSON）.pptx
@@ -10,7 +10,12 @@
   <p:sldIdLst>
     <p:sldId id="1222" r:id="rId3"/>
     <p:sldId id="1223" r:id="rId5"/>
-    <p:sldId id="1224" r:id="rId6"/>
+    <p:sldId id="1225" r:id="rId6"/>
+    <p:sldId id="1224" r:id="rId7"/>
+    <p:sldId id="1226" r:id="rId8"/>
+    <p:sldId id="1227" r:id="rId9"/>
+    <p:sldId id="1229" r:id="rId10"/>
+    <p:sldId id="1228" r:id="rId11"/>
   </p:sldIdLst>
   <p:sldSz cx="12192000" cy="6858000"/>
   <p:notesSz cx="6797675" cy="9928225"/>
@@ -647,6 +652,138 @@
               <a:rPr lang="zh-CN" altLang="zh-CN" smtClean="0"/>
             </a:fld>
             <a:endParaRPr lang="zh-CN" altLang="zh-CN"/>
+          </a:p>
+        </p:txBody>
+      </p:sp>
+    </p:spTree>
+  </p:cSld>
+  <p:clrMapOvr>
+    <a:masterClrMapping/>
+  </p:clrMapOvr>
+</p:notes>
+</file>
+
+<file path=ppt/notesSlides/notesSlide2.xml><?xml version="1.0" encoding="utf-8"?>
+<p:notes xmlns:a="http://schemas.openxmlformats.org/drawingml/2006/main" xmlns:r="http://schemas.openxmlformats.org/officeDocument/2006/relationships" xmlns:p="http://schemas.openxmlformats.org/presentationml/2006/main">
+  <p:cSld>
+    <p:spTree>
+      <p:nvGrpSpPr>
+        <p:cNvPr id="1" name=""/>
+        <p:cNvGrpSpPr/>
+        <p:nvPr/>
+      </p:nvGrpSpPr>
+      <p:grpSpPr/>
+      <p:sp>
+        <p:nvSpPr>
+          <p:cNvPr id="2" name="幻灯片图像占位符 1"/>
+          <p:cNvSpPr/>
+          <p:nvPr>
+            <p:ph type="sldImg" idx="2"/>
+          </p:nvPr>
+        </p:nvSpPr>
+        <p:spPr/>
+      </p:sp>
+      <p:sp>
+        <p:nvSpPr>
+          <p:cNvPr id="3" name="文本占位符 2"/>
+          <p:cNvSpPr/>
+          <p:nvPr>
+            <p:ph type="body" idx="3"/>
+          </p:nvPr>
+        </p:nvSpPr>
+        <p:spPr/>
+        <p:txBody>
+          <a:bodyPr/>
+          <a:p>
+            <a:endParaRPr lang="zh-CN" altLang="en-US"/>
+          </a:p>
+        </p:txBody>
+      </p:sp>
+    </p:spTree>
+  </p:cSld>
+  <p:clrMapOvr>
+    <a:masterClrMapping/>
+  </p:clrMapOvr>
+</p:notes>
+</file>
+
+<file path=ppt/notesSlides/notesSlide3.xml><?xml version="1.0" encoding="utf-8"?>
+<p:notes xmlns:a="http://schemas.openxmlformats.org/drawingml/2006/main" xmlns:r="http://schemas.openxmlformats.org/officeDocument/2006/relationships" xmlns:p="http://schemas.openxmlformats.org/presentationml/2006/main">
+  <p:cSld>
+    <p:spTree>
+      <p:nvGrpSpPr>
+        <p:cNvPr id="1" name=""/>
+        <p:cNvGrpSpPr/>
+        <p:nvPr/>
+      </p:nvGrpSpPr>
+      <p:grpSpPr/>
+      <p:sp>
+        <p:nvSpPr>
+          <p:cNvPr id="2" name="幻灯片图像占位符 1"/>
+          <p:cNvSpPr/>
+          <p:nvPr>
+            <p:ph type="sldImg" idx="2"/>
+          </p:nvPr>
+        </p:nvSpPr>
+        <p:spPr/>
+      </p:sp>
+      <p:sp>
+        <p:nvSpPr>
+          <p:cNvPr id="3" name="文本占位符 2"/>
+          <p:cNvSpPr/>
+          <p:nvPr>
+            <p:ph type="body" idx="3"/>
+          </p:nvPr>
+        </p:nvSpPr>
+        <p:spPr/>
+        <p:txBody>
+          <a:bodyPr/>
+          <a:p>
+            <a:endParaRPr lang="zh-CN" altLang="en-US"/>
+          </a:p>
+        </p:txBody>
+      </p:sp>
+    </p:spTree>
+  </p:cSld>
+  <p:clrMapOvr>
+    <a:masterClrMapping/>
+  </p:clrMapOvr>
+</p:notes>
+</file>
+
+<file path=ppt/notesSlides/notesSlide4.xml><?xml version="1.0" encoding="utf-8"?>
+<p:notes xmlns:a="http://schemas.openxmlformats.org/drawingml/2006/main" xmlns:r="http://schemas.openxmlformats.org/officeDocument/2006/relationships" xmlns:p="http://schemas.openxmlformats.org/presentationml/2006/main">
+  <p:cSld>
+    <p:spTree>
+      <p:nvGrpSpPr>
+        <p:cNvPr id="1" name=""/>
+        <p:cNvGrpSpPr/>
+        <p:nvPr/>
+      </p:nvGrpSpPr>
+      <p:grpSpPr/>
+      <p:sp>
+        <p:nvSpPr>
+          <p:cNvPr id="2" name="幻灯片图像占位符 1"/>
+          <p:cNvSpPr/>
+          <p:nvPr>
+            <p:ph type="sldImg" idx="2"/>
+          </p:nvPr>
+        </p:nvSpPr>
+        <p:spPr/>
+      </p:sp>
+      <p:sp>
+        <p:nvSpPr>
+          <p:cNvPr id="3" name="文本占位符 2"/>
+          <p:cNvSpPr/>
+          <p:nvPr>
+            <p:ph type="body" idx="3"/>
+          </p:nvPr>
+        </p:nvSpPr>
+        <p:spPr/>
+        <p:txBody>
+          <a:bodyPr/>
+          <a:p>
+            <a:endParaRPr lang="zh-CN" altLang="en-US"/>
           </a:p>
         </p:txBody>
       </p:sp>
@@ -3344,6 +3481,2663 @@
 </file>
 
 <file path=ppt/slides/slide3.xml><?xml version="1.0" encoding="utf-8"?>
+<p:sld xmlns:a="http://schemas.openxmlformats.org/drawingml/2006/main" xmlns:r="http://schemas.openxmlformats.org/officeDocument/2006/relationships" xmlns:p="http://schemas.openxmlformats.org/presentationml/2006/main">
+  <p:cSld>
+    <p:spTree>
+      <p:nvGrpSpPr>
+        <p:cNvPr id="1" name=""/>
+        <p:cNvGrpSpPr/>
+        <p:nvPr/>
+      </p:nvGrpSpPr>
+      <p:grpSpPr>
+        <a:xfrm>
+          <a:off x="0" y="0"/>
+          <a:ext cx="0" cy="0"/>
+          <a:chOff x="0" y="0"/>
+          <a:chExt cx="0" cy="0"/>
+        </a:xfrm>
+      </p:grpSpPr>
+      <p:sp>
+        <p:nvSpPr>
+          <p:cNvPr id="2" name="内容占位符 1"/>
+          <p:cNvSpPr>
+            <a:spLocks noGrp="1"/>
+          </p:cNvSpPr>
+          <p:nvPr>
+            <p:ph sz="quarter" idx="10"/>
+          </p:nvPr>
+        </p:nvSpPr>
+        <p:spPr>
+          <a:xfrm>
+            <a:off x="927735" y="783590"/>
+            <a:ext cx="9776460" cy="5269230"/>
+          </a:xfrm>
+        </p:spPr>
+        <p:txBody>
+          <a:bodyPr/>
+          <a:lstStyle/>
+          <a:p>
+            <a:pPr>
+              <a:lnSpc>
+                <a:spcPct val="150000"/>
+              </a:lnSpc>
+            </a:pPr>
+            <a:r>
+              <a:rPr lang="en-US" altLang="zh-CN" sz="3200" dirty="0">
+                <a:solidFill>
+                  <a:schemeClr val="tx1"/>
+                </a:solidFill>
+                <a:sym typeface="+mn-ea"/>
+              </a:rPr>
+              <a:t>Math</a:t>
+            </a:r>
+            <a:r>
+              <a:rPr lang="zh-CN" altLang="en-US" sz="3200" dirty="0">
+                <a:solidFill>
+                  <a:schemeClr val="tx1"/>
+                </a:solidFill>
+                <a:sym typeface="+mn-ea"/>
+              </a:rPr>
+              <a:t>对象的属性</a:t>
+            </a:r>
+            <a:br>
+              <a:rPr lang="zh-CN" altLang="en-US" sz="3200" dirty="0">
+                <a:solidFill>
+                  <a:schemeClr val="tx1"/>
+                </a:solidFill>
+                <a:sym typeface="+mn-ea"/>
+              </a:rPr>
+            </a:br>
+            <a:r>
+              <a:rPr lang="zh-CN" altLang="en-US" sz="2000" dirty="0">
+                <a:solidFill>
+                  <a:schemeClr val="tx1"/>
+                </a:solidFill>
+                <a:sym typeface="+mn-ea"/>
+              </a:rPr>
+              <a:t>M</a:t>
+            </a:r>
+            <a:r>
+              <a:rPr lang="en-US" altLang="zh-CN" sz="2000" dirty="0">
+                <a:solidFill>
+                  <a:schemeClr val="tx1"/>
+                </a:solidFill>
+                <a:sym typeface="+mn-ea"/>
+              </a:rPr>
+              <a:t>ath.PI</a:t>
+            </a:r>
+            <a:r>
+              <a:rPr lang="zh-CN" altLang="en-US" sz="2000" dirty="0">
+                <a:solidFill>
+                  <a:schemeClr val="tx1"/>
+                </a:solidFill>
+                <a:sym typeface="+mn-ea"/>
+              </a:rPr>
+              <a:t>、</a:t>
+            </a:r>
+            <a:r>
+              <a:rPr lang="en-US" altLang="zh-CN" sz="2000" dirty="0">
+                <a:solidFill>
+                  <a:schemeClr val="tx1"/>
+                </a:solidFill>
+                <a:sym typeface="+mn-ea"/>
+              </a:rPr>
+              <a:t>Math.E</a:t>
+            </a:r>
+            <a:r>
+              <a:rPr lang="zh-CN" altLang="en-US" sz="2000" dirty="0">
+                <a:solidFill>
+                  <a:schemeClr val="tx1"/>
+                </a:solidFill>
+                <a:sym typeface="+mn-ea"/>
+              </a:rPr>
+              <a:t>、</a:t>
+            </a:r>
+            <a:r>
+              <a:rPr lang="en-US" altLang="zh-CN" sz="2000" dirty="0">
+                <a:solidFill>
+                  <a:schemeClr val="tx1"/>
+                </a:solidFill>
+                <a:sym typeface="+mn-ea"/>
+              </a:rPr>
+              <a:t>Math.LN10</a:t>
+            </a:r>
+            <a:r>
+              <a:rPr lang="zh-CN" altLang="en-US" sz="2000" dirty="0">
+                <a:solidFill>
+                  <a:schemeClr val="tx1"/>
+                </a:solidFill>
+                <a:sym typeface="+mn-ea"/>
+              </a:rPr>
+              <a:t>、</a:t>
+            </a:r>
+            <a:r>
+              <a:rPr lang="en-US" altLang="zh-CN" sz="2000" dirty="0">
+                <a:solidFill>
+                  <a:schemeClr val="tx1"/>
+                </a:solidFill>
+                <a:sym typeface="+mn-ea"/>
+              </a:rPr>
+              <a:t>Math.LN2</a:t>
+            </a:r>
+            <a:endParaRPr lang="en-US" altLang="zh-CN" sz="2000" dirty="0">
+              <a:solidFill>
+                <a:schemeClr val="tx1"/>
+              </a:solidFill>
+              <a:sym typeface="+mn-ea"/>
+            </a:endParaRPr>
+          </a:p>
+          <a:p>
+            <a:pPr>
+              <a:lnSpc>
+                <a:spcPct val="150000"/>
+              </a:lnSpc>
+            </a:pPr>
+            <a:r>
+              <a:rPr lang="en-US" altLang="zh-CN" sz="3200" dirty="0">
+                <a:solidFill>
+                  <a:schemeClr val="tx1"/>
+                </a:solidFill>
+                <a:sym typeface="+mn-ea"/>
+              </a:rPr>
+              <a:t>Math</a:t>
+            </a:r>
+            <a:r>
+              <a:rPr lang="zh-CN" altLang="en-US" sz="3200" dirty="0">
+                <a:solidFill>
+                  <a:schemeClr val="tx1"/>
+                </a:solidFill>
+                <a:sym typeface="+mn-ea"/>
+              </a:rPr>
+              <a:t>对象的数值方法</a:t>
+            </a:r>
+            <a:br>
+              <a:rPr lang="zh-CN" altLang="en-US" sz="3200" dirty="0">
+                <a:solidFill>
+                  <a:schemeClr val="tx1"/>
+                </a:solidFill>
+                <a:sym typeface="+mn-ea"/>
+              </a:rPr>
+            </a:br>
+            <a:r>
+              <a:rPr lang="en-US" sz="2000" dirty="0">
+                <a:solidFill>
+                  <a:schemeClr val="tx1"/>
+                </a:solidFill>
+                <a:sym typeface="+mn-ea"/>
+              </a:rPr>
+              <a:t>Math.abs( );</a:t>
+            </a:r>
+            <a:br>
+              <a:rPr lang="en-US" sz="2000" dirty="0">
+                <a:solidFill>
+                  <a:schemeClr val="tx1"/>
+                </a:solidFill>
+                <a:sym typeface="+mn-ea"/>
+              </a:rPr>
+            </a:br>
+            <a:r>
+              <a:rPr lang="en-US" sz="2000" dirty="0">
+                <a:solidFill>
+                  <a:schemeClr val="tx1"/>
+                </a:solidFill>
+                <a:sym typeface="+mn-ea"/>
+              </a:rPr>
+              <a:t>Math.sin( );</a:t>
+            </a:r>
+            <a:endParaRPr lang="en-US" sz="2000" dirty="0">
+              <a:solidFill>
+                <a:schemeClr val="tx1"/>
+              </a:solidFill>
+              <a:sym typeface="+mn-ea"/>
+            </a:endParaRPr>
+          </a:p>
+          <a:p>
+            <a:pPr>
+              <a:lnSpc>
+                <a:spcPct val="150000"/>
+              </a:lnSpc>
+            </a:pPr>
+            <a:r>
+              <a:rPr lang="en-US" sz="3200" dirty="0">
+                <a:solidFill>
+                  <a:schemeClr val="tx1"/>
+                </a:solidFill>
+                <a:sym typeface="+mn-ea"/>
+              </a:rPr>
+              <a:t>Math</a:t>
+            </a:r>
+            <a:r>
+              <a:rPr lang="zh-CN" altLang="en-US" sz="3200" dirty="0">
+                <a:solidFill>
+                  <a:schemeClr val="tx1"/>
+                </a:solidFill>
+                <a:sym typeface="+mn-ea"/>
+              </a:rPr>
+              <a:t>对象的三角方法</a:t>
+            </a:r>
+            <a:endParaRPr lang="zh-CN" altLang="en-US" sz="3200" dirty="0">
+              <a:solidFill>
+                <a:schemeClr val="tx1"/>
+              </a:solidFill>
+              <a:sym typeface="+mn-ea"/>
+            </a:endParaRPr>
+          </a:p>
+          <a:p>
+            <a:pPr>
+              <a:lnSpc>
+                <a:spcPct val="150000"/>
+              </a:lnSpc>
+            </a:pPr>
+            <a:r>
+              <a:rPr lang="en-US" sz="3200" dirty="0">
+                <a:solidFill>
+                  <a:schemeClr val="tx1"/>
+                </a:solidFill>
+                <a:sym typeface="+mn-ea"/>
+              </a:rPr>
+              <a:t>Math</a:t>
+            </a:r>
+            <a:r>
+              <a:rPr lang="zh-CN" altLang="en-US" sz="3200" dirty="0">
+                <a:solidFill>
+                  <a:schemeClr val="tx1"/>
+                </a:solidFill>
+                <a:sym typeface="+mn-ea"/>
+              </a:rPr>
+              <a:t>对象的其他方法</a:t>
+            </a:r>
+            <a:br>
+              <a:rPr lang="zh-CN" altLang="en-US" sz="3200" dirty="0">
+                <a:solidFill>
+                  <a:schemeClr val="tx1"/>
+                </a:solidFill>
+                <a:sym typeface="+mn-ea"/>
+              </a:rPr>
+            </a:br>
+            <a:endParaRPr lang="zh-CN" altLang="en-US" sz="3200" dirty="0">
+              <a:solidFill>
+                <a:schemeClr val="accent3"/>
+              </a:solidFill>
+              <a:sym typeface="+mn-ea"/>
+            </a:endParaRPr>
+          </a:p>
+          <a:p>
+            <a:pPr marL="0" indent="0">
+              <a:lnSpc>
+                <a:spcPct val="150000"/>
+              </a:lnSpc>
+              <a:buNone/>
+            </a:pPr>
+            <a:endParaRPr lang="zh-CN" altLang="en-US" sz="1800" dirty="0">
+              <a:solidFill>
+                <a:schemeClr val="tx1"/>
+              </a:solidFill>
+              <a:sym typeface="+mn-ea"/>
+            </a:endParaRPr>
+          </a:p>
+          <a:p>
+            <a:pPr marL="0" indent="0">
+              <a:lnSpc>
+                <a:spcPct val="160000"/>
+              </a:lnSpc>
+              <a:buNone/>
+            </a:pPr>
+            <a:endParaRPr lang="en-US" altLang="zh-CN" sz="1800" dirty="0">
+              <a:solidFill>
+                <a:schemeClr val="tx1"/>
+              </a:solidFill>
+              <a:sym typeface="+mn-ea"/>
+            </a:endParaRPr>
+          </a:p>
+        </p:txBody>
+      </p:sp>
+      <p:sp>
+        <p:nvSpPr>
+          <p:cNvPr id="3" name="内容占位符 2"/>
+          <p:cNvSpPr>
+            <a:spLocks noGrp="1"/>
+          </p:cNvSpPr>
+          <p:nvPr>
+            <p:ph sz="quarter" idx="11"/>
+          </p:nvPr>
+        </p:nvSpPr>
+        <p:spPr/>
+        <p:txBody>
+          <a:bodyPr/>
+          <a:lstStyle/>
+          <a:p>
+            <a:r>
+              <a:rPr lang="en-US" altLang="zh-CN" dirty="0"/>
+              <a:t>Math</a:t>
+            </a:r>
+            <a:r>
+              <a:rPr lang="zh-CN" altLang="en-US" dirty="0"/>
+              <a:t>对象</a:t>
+            </a:r>
+            <a:endParaRPr lang="zh-CN" altLang="en-US" dirty="0"/>
+          </a:p>
+        </p:txBody>
+      </p:sp>
+    </p:spTree>
+  </p:cSld>
+  <p:clrMapOvr>
+    <a:masterClrMapping/>
+  </p:clrMapOvr>
+  <p:timing>
+    <p:tnLst>
+      <p:par>
+        <p:cTn id="1" dur="indefinite" restart="never" nodeType="tmRoot">
+          <p:childTnLst>
+            <p:seq concurrent="1" nextAc="seek">
+              <p:cTn id="2" dur="indefinite" nodeType="mainSeq">
+                <p:childTnLst>
+                  <p:par>
+                    <p:cTn id="3" fill="hold">
+                      <p:stCondLst>
+                        <p:cond delay="indefinite"/>
+                      </p:stCondLst>
+                      <p:childTnLst>
+                        <p:par>
+                          <p:cTn id="4" fill="hold">
+                            <p:stCondLst>
+                              <p:cond delay="0"/>
+                            </p:stCondLst>
+                            <p:childTnLst>
+                              <p:par>
+                                <p:cTn id="5" presetID="2" presetClass="entr" presetSubtype="4" fill="hold" nodeType="clickEffect">
+                                  <p:stCondLst>
+                                    <p:cond delay="0"/>
+                                  </p:stCondLst>
+                                  <p:childTnLst>
+                                    <p:set>
+                                      <p:cBhvr>
+                                        <p:cTn id="6" dur="1" fill="hold">
+                                          <p:stCondLst>
+                                            <p:cond delay="0"/>
+                                          </p:stCondLst>
+                                        </p:cTn>
+                                        <p:tgtEl>
+                                          <p:spTgt spid="2">
+                                            <p:txEl>
+                                              <p:pRg st="0" end="0"/>
+                                            </p:txEl>
+                                          </p:spTgt>
+                                        </p:tgtEl>
+                                        <p:attrNameLst>
+                                          <p:attrName>style.visibility</p:attrName>
+                                        </p:attrNameLst>
+                                      </p:cBhvr>
+                                      <p:to>
+                                        <p:strVal val="visible"/>
+                                      </p:to>
+                                    </p:set>
+                                    <p:anim calcmode="lin" valueType="num">
+                                      <p:cBhvr additive="base">
+                                        <p:cTn id="7" dur="500" fill="hold"/>
+                                        <p:tgtEl>
+                                          <p:spTgt spid="2">
+                                            <p:txEl>
+                                              <p:pRg st="0" end="0"/>
+                                            </p:txEl>
+                                          </p:spTgt>
+                                        </p:tgtEl>
+                                        <p:attrNameLst>
+                                          <p:attrName>ppt_x</p:attrName>
+                                        </p:attrNameLst>
+                                      </p:cBhvr>
+                                      <p:tavLst>
+                                        <p:tav tm="0">
+                                          <p:val>
+                                            <p:strVal val="#ppt_x"/>
+                                          </p:val>
+                                        </p:tav>
+                                        <p:tav tm="100000">
+                                          <p:val>
+                                            <p:strVal val="#ppt_x"/>
+                                          </p:val>
+                                        </p:tav>
+                                      </p:tavLst>
+                                    </p:anim>
+                                    <p:anim calcmode="lin" valueType="num">
+                                      <p:cBhvr additive="base">
+                                        <p:cTn id="8" dur="500" fill="hold"/>
+                                        <p:tgtEl>
+                                          <p:spTgt spid="2">
+                                            <p:txEl>
+                                              <p:pRg st="0" end="0"/>
+                                            </p:txEl>
+                                          </p:spTgt>
+                                        </p:tgtEl>
+                                        <p:attrNameLst>
+                                          <p:attrName>ppt_y</p:attrName>
+                                        </p:attrNameLst>
+                                      </p:cBhvr>
+                                      <p:tavLst>
+                                        <p:tav tm="0">
+                                          <p:val>
+                                            <p:strVal val="1+#ppt_h/2"/>
+                                          </p:val>
+                                        </p:tav>
+                                        <p:tav tm="100000">
+                                          <p:val>
+                                            <p:strVal val="#ppt_y"/>
+                                          </p:val>
+                                        </p:tav>
+                                      </p:tavLst>
+                                    </p:anim>
+                                  </p:childTnLst>
+                                </p:cTn>
+                              </p:par>
+                            </p:childTnLst>
+                          </p:cTn>
+                        </p:par>
+                      </p:childTnLst>
+                    </p:cTn>
+                  </p:par>
+                  <p:par>
+                    <p:cTn id="9" fill="hold">
+                      <p:stCondLst>
+                        <p:cond delay="indefinite"/>
+                      </p:stCondLst>
+                      <p:childTnLst>
+                        <p:par>
+                          <p:cTn id="10" fill="hold">
+                            <p:stCondLst>
+                              <p:cond delay="0"/>
+                            </p:stCondLst>
+                            <p:childTnLst>
+                              <p:par>
+                                <p:cTn id="11" presetID="2" presetClass="entr" presetSubtype="4" fill="hold" nodeType="clickEffect">
+                                  <p:stCondLst>
+                                    <p:cond delay="0"/>
+                                  </p:stCondLst>
+                                  <p:childTnLst>
+                                    <p:set>
+                                      <p:cBhvr>
+                                        <p:cTn id="12" dur="1" fill="hold">
+                                          <p:stCondLst>
+                                            <p:cond delay="0"/>
+                                          </p:stCondLst>
+                                        </p:cTn>
+                                        <p:tgtEl>
+                                          <p:spTgt spid="2">
+                                            <p:txEl>
+                                              <p:pRg st="1" end="1"/>
+                                            </p:txEl>
+                                          </p:spTgt>
+                                        </p:tgtEl>
+                                        <p:attrNameLst>
+                                          <p:attrName>style.visibility</p:attrName>
+                                        </p:attrNameLst>
+                                      </p:cBhvr>
+                                      <p:to>
+                                        <p:strVal val="visible"/>
+                                      </p:to>
+                                    </p:set>
+                                    <p:anim calcmode="lin" valueType="num">
+                                      <p:cBhvr additive="base">
+                                        <p:cTn id="13" dur="500" fill="hold"/>
+                                        <p:tgtEl>
+                                          <p:spTgt spid="2">
+                                            <p:txEl>
+                                              <p:pRg st="1" end="1"/>
+                                            </p:txEl>
+                                          </p:spTgt>
+                                        </p:tgtEl>
+                                        <p:attrNameLst>
+                                          <p:attrName>ppt_x</p:attrName>
+                                        </p:attrNameLst>
+                                      </p:cBhvr>
+                                      <p:tavLst>
+                                        <p:tav tm="0">
+                                          <p:val>
+                                            <p:strVal val="#ppt_x"/>
+                                          </p:val>
+                                        </p:tav>
+                                        <p:tav tm="100000">
+                                          <p:val>
+                                            <p:strVal val="#ppt_x"/>
+                                          </p:val>
+                                        </p:tav>
+                                      </p:tavLst>
+                                    </p:anim>
+                                    <p:anim calcmode="lin" valueType="num">
+                                      <p:cBhvr additive="base">
+                                        <p:cTn id="14" dur="500" fill="hold"/>
+                                        <p:tgtEl>
+                                          <p:spTgt spid="2">
+                                            <p:txEl>
+                                              <p:pRg st="1" end="1"/>
+                                            </p:txEl>
+                                          </p:spTgt>
+                                        </p:tgtEl>
+                                        <p:attrNameLst>
+                                          <p:attrName>ppt_y</p:attrName>
+                                        </p:attrNameLst>
+                                      </p:cBhvr>
+                                      <p:tavLst>
+                                        <p:tav tm="0">
+                                          <p:val>
+                                            <p:strVal val="1+#ppt_h/2"/>
+                                          </p:val>
+                                        </p:tav>
+                                        <p:tav tm="100000">
+                                          <p:val>
+                                            <p:strVal val="#ppt_y"/>
+                                          </p:val>
+                                        </p:tav>
+                                      </p:tavLst>
+                                    </p:anim>
+                                  </p:childTnLst>
+                                </p:cTn>
+                              </p:par>
+                            </p:childTnLst>
+                          </p:cTn>
+                        </p:par>
+                      </p:childTnLst>
+                    </p:cTn>
+                  </p:par>
+                  <p:par>
+                    <p:cTn id="15" fill="hold">
+                      <p:stCondLst>
+                        <p:cond delay="indefinite"/>
+                      </p:stCondLst>
+                      <p:childTnLst>
+                        <p:par>
+                          <p:cTn id="16" fill="hold">
+                            <p:stCondLst>
+                              <p:cond delay="0"/>
+                            </p:stCondLst>
+                            <p:childTnLst>
+                              <p:par>
+                                <p:cTn id="17" presetID="2" presetClass="entr" presetSubtype="4" fill="hold" nodeType="clickEffect">
+                                  <p:stCondLst>
+                                    <p:cond delay="0"/>
+                                  </p:stCondLst>
+                                  <p:childTnLst>
+                                    <p:set>
+                                      <p:cBhvr>
+                                        <p:cTn id="18" dur="1" fill="hold">
+                                          <p:stCondLst>
+                                            <p:cond delay="0"/>
+                                          </p:stCondLst>
+                                        </p:cTn>
+                                        <p:tgtEl>
+                                          <p:spTgt spid="2">
+                                            <p:txEl>
+                                              <p:pRg st="2" end="2"/>
+                                            </p:txEl>
+                                          </p:spTgt>
+                                        </p:tgtEl>
+                                        <p:attrNameLst>
+                                          <p:attrName>style.visibility</p:attrName>
+                                        </p:attrNameLst>
+                                      </p:cBhvr>
+                                      <p:to>
+                                        <p:strVal val="visible"/>
+                                      </p:to>
+                                    </p:set>
+                                    <p:anim calcmode="lin" valueType="num">
+                                      <p:cBhvr additive="base">
+                                        <p:cTn id="19" dur="500" fill="hold"/>
+                                        <p:tgtEl>
+                                          <p:spTgt spid="2">
+                                            <p:txEl>
+                                              <p:pRg st="2" end="2"/>
+                                            </p:txEl>
+                                          </p:spTgt>
+                                        </p:tgtEl>
+                                        <p:attrNameLst>
+                                          <p:attrName>ppt_x</p:attrName>
+                                        </p:attrNameLst>
+                                      </p:cBhvr>
+                                      <p:tavLst>
+                                        <p:tav tm="0">
+                                          <p:val>
+                                            <p:strVal val="#ppt_x"/>
+                                          </p:val>
+                                        </p:tav>
+                                        <p:tav tm="100000">
+                                          <p:val>
+                                            <p:strVal val="#ppt_x"/>
+                                          </p:val>
+                                        </p:tav>
+                                      </p:tavLst>
+                                    </p:anim>
+                                    <p:anim calcmode="lin" valueType="num">
+                                      <p:cBhvr additive="base">
+                                        <p:cTn id="20" dur="500" fill="hold"/>
+                                        <p:tgtEl>
+                                          <p:spTgt spid="2">
+                                            <p:txEl>
+                                              <p:pRg st="2" end="2"/>
+                                            </p:txEl>
+                                          </p:spTgt>
+                                        </p:tgtEl>
+                                        <p:attrNameLst>
+                                          <p:attrName>ppt_y</p:attrName>
+                                        </p:attrNameLst>
+                                      </p:cBhvr>
+                                      <p:tavLst>
+                                        <p:tav tm="0">
+                                          <p:val>
+                                            <p:strVal val="1+#ppt_h/2"/>
+                                          </p:val>
+                                        </p:tav>
+                                        <p:tav tm="100000">
+                                          <p:val>
+                                            <p:strVal val="#ppt_y"/>
+                                          </p:val>
+                                        </p:tav>
+                                      </p:tavLst>
+                                    </p:anim>
+                                  </p:childTnLst>
+                                </p:cTn>
+                              </p:par>
+                            </p:childTnLst>
+                          </p:cTn>
+                        </p:par>
+                      </p:childTnLst>
+                    </p:cTn>
+                  </p:par>
+                  <p:par>
+                    <p:cTn id="21" fill="hold">
+                      <p:stCondLst>
+                        <p:cond delay="indefinite"/>
+                      </p:stCondLst>
+                      <p:childTnLst>
+                        <p:par>
+                          <p:cTn id="22" fill="hold">
+                            <p:stCondLst>
+                              <p:cond delay="0"/>
+                            </p:stCondLst>
+                            <p:childTnLst>
+                              <p:par>
+                                <p:cTn id="23" presetID="2" presetClass="entr" presetSubtype="4" fill="hold" nodeType="clickEffect">
+                                  <p:stCondLst>
+                                    <p:cond delay="0"/>
+                                  </p:stCondLst>
+                                  <p:childTnLst>
+                                    <p:set>
+                                      <p:cBhvr>
+                                        <p:cTn id="24" dur="1" fill="hold">
+                                          <p:stCondLst>
+                                            <p:cond delay="0"/>
+                                          </p:stCondLst>
+                                        </p:cTn>
+                                        <p:tgtEl>
+                                          <p:spTgt spid="2">
+                                            <p:txEl>
+                                              <p:pRg st="3" end="3"/>
+                                            </p:txEl>
+                                          </p:spTgt>
+                                        </p:tgtEl>
+                                        <p:attrNameLst>
+                                          <p:attrName>style.visibility</p:attrName>
+                                        </p:attrNameLst>
+                                      </p:cBhvr>
+                                      <p:to>
+                                        <p:strVal val="visible"/>
+                                      </p:to>
+                                    </p:set>
+                                    <p:anim calcmode="lin" valueType="num">
+                                      <p:cBhvr additive="base">
+                                        <p:cTn id="25" dur="500" fill="hold"/>
+                                        <p:tgtEl>
+                                          <p:spTgt spid="2">
+                                            <p:txEl>
+                                              <p:pRg st="3" end="3"/>
+                                            </p:txEl>
+                                          </p:spTgt>
+                                        </p:tgtEl>
+                                        <p:attrNameLst>
+                                          <p:attrName>ppt_x</p:attrName>
+                                        </p:attrNameLst>
+                                      </p:cBhvr>
+                                      <p:tavLst>
+                                        <p:tav tm="0">
+                                          <p:val>
+                                            <p:strVal val="#ppt_x"/>
+                                          </p:val>
+                                        </p:tav>
+                                        <p:tav tm="100000">
+                                          <p:val>
+                                            <p:strVal val="#ppt_x"/>
+                                          </p:val>
+                                        </p:tav>
+                                      </p:tavLst>
+                                    </p:anim>
+                                    <p:anim calcmode="lin" valueType="num">
+                                      <p:cBhvr additive="base">
+                                        <p:cTn id="26" dur="500" fill="hold"/>
+                                        <p:tgtEl>
+                                          <p:spTgt spid="2">
+                                            <p:txEl>
+                                              <p:pRg st="3" end="3"/>
+                                            </p:txEl>
+                                          </p:spTgt>
+                                        </p:tgtEl>
+                                        <p:attrNameLst>
+                                          <p:attrName>ppt_y</p:attrName>
+                                        </p:attrNameLst>
+                                      </p:cBhvr>
+                                      <p:tavLst>
+                                        <p:tav tm="0">
+                                          <p:val>
+                                            <p:strVal val="1+#ppt_h/2"/>
+                                          </p:val>
+                                        </p:tav>
+                                        <p:tav tm="100000">
+                                          <p:val>
+                                            <p:strVal val="#ppt_y"/>
+                                          </p:val>
+                                        </p:tav>
+                                      </p:tavLst>
+                                    </p:anim>
+                                  </p:childTnLst>
+                                </p:cTn>
+                              </p:par>
+                            </p:childTnLst>
+                          </p:cTn>
+                        </p:par>
+                      </p:childTnLst>
+                    </p:cTn>
+                  </p:par>
+                </p:childTnLst>
+              </p:cTn>
+              <p:prevCondLst>
+                <p:cond evt="onPrev" delay="0">
+                  <p:tgtEl>
+                    <p:sldTgt/>
+                  </p:tgtEl>
+                </p:cond>
+              </p:prevCondLst>
+              <p:nextCondLst>
+                <p:cond evt="onNext" delay="0">
+                  <p:tgtEl>
+                    <p:sldTgt/>
+                  </p:tgtEl>
+                </p:cond>
+              </p:nextCondLst>
+            </p:seq>
+          </p:childTnLst>
+        </p:cTn>
+      </p:par>
+    </p:tnLst>
+  </p:timing>
+</p:sld>
+</file>
+
+<file path=ppt/slides/slide4.xml><?xml version="1.0" encoding="utf-8"?>
+<p:sld xmlns:a="http://schemas.openxmlformats.org/drawingml/2006/main" xmlns:r="http://schemas.openxmlformats.org/officeDocument/2006/relationships" xmlns:p="http://schemas.openxmlformats.org/presentationml/2006/main">
+  <p:cSld>
+    <p:spTree>
+      <p:nvGrpSpPr>
+        <p:cNvPr id="1" name=""/>
+        <p:cNvGrpSpPr/>
+        <p:nvPr/>
+      </p:nvGrpSpPr>
+      <p:grpSpPr>
+        <a:xfrm>
+          <a:off x="0" y="0"/>
+          <a:ext cx="0" cy="0"/>
+          <a:chOff x="0" y="0"/>
+          <a:chExt cx="0" cy="0"/>
+        </a:xfrm>
+      </p:grpSpPr>
+      <p:pic>
+        <p:nvPicPr>
+          <p:cNvPr id="38914" name="Picture 5"/>
+          <p:cNvPicPr>
+            <a:picLocks noChangeAspect="1" noChangeArrowheads="1"/>
+          </p:cNvPicPr>
+          <p:nvPr/>
+        </p:nvPicPr>
+        <p:blipFill>
+          <a:blip r:embed="rId1">
+            <a:extLst>
+              <a:ext uri="{28A0092B-C50C-407E-A947-70E740481C1C}">
+                <a14:useLocalDpi xmlns:a14="http://schemas.microsoft.com/office/drawing/2010/main" val="0"/>
+              </a:ext>
+            </a:extLst>
+          </a:blip>
+          <a:srcRect/>
+          <a:stretch>
+            <a:fillRect/>
+          </a:stretch>
+        </p:blipFill>
+        <p:spPr bwMode="auto">
+          <a:xfrm>
+            <a:off x="0" y="0"/>
+            <a:ext cx="12192000" cy="6858000"/>
+          </a:xfrm>
+          <a:prstGeom prst="rect">
+            <a:avLst/>
+          </a:prstGeom>
+          <a:noFill/>
+          <a:ln>
+            <a:noFill/>
+          </a:ln>
+          <a:extLst>
+            <a:ext uri="{909E8E84-426E-40DD-AFC4-6F175D3DCCD1}">
+              <a14:hiddenFill xmlns:a14="http://schemas.microsoft.com/office/drawing/2010/main">
+                <a:solidFill>
+                  <a:srgbClr val="FFFFFF"/>
+                </a:solidFill>
+              </a14:hiddenFill>
+            </a:ext>
+            <a:ext uri="{91240B29-F687-4F45-9708-019B960494DF}">
+              <a14:hiddenLine xmlns:a14="http://schemas.microsoft.com/office/drawing/2010/main" w="9525">
+                <a:solidFill>
+                  <a:srgbClr val="000000"/>
+                </a:solidFill>
+                <a:miter lim="800000"/>
+                <a:headEnd/>
+                <a:tailEnd/>
+              </a14:hiddenLine>
+            </a:ext>
+          </a:extLst>
+        </p:spPr>
+      </p:pic>
+      <p:sp>
+        <p:nvSpPr>
+          <p:cNvPr id="38915" name="Rectangle 6"/>
+          <p:cNvSpPr>
+            <a:spLocks noGrp="1" noChangeArrowheads="1"/>
+          </p:cNvSpPr>
+          <p:nvPr>
+            <p:ph type="ctrTitle" idx="4294967295"/>
+          </p:nvPr>
+        </p:nvSpPr>
+        <p:spPr bwMode="auto">
+          <a:xfrm>
+            <a:off x="2547041" y="3068835"/>
+            <a:ext cx="7097918" cy="1285875"/>
+          </a:xfrm>
+          <a:prstGeom prst="rect">
+            <a:avLst/>
+          </a:prstGeom>
+          <a:noFill/>
+          <a:extLst>
+            <a:ext uri="{909E8E84-426E-40DD-AFC4-6F175D3DCCD1}">
+              <a14:hiddenFill xmlns:a14="http://schemas.microsoft.com/office/drawing/2010/main">
+                <a:solidFill>
+                  <a:srgbClr val="FFFFFF"/>
+                </a:solidFill>
+              </a14:hiddenFill>
+            </a:ext>
+            <a:ext uri="{91240B29-F687-4F45-9708-019B960494DF}">
+              <a14:hiddenLine xmlns:a14="http://schemas.microsoft.com/office/drawing/2010/main" w="9525">
+                <a:solidFill>
+                  <a:srgbClr val="000000"/>
+                </a:solidFill>
+                <a:miter lim="800000"/>
+                <a:headEnd/>
+                <a:tailEnd/>
+              </a14:hiddenLine>
+            </a:ext>
+          </a:extLst>
+        </p:spPr>
+        <p:txBody>
+          <a:bodyPr anchor="b"/>
+          <a:lstStyle/>
+          <a:p>
+            <a:pPr algn="ctr" eaLnBrk="1" hangingPunct="1"/>
+            <a:r>
+              <a:rPr kumimoji="0" lang="en-US" altLang="zh-CN" sz="5400" dirty="0"/>
+              <a:t>Thank </a:t>
+            </a:r>
+            <a:r>
+              <a:rPr kumimoji="0" lang="en-US" altLang="zh-CN" sz="5400" dirty="0">
+                <a:solidFill>
+                  <a:srgbClr val="FF0000"/>
+                </a:solidFill>
+              </a:rPr>
+              <a:t>You</a:t>
+            </a:r>
+            <a:r>
+              <a:rPr kumimoji="0" lang="zh-CN" altLang="en-US" sz="5400" dirty="0"/>
+              <a:t>！</a:t>
+            </a:r>
+            <a:endParaRPr kumimoji="0" lang="zh-CN" altLang="zh-CN" sz="5400" dirty="0"/>
+          </a:p>
+        </p:txBody>
+      </p:sp>
+      <p:pic>
+        <p:nvPicPr>
+          <p:cNvPr id="38916" name="图片 3" descr="软院logo横版.png"/>
+          <p:cNvPicPr>
+            <a:picLocks noChangeAspect="1"/>
+          </p:cNvPicPr>
+          <p:nvPr/>
+        </p:nvPicPr>
+        <p:blipFill>
+          <a:blip r:embed="rId2">
+            <a:extLst>
+              <a:ext uri="{28A0092B-C50C-407E-A947-70E740481C1C}">
+                <a14:useLocalDpi xmlns:a14="http://schemas.microsoft.com/office/drawing/2010/main" val="0"/>
+              </a:ext>
+            </a:extLst>
+          </a:blip>
+          <a:srcRect/>
+          <a:stretch>
+            <a:fillRect/>
+          </a:stretch>
+        </p:blipFill>
+        <p:spPr bwMode="auto">
+          <a:xfrm>
+            <a:off x="2062164" y="5927725"/>
+            <a:ext cx="3381375" cy="527050"/>
+          </a:xfrm>
+          <a:prstGeom prst="rect">
+            <a:avLst/>
+          </a:prstGeom>
+          <a:noFill/>
+          <a:ln>
+            <a:noFill/>
+          </a:ln>
+          <a:extLst>
+            <a:ext uri="{909E8E84-426E-40DD-AFC4-6F175D3DCCD1}">
+              <a14:hiddenFill xmlns:a14="http://schemas.microsoft.com/office/drawing/2010/main">
+                <a:solidFill>
+                  <a:srgbClr val="FFFFFF"/>
+                </a:solidFill>
+              </a14:hiddenFill>
+            </a:ext>
+            <a:ext uri="{91240B29-F687-4F45-9708-019B960494DF}">
+              <a14:hiddenLine xmlns:a14="http://schemas.microsoft.com/office/drawing/2010/main" w="9525">
+                <a:solidFill>
+                  <a:srgbClr val="000000"/>
+                </a:solidFill>
+                <a:miter lim="800000"/>
+                <a:headEnd/>
+                <a:tailEnd/>
+              </a14:hiddenLine>
+            </a:ext>
+          </a:extLst>
+        </p:spPr>
+      </p:pic>
+    </p:spTree>
+  </p:cSld>
+  <p:clrMapOvr>
+    <a:masterClrMapping/>
+  </p:clrMapOvr>
+  <p:timing>
+    <p:tnLst>
+      <p:par>
+        <p:cTn id="1" dur="indefinite" restart="never" nodeType="tmRoot"/>
+      </p:par>
+    </p:tnLst>
+  </p:timing>
+</p:sld>
+</file>
+
+<file path=ppt/slides/slide5.xml><?xml version="1.0" encoding="utf-8"?>
+<p:sld xmlns:a="http://schemas.openxmlformats.org/drawingml/2006/main" xmlns:r="http://schemas.openxmlformats.org/officeDocument/2006/relationships" xmlns:p="http://schemas.openxmlformats.org/presentationml/2006/main">
+  <p:cSld>
+    <p:spTree>
+      <p:nvGrpSpPr>
+        <p:cNvPr id="1" name=""/>
+        <p:cNvGrpSpPr/>
+        <p:nvPr/>
+      </p:nvGrpSpPr>
+      <p:grpSpPr>
+        <a:xfrm>
+          <a:off x="0" y="0"/>
+          <a:ext cx="0" cy="0"/>
+          <a:chOff x="0" y="0"/>
+          <a:chExt cx="0" cy="0"/>
+        </a:xfrm>
+      </p:grpSpPr>
+      <p:pic>
+        <p:nvPicPr>
+          <p:cNvPr id="4098" name="Picture 4"/>
+          <p:cNvPicPr>
+            <a:picLocks noChangeAspect="1" noChangeArrowheads="1"/>
+          </p:cNvPicPr>
+          <p:nvPr/>
+        </p:nvPicPr>
+        <p:blipFill>
+          <a:blip r:embed="rId1">
+            <a:extLst>
+              <a:ext uri="{28A0092B-C50C-407E-A947-70E740481C1C}">
+                <a14:useLocalDpi xmlns:a14="http://schemas.microsoft.com/office/drawing/2010/main" val="0"/>
+              </a:ext>
+            </a:extLst>
+          </a:blip>
+          <a:srcRect/>
+          <a:stretch>
+            <a:fillRect/>
+          </a:stretch>
+        </p:blipFill>
+        <p:spPr bwMode="auto">
+          <a:xfrm>
+            <a:off x="0" y="0"/>
+            <a:ext cx="12192000" cy="6858000"/>
+          </a:xfrm>
+          <a:prstGeom prst="rect">
+            <a:avLst/>
+          </a:prstGeom>
+          <a:noFill/>
+          <a:ln>
+            <a:noFill/>
+          </a:ln>
+          <a:extLst>
+            <a:ext uri="{909E8E84-426E-40DD-AFC4-6F175D3DCCD1}">
+              <a14:hiddenFill xmlns:a14="http://schemas.microsoft.com/office/drawing/2010/main">
+                <a:solidFill>
+                  <a:srgbClr val="FFFFFF"/>
+                </a:solidFill>
+              </a14:hiddenFill>
+            </a:ext>
+            <a:ext uri="{91240B29-F687-4F45-9708-019B960494DF}">
+              <a14:hiddenLine xmlns:a14="http://schemas.microsoft.com/office/drawing/2010/main" w="9525">
+                <a:solidFill>
+                  <a:srgbClr val="000000"/>
+                </a:solidFill>
+                <a:miter lim="800000"/>
+                <a:headEnd/>
+                <a:tailEnd/>
+              </a14:hiddenLine>
+            </a:ext>
+          </a:extLst>
+        </p:spPr>
+      </p:pic>
+      <p:sp>
+        <p:nvSpPr>
+          <p:cNvPr id="4099" name="Rectangle 2"/>
+          <p:cNvSpPr>
+            <a:spLocks noGrp="1" noChangeArrowheads="1"/>
+          </p:cNvSpPr>
+          <p:nvPr>
+            <p:ph type="ctrTitle" idx="4294967295"/>
+          </p:nvPr>
+        </p:nvSpPr>
+        <p:spPr bwMode="auto">
+          <a:xfrm>
+            <a:off x="1809751" y="2428876"/>
+            <a:ext cx="7286625" cy="1116013"/>
+          </a:xfrm>
+          <a:prstGeom prst="rect">
+            <a:avLst/>
+          </a:prstGeom>
+          <a:noFill/>
+          <a:extLst>
+            <a:ext uri="{909E8E84-426E-40DD-AFC4-6F175D3DCCD1}">
+              <a14:hiddenFill xmlns:a14="http://schemas.microsoft.com/office/drawing/2010/main">
+                <a:solidFill>
+                  <a:srgbClr val="FFFFFF"/>
+                </a:solidFill>
+              </a14:hiddenFill>
+            </a:ext>
+            <a:ext uri="{91240B29-F687-4F45-9708-019B960494DF}">
+              <a14:hiddenLine xmlns:a14="http://schemas.microsoft.com/office/drawing/2010/main" w="9525">
+                <a:solidFill>
+                  <a:srgbClr val="000000"/>
+                </a:solidFill>
+                <a:miter lim="800000"/>
+                <a:headEnd/>
+                <a:tailEnd/>
+              </a14:hiddenLine>
+            </a:ext>
+          </a:extLst>
+        </p:spPr>
+        <p:txBody>
+          <a:bodyPr anchor="b"/>
+          <a:lstStyle/>
+          <a:p>
+            <a:pPr algn="ctr" eaLnBrk="1" hangingPunct="1"/>
+            <a:r>
+              <a:rPr lang="en-US" sz="4800" b="1" dirty="0">
+                <a:sym typeface="+mn-ea"/>
+              </a:rPr>
+              <a:t>JavaScript</a:t>
+            </a:r>
+            <a:r>
+              <a:rPr lang="zh-CN" altLang="en-US" sz="4800" b="1" dirty="0">
+                <a:sym typeface="+mn-ea"/>
+              </a:rPr>
+              <a:t>进阶</a:t>
+            </a:r>
+            <a:endParaRPr kumimoji="0" lang="zh-CN" altLang="zh-CN" sz="4800" b="1"/>
+          </a:p>
+        </p:txBody>
+      </p:sp>
+      <p:sp>
+        <p:nvSpPr>
+          <p:cNvPr id="4100" name="TextBox 4"/>
+          <p:cNvSpPr txBox="1">
+            <a:spLocks noChangeArrowheads="1"/>
+          </p:cNvSpPr>
+          <p:nvPr/>
+        </p:nvSpPr>
+        <p:spPr bwMode="auto">
+          <a:xfrm>
+            <a:off x="5381626" y="4143375"/>
+            <a:ext cx="5286375" cy="583565"/>
+          </a:xfrm>
+          <a:prstGeom prst="rect">
+            <a:avLst/>
+          </a:prstGeom>
+          <a:noFill/>
+          <a:ln>
+            <a:noFill/>
+          </a:ln>
+          <a:extLst>
+            <a:ext uri="{909E8E84-426E-40DD-AFC4-6F175D3DCCD1}">
+              <a14:hiddenFill xmlns:a14="http://schemas.microsoft.com/office/drawing/2010/main">
+                <a:solidFill>
+                  <a:srgbClr val="FFFFFF"/>
+                </a:solidFill>
+              </a14:hiddenFill>
+            </a:ext>
+            <a:ext uri="{91240B29-F687-4F45-9708-019B960494DF}">
+              <a14:hiddenLine xmlns:a14="http://schemas.microsoft.com/office/drawing/2010/main" w="9525">
+                <a:solidFill>
+                  <a:srgbClr val="000000"/>
+                </a:solidFill>
+                <a:miter lim="800000"/>
+                <a:headEnd/>
+                <a:tailEnd/>
+              </a14:hiddenLine>
+            </a:ext>
+          </a:extLst>
+        </p:spPr>
+        <p:txBody>
+          <a:bodyPr>
+            <a:spAutoFit/>
+          </a:bodyPr>
+          <a:lstStyle>
+            <a:lvl1pPr>
+              <a:defRPr sz="3200">
+                <a:solidFill>
+                  <a:schemeClr val="tx1"/>
+                </a:solidFill>
+                <a:latin typeface="Arial" panose="020B0604020202020204" pitchFamily="34" charset="0"/>
+                <a:ea typeface="微软雅黑" panose="020B0503020204020204" pitchFamily="34" charset="-122"/>
+              </a:defRPr>
+            </a:lvl1pPr>
+            <a:lvl2pPr marL="742950" indent="-285750">
+              <a:defRPr sz="3200">
+                <a:solidFill>
+                  <a:schemeClr val="tx1"/>
+                </a:solidFill>
+                <a:latin typeface="Arial" panose="020B0604020202020204" pitchFamily="34" charset="0"/>
+                <a:ea typeface="微软雅黑" panose="020B0503020204020204" pitchFamily="34" charset="-122"/>
+              </a:defRPr>
+            </a:lvl2pPr>
+            <a:lvl3pPr marL="1143000" indent="-228600">
+              <a:defRPr sz="3200">
+                <a:solidFill>
+                  <a:schemeClr val="tx1"/>
+                </a:solidFill>
+                <a:latin typeface="Arial" panose="020B0604020202020204" pitchFamily="34" charset="0"/>
+                <a:ea typeface="微软雅黑" panose="020B0503020204020204" pitchFamily="34" charset="-122"/>
+              </a:defRPr>
+            </a:lvl3pPr>
+            <a:lvl4pPr marL="1600200" indent="-228600">
+              <a:defRPr sz="3200">
+                <a:solidFill>
+                  <a:schemeClr val="tx1"/>
+                </a:solidFill>
+                <a:latin typeface="Arial" panose="020B0604020202020204" pitchFamily="34" charset="0"/>
+                <a:ea typeface="微软雅黑" panose="020B0503020204020204" pitchFamily="34" charset="-122"/>
+              </a:defRPr>
+            </a:lvl4pPr>
+            <a:lvl5pPr marL="2057400" indent="-228600">
+              <a:defRPr sz="3200">
+                <a:solidFill>
+                  <a:schemeClr val="tx1"/>
+                </a:solidFill>
+                <a:latin typeface="Arial" panose="020B0604020202020204" pitchFamily="34" charset="0"/>
+                <a:ea typeface="微软雅黑" panose="020B0503020204020204" pitchFamily="34" charset="-122"/>
+              </a:defRPr>
+            </a:lvl5pPr>
+            <a:lvl6pPr marL="2514600" indent="-228600" eaLnBrk="0" fontAlgn="base" hangingPunct="0">
+              <a:spcBef>
+                <a:spcPct val="0"/>
+              </a:spcBef>
+              <a:spcAft>
+                <a:spcPct val="0"/>
+              </a:spcAft>
+              <a:defRPr sz="3200">
+                <a:solidFill>
+                  <a:schemeClr val="tx1"/>
+                </a:solidFill>
+                <a:latin typeface="Arial" panose="020B0604020202020204" pitchFamily="34" charset="0"/>
+                <a:ea typeface="微软雅黑" panose="020B0503020204020204" pitchFamily="34" charset="-122"/>
+              </a:defRPr>
+            </a:lvl6pPr>
+            <a:lvl7pPr marL="2971800" indent="-228600" eaLnBrk="0" fontAlgn="base" hangingPunct="0">
+              <a:spcBef>
+                <a:spcPct val="0"/>
+              </a:spcBef>
+              <a:spcAft>
+                <a:spcPct val="0"/>
+              </a:spcAft>
+              <a:defRPr sz="3200">
+                <a:solidFill>
+                  <a:schemeClr val="tx1"/>
+                </a:solidFill>
+                <a:latin typeface="Arial" panose="020B0604020202020204" pitchFamily="34" charset="0"/>
+                <a:ea typeface="微软雅黑" panose="020B0503020204020204" pitchFamily="34" charset="-122"/>
+              </a:defRPr>
+            </a:lvl7pPr>
+            <a:lvl8pPr marL="3429000" indent="-228600" eaLnBrk="0" fontAlgn="base" hangingPunct="0">
+              <a:spcBef>
+                <a:spcPct val="0"/>
+              </a:spcBef>
+              <a:spcAft>
+                <a:spcPct val="0"/>
+              </a:spcAft>
+              <a:defRPr sz="3200">
+                <a:solidFill>
+                  <a:schemeClr val="tx1"/>
+                </a:solidFill>
+                <a:latin typeface="Arial" panose="020B0604020202020204" pitchFamily="34" charset="0"/>
+                <a:ea typeface="微软雅黑" panose="020B0503020204020204" pitchFamily="34" charset="-122"/>
+              </a:defRPr>
+            </a:lvl8pPr>
+            <a:lvl9pPr marL="3886200" indent="-228600" eaLnBrk="0" fontAlgn="base" hangingPunct="0">
+              <a:spcBef>
+                <a:spcPct val="0"/>
+              </a:spcBef>
+              <a:spcAft>
+                <a:spcPct val="0"/>
+              </a:spcAft>
+              <a:defRPr sz="3200">
+                <a:solidFill>
+                  <a:schemeClr val="tx1"/>
+                </a:solidFill>
+                <a:latin typeface="Arial" panose="020B0604020202020204" pitchFamily="34" charset="0"/>
+                <a:ea typeface="微软雅黑" panose="020B0503020204020204" pitchFamily="34" charset="-122"/>
+              </a:defRPr>
+            </a:lvl9pPr>
+          </a:lstStyle>
+          <a:p>
+            <a:r>
+              <a:rPr lang="en-US" altLang="zh-CN">
+                <a:latin typeface="微软雅黑" panose="020B0503020204020204" pitchFamily="34" charset="-122"/>
+                <a:ea typeface="宋体" panose="02010600030101010101" pitchFamily="2" charset="-122"/>
+                <a:sym typeface="+mn-ea"/>
+              </a:rPr>
+              <a:t>---JSON</a:t>
+            </a:r>
+            <a:r>
+              <a:rPr lang="zh-CN" altLang="en-US">
+                <a:latin typeface="+mj-ea"/>
+                <a:ea typeface="+mj-ea"/>
+                <a:sym typeface="+mn-ea"/>
+              </a:rPr>
+              <a:t>对象</a:t>
+            </a:r>
+            <a:endParaRPr lang="zh-CN" altLang="en-US" dirty="0">
+              <a:latin typeface="微软雅黑" panose="020B0503020204020204" pitchFamily="34" charset="-122"/>
+              <a:ea typeface="宋体" panose="02010600030101010101" pitchFamily="2" charset="-122"/>
+              <a:sym typeface="+mn-ea"/>
+            </a:endParaRPr>
+          </a:p>
+        </p:txBody>
+      </p:sp>
+      <p:pic>
+        <p:nvPicPr>
+          <p:cNvPr id="4101" name="图片 4" descr="软院logo横版.png"/>
+          <p:cNvPicPr>
+            <a:picLocks noChangeAspect="1"/>
+          </p:cNvPicPr>
+          <p:nvPr/>
+        </p:nvPicPr>
+        <p:blipFill>
+          <a:blip r:embed="rId2">
+            <a:extLst>
+              <a:ext uri="{28A0092B-C50C-407E-A947-70E740481C1C}">
+                <a14:useLocalDpi xmlns:a14="http://schemas.microsoft.com/office/drawing/2010/main" val="0"/>
+              </a:ext>
+            </a:extLst>
+          </a:blip>
+          <a:srcRect/>
+          <a:stretch>
+            <a:fillRect/>
+          </a:stretch>
+        </p:blipFill>
+        <p:spPr bwMode="auto">
+          <a:xfrm>
+            <a:off x="6604001" y="5784851"/>
+            <a:ext cx="3381375" cy="525463"/>
+          </a:xfrm>
+          <a:prstGeom prst="rect">
+            <a:avLst/>
+          </a:prstGeom>
+          <a:noFill/>
+          <a:ln>
+            <a:noFill/>
+          </a:ln>
+          <a:extLst>
+            <a:ext uri="{909E8E84-426E-40DD-AFC4-6F175D3DCCD1}">
+              <a14:hiddenFill xmlns:a14="http://schemas.microsoft.com/office/drawing/2010/main">
+                <a:solidFill>
+                  <a:srgbClr val="FFFFFF"/>
+                </a:solidFill>
+              </a14:hiddenFill>
+            </a:ext>
+            <a:ext uri="{91240B29-F687-4F45-9708-019B960494DF}">
+              <a14:hiddenLine xmlns:a14="http://schemas.microsoft.com/office/drawing/2010/main" w="9525">
+                <a:solidFill>
+                  <a:srgbClr val="000000"/>
+                </a:solidFill>
+                <a:miter lim="800000"/>
+                <a:headEnd/>
+                <a:tailEnd/>
+              </a14:hiddenLine>
+            </a:ext>
+          </a:extLst>
+        </p:spPr>
+      </p:pic>
+    </p:spTree>
+  </p:cSld>
+  <p:clrMapOvr>
+    <a:masterClrMapping/>
+  </p:clrMapOvr>
+  <p:transition advClick="0"/>
+  <p:timing>
+    <p:tnLst>
+      <p:par>
+        <p:cTn id="1" dur="indefinite" restart="never" nodeType="tmRoot"/>
+      </p:par>
+    </p:tnLst>
+  </p:timing>
+</p:sld>
+</file>
+
+<file path=ppt/slides/slide6.xml><?xml version="1.0" encoding="utf-8"?>
+<p:sld xmlns:a="http://schemas.openxmlformats.org/drawingml/2006/main" xmlns:r="http://schemas.openxmlformats.org/officeDocument/2006/relationships" xmlns:p="http://schemas.openxmlformats.org/presentationml/2006/main">
+  <p:cSld>
+    <p:spTree>
+      <p:nvGrpSpPr>
+        <p:cNvPr id="1" name=""/>
+        <p:cNvGrpSpPr/>
+        <p:nvPr/>
+      </p:nvGrpSpPr>
+      <p:grpSpPr>
+        <a:xfrm>
+          <a:off x="0" y="0"/>
+          <a:ext cx="0" cy="0"/>
+          <a:chOff x="0" y="0"/>
+          <a:chExt cx="0" cy="0"/>
+        </a:xfrm>
+      </p:grpSpPr>
+      <p:sp>
+        <p:nvSpPr>
+          <p:cNvPr id="5123" name="AutoShape 6"/>
+          <p:cNvSpPr>
+            <a:spLocks noChangeArrowheads="1"/>
+          </p:cNvSpPr>
+          <p:nvPr/>
+        </p:nvSpPr>
+        <p:spPr bwMode="auto">
+          <a:xfrm>
+            <a:off x="2566988" y="1339851"/>
+            <a:ext cx="6711950" cy="4214813"/>
+          </a:xfrm>
+          <a:prstGeom prst="roundRect">
+            <a:avLst>
+              <a:gd name="adj" fmla="val 16667"/>
+            </a:avLst>
+          </a:prstGeom>
+          <a:noFill/>
+          <a:ln w="28575">
+            <a:solidFill>
+              <a:srgbClr val="C0C0C0"/>
+            </a:solidFill>
+            <a:prstDash val="sysDot"/>
+            <a:round/>
+          </a:ln>
+          <a:extLst>
+            <a:ext uri="{909E8E84-426E-40DD-AFC4-6F175D3DCCD1}">
+              <a14:hiddenFill xmlns:a14="http://schemas.microsoft.com/office/drawing/2010/main">
+                <a:solidFill>
+                  <a:srgbClr val="FFFFFF"/>
+                </a:solidFill>
+              </a14:hiddenFill>
+            </a:ext>
+          </a:extLst>
+        </p:spPr>
+        <p:txBody>
+          <a:bodyPr wrap="none" anchor="ctr"/>
+          <a:lstStyle>
+            <a:lvl1pPr marL="457200" indent="-457200">
+              <a:defRPr sz="3200">
+                <a:solidFill>
+                  <a:schemeClr val="tx1"/>
+                </a:solidFill>
+                <a:latin typeface="Arial" panose="020B0604020202020204" pitchFamily="34" charset="0"/>
+                <a:ea typeface="微软雅黑" panose="020B0503020204020204" pitchFamily="34" charset="-122"/>
+              </a:defRPr>
+            </a:lvl1pPr>
+            <a:lvl2pPr marL="742950" indent="-285750">
+              <a:defRPr sz="3200">
+                <a:solidFill>
+                  <a:schemeClr val="tx1"/>
+                </a:solidFill>
+                <a:latin typeface="Arial" panose="020B0604020202020204" pitchFamily="34" charset="0"/>
+                <a:ea typeface="微软雅黑" panose="020B0503020204020204" pitchFamily="34" charset="-122"/>
+              </a:defRPr>
+            </a:lvl2pPr>
+            <a:lvl3pPr marL="1143000" indent="-228600">
+              <a:defRPr sz="3200">
+                <a:solidFill>
+                  <a:schemeClr val="tx1"/>
+                </a:solidFill>
+                <a:latin typeface="Arial" panose="020B0604020202020204" pitchFamily="34" charset="0"/>
+                <a:ea typeface="微软雅黑" panose="020B0503020204020204" pitchFamily="34" charset="-122"/>
+              </a:defRPr>
+            </a:lvl3pPr>
+            <a:lvl4pPr marL="1600200" indent="-228600">
+              <a:defRPr sz="3200">
+                <a:solidFill>
+                  <a:schemeClr val="tx1"/>
+                </a:solidFill>
+                <a:latin typeface="Arial" panose="020B0604020202020204" pitchFamily="34" charset="0"/>
+                <a:ea typeface="微软雅黑" panose="020B0503020204020204" pitchFamily="34" charset="-122"/>
+              </a:defRPr>
+            </a:lvl4pPr>
+            <a:lvl5pPr marL="2057400" indent="-228600">
+              <a:defRPr sz="3200">
+                <a:solidFill>
+                  <a:schemeClr val="tx1"/>
+                </a:solidFill>
+                <a:latin typeface="Arial" panose="020B0604020202020204" pitchFamily="34" charset="0"/>
+                <a:ea typeface="微软雅黑" panose="020B0503020204020204" pitchFamily="34" charset="-122"/>
+              </a:defRPr>
+            </a:lvl5pPr>
+            <a:lvl6pPr marL="2514600" indent="-228600" eaLnBrk="0" fontAlgn="base" hangingPunct="0">
+              <a:spcBef>
+                <a:spcPct val="0"/>
+              </a:spcBef>
+              <a:spcAft>
+                <a:spcPct val="0"/>
+              </a:spcAft>
+              <a:defRPr sz="3200">
+                <a:solidFill>
+                  <a:schemeClr val="tx1"/>
+                </a:solidFill>
+                <a:latin typeface="Arial" panose="020B0604020202020204" pitchFamily="34" charset="0"/>
+                <a:ea typeface="微软雅黑" panose="020B0503020204020204" pitchFamily="34" charset="-122"/>
+              </a:defRPr>
+            </a:lvl6pPr>
+            <a:lvl7pPr marL="2971800" indent="-228600" eaLnBrk="0" fontAlgn="base" hangingPunct="0">
+              <a:spcBef>
+                <a:spcPct val="0"/>
+              </a:spcBef>
+              <a:spcAft>
+                <a:spcPct val="0"/>
+              </a:spcAft>
+              <a:defRPr sz="3200">
+                <a:solidFill>
+                  <a:schemeClr val="tx1"/>
+                </a:solidFill>
+                <a:latin typeface="Arial" panose="020B0604020202020204" pitchFamily="34" charset="0"/>
+                <a:ea typeface="微软雅黑" panose="020B0503020204020204" pitchFamily="34" charset="-122"/>
+              </a:defRPr>
+            </a:lvl7pPr>
+            <a:lvl8pPr marL="3429000" indent="-228600" eaLnBrk="0" fontAlgn="base" hangingPunct="0">
+              <a:spcBef>
+                <a:spcPct val="0"/>
+              </a:spcBef>
+              <a:spcAft>
+                <a:spcPct val="0"/>
+              </a:spcAft>
+              <a:defRPr sz="3200">
+                <a:solidFill>
+                  <a:schemeClr val="tx1"/>
+                </a:solidFill>
+                <a:latin typeface="Arial" panose="020B0604020202020204" pitchFamily="34" charset="0"/>
+                <a:ea typeface="微软雅黑" panose="020B0503020204020204" pitchFamily="34" charset="-122"/>
+              </a:defRPr>
+            </a:lvl8pPr>
+            <a:lvl9pPr marL="3886200" indent="-228600" eaLnBrk="0" fontAlgn="base" hangingPunct="0">
+              <a:spcBef>
+                <a:spcPct val="0"/>
+              </a:spcBef>
+              <a:spcAft>
+                <a:spcPct val="0"/>
+              </a:spcAft>
+              <a:defRPr sz="3200">
+                <a:solidFill>
+                  <a:schemeClr val="tx1"/>
+                </a:solidFill>
+                <a:latin typeface="Arial" panose="020B0604020202020204" pitchFamily="34" charset="0"/>
+                <a:ea typeface="微软雅黑" panose="020B0503020204020204" pitchFamily="34" charset="-122"/>
+              </a:defRPr>
+            </a:lvl9pPr>
+          </a:lstStyle>
+          <a:p>
+            <a:pPr algn="l">
+              <a:lnSpc>
+                <a:spcPct val="150000"/>
+              </a:lnSpc>
+              <a:spcBef>
+                <a:spcPts val="1200"/>
+              </a:spcBef>
+              <a:spcAft>
+                <a:spcPts val="1200"/>
+              </a:spcAft>
+              <a:buClr>
+                <a:srgbClr val="92D050"/>
+              </a:buClr>
+              <a:buFont typeface="Wingdings" panose="05000000000000000000" pitchFamily="2" charset="2"/>
+              <a:buChar char="Ø"/>
+            </a:pPr>
+            <a:r>
+              <a:rPr lang="en-US" altLang="zh-CN" sz="2800" b="1">
+                <a:solidFill>
+                  <a:schemeClr val="tx1"/>
+                </a:solidFill>
+                <a:sym typeface="+mn-ea"/>
+              </a:rPr>
+              <a:t>JSON</a:t>
+            </a:r>
+            <a:r>
+              <a:rPr lang="zh-CN" altLang="en-US" sz="2800" b="1">
+                <a:solidFill>
+                  <a:schemeClr val="tx1"/>
+                </a:solidFill>
+                <a:sym typeface="+mn-ea"/>
+              </a:rPr>
+              <a:t>对象简介</a:t>
+            </a:r>
+            <a:endParaRPr lang="zh-CN" altLang="en-US" sz="2800" b="1">
+              <a:solidFill>
+                <a:schemeClr val="tx1"/>
+              </a:solidFill>
+              <a:sym typeface="+mn-ea"/>
+            </a:endParaRPr>
+          </a:p>
+          <a:p>
+            <a:pPr algn="l">
+              <a:lnSpc>
+                <a:spcPct val="150000"/>
+              </a:lnSpc>
+              <a:spcBef>
+                <a:spcPts val="1200"/>
+              </a:spcBef>
+              <a:spcAft>
+                <a:spcPts val="1200"/>
+              </a:spcAft>
+              <a:buClr>
+                <a:srgbClr val="92D050"/>
+              </a:buClr>
+              <a:buFont typeface="Wingdings" panose="05000000000000000000" pitchFamily="2" charset="2"/>
+              <a:buChar char="Ø"/>
+            </a:pPr>
+            <a:r>
+              <a:rPr lang="en-US" altLang="zh-CN" sz="2800" b="1">
+                <a:solidFill>
+                  <a:schemeClr val="tx1"/>
+                </a:solidFill>
+                <a:sym typeface="+mn-ea"/>
+              </a:rPr>
+              <a:t>JSON</a:t>
+            </a:r>
+            <a:r>
+              <a:rPr lang="zh-CN" altLang="en-US" sz="2800" b="1">
+                <a:solidFill>
+                  <a:schemeClr val="tx1"/>
+                </a:solidFill>
+                <a:sym typeface="+mn-ea"/>
+              </a:rPr>
+              <a:t>序列化</a:t>
+            </a:r>
+            <a:endParaRPr lang="zh-CN" altLang="en-US" sz="2800" b="1">
+              <a:solidFill>
+                <a:schemeClr val="tx1"/>
+              </a:solidFill>
+              <a:sym typeface="+mn-ea"/>
+            </a:endParaRPr>
+          </a:p>
+          <a:p>
+            <a:pPr algn="l">
+              <a:lnSpc>
+                <a:spcPct val="150000"/>
+              </a:lnSpc>
+              <a:spcBef>
+                <a:spcPts val="1200"/>
+              </a:spcBef>
+              <a:spcAft>
+                <a:spcPts val="1200"/>
+              </a:spcAft>
+              <a:buClr>
+                <a:srgbClr val="92D050"/>
+              </a:buClr>
+              <a:buFont typeface="Wingdings" panose="05000000000000000000" pitchFamily="2" charset="2"/>
+              <a:buChar char="Ø"/>
+            </a:pPr>
+            <a:r>
+              <a:rPr lang="en-US" altLang="zh-CN" sz="2800" b="1">
+                <a:solidFill>
+                  <a:schemeClr val="tx1"/>
+                </a:solidFill>
+                <a:sym typeface="+mn-ea"/>
+              </a:rPr>
+              <a:t>JSON</a:t>
+            </a:r>
+            <a:r>
+              <a:rPr lang="zh-CN" altLang="en-US" sz="2800" b="1">
+                <a:solidFill>
+                  <a:schemeClr val="tx1"/>
+                </a:solidFill>
+                <a:sym typeface="+mn-ea"/>
+              </a:rPr>
+              <a:t>解析</a:t>
+            </a:r>
+            <a:endParaRPr lang="zh-CN" altLang="en-US" sz="2800" b="1">
+              <a:solidFill>
+                <a:schemeClr val="tx1"/>
+              </a:solidFill>
+              <a:sym typeface="+mn-ea"/>
+            </a:endParaRPr>
+          </a:p>
+        </p:txBody>
+      </p:sp>
+      <p:sp>
+        <p:nvSpPr>
+          <p:cNvPr id="4" name="内容占位符 3"/>
+          <p:cNvSpPr txBox="1"/>
+          <p:nvPr/>
+        </p:nvSpPr>
+        <p:spPr>
+          <a:xfrm>
+            <a:off x="981657" y="236943"/>
+            <a:ext cx="8191557" cy="490476"/>
+          </a:xfrm>
+          <a:prstGeom prst="rect">
+            <a:avLst/>
+          </a:prstGeom>
+        </p:spPr>
+        <p:txBody>
+          <a:bodyPr/>
+          <a:lstStyle>
+            <a:lvl1pPr marL="167005" indent="-167005" algn="l" defTabSz="0" rtl="0" eaLnBrk="0" fontAlgn="base" hangingPunct="0">
+              <a:spcBef>
+                <a:spcPct val="0"/>
+              </a:spcBef>
+              <a:spcAft>
+                <a:spcPct val="15000"/>
+              </a:spcAft>
+              <a:buClr>
+                <a:schemeClr val="tx2"/>
+              </a:buClr>
+              <a:buFont typeface="Arial" panose="020B0604020202020204" pitchFamily="34" charset="0"/>
+              <a:buChar char="•"/>
+              <a:defRPr kumimoji="1" sz="1600">
+                <a:solidFill>
+                  <a:srgbClr val="006F53"/>
+                </a:solidFill>
+                <a:latin typeface="微软雅黑" panose="020B0503020204020204" pitchFamily="34" charset="-122"/>
+                <a:ea typeface="微软雅黑" panose="020B0503020204020204" pitchFamily="34" charset="-122"/>
+                <a:cs typeface="微软雅黑" panose="020B0503020204020204" pitchFamily="34" charset="-122"/>
+              </a:defRPr>
+            </a:lvl1pPr>
+            <a:lvl2pPr marL="398780" indent="-230505" algn="l" defTabSz="0" rtl="0" eaLnBrk="0" fontAlgn="base" hangingPunct="0">
+              <a:spcBef>
+                <a:spcPct val="0"/>
+              </a:spcBef>
+              <a:spcAft>
+                <a:spcPct val="15000"/>
+              </a:spcAft>
+              <a:buClr>
+                <a:schemeClr val="tx2"/>
+              </a:buClr>
+              <a:buFont typeface="Arial" panose="020B0604020202020204" pitchFamily="34" charset="0"/>
+              <a:buChar char="–"/>
+              <a:defRPr kumimoji="1" sz="2800">
+                <a:solidFill>
+                  <a:schemeClr val="bg2"/>
+                </a:solidFill>
+                <a:latin typeface="微软雅黑" panose="020B0503020204020204" pitchFamily="34" charset="-122"/>
+                <a:ea typeface="微软雅黑" panose="020B0503020204020204" pitchFamily="34" charset="-122"/>
+                <a:cs typeface="微软雅黑" panose="020B0503020204020204" pitchFamily="34" charset="-122"/>
+              </a:defRPr>
+            </a:lvl2pPr>
+            <a:lvl3pPr marL="400050" indent="182880" algn="l" defTabSz="0" rtl="0" eaLnBrk="0" fontAlgn="base" hangingPunct="0">
+              <a:spcBef>
+                <a:spcPct val="0"/>
+              </a:spcBef>
+              <a:spcAft>
+                <a:spcPct val="15000"/>
+              </a:spcAft>
+              <a:buClr>
+                <a:schemeClr val="tx2"/>
+              </a:buClr>
+              <a:buFont typeface="Arial" panose="020B0604020202020204" pitchFamily="34" charset="0"/>
+              <a:buChar char="•"/>
+              <a:defRPr kumimoji="1" sz="1600">
+                <a:solidFill>
+                  <a:schemeClr val="bg2"/>
+                </a:solidFill>
+                <a:latin typeface="微软雅黑" panose="020B0503020204020204" pitchFamily="34" charset="-122"/>
+                <a:ea typeface="微软雅黑" panose="020B0503020204020204" pitchFamily="34" charset="-122"/>
+                <a:cs typeface="微软雅黑" panose="020B0503020204020204" pitchFamily="34" charset="-122"/>
+              </a:defRPr>
+            </a:lvl3pPr>
+            <a:lvl4pPr marL="825500" indent="-241300" algn="l" defTabSz="0" rtl="0" eaLnBrk="0" fontAlgn="base" hangingPunct="0">
+              <a:spcBef>
+                <a:spcPct val="0"/>
+              </a:spcBef>
+              <a:spcAft>
+                <a:spcPct val="15000"/>
+              </a:spcAft>
+              <a:buClr>
+                <a:schemeClr val="tx2"/>
+              </a:buClr>
+              <a:buFont typeface="Arial" panose="020B0604020202020204" pitchFamily="34" charset="0"/>
+              <a:buChar char="–"/>
+              <a:defRPr kumimoji="1" sz="1600">
+                <a:solidFill>
+                  <a:schemeClr val="bg2"/>
+                </a:solidFill>
+                <a:latin typeface="微软雅黑" panose="020B0503020204020204" pitchFamily="34" charset="-122"/>
+                <a:ea typeface="微软雅黑" panose="020B0503020204020204" pitchFamily="34" charset="-122"/>
+                <a:cs typeface="微软雅黑" panose="020B0503020204020204" pitchFamily="34" charset="-122"/>
+              </a:defRPr>
+            </a:lvl4pPr>
+            <a:lvl5pPr marL="2057400" indent="-228600" algn="l" defTabSz="0" rtl="0" eaLnBrk="0" fontAlgn="base" hangingPunct="0">
+              <a:spcBef>
+                <a:spcPct val="0"/>
+              </a:spcBef>
+              <a:spcAft>
+                <a:spcPct val="25000"/>
+              </a:spcAft>
+              <a:buClr>
+                <a:schemeClr val="tx2"/>
+              </a:buClr>
+              <a:buFont typeface="Arial" panose="020B0604020202020204" pitchFamily="34" charset="0"/>
+              <a:buChar char="–"/>
+              <a:defRPr kumimoji="1" sz="2000">
+                <a:solidFill>
+                  <a:schemeClr val="tx1"/>
+                </a:solidFill>
+                <a:latin typeface="+mn-lt"/>
+                <a:ea typeface="微软雅黑" panose="020B0503020204020204" pitchFamily="34" charset="-122"/>
+                <a:cs typeface="微软雅黑" panose="020B0503020204020204" pitchFamily="34" charset="-122"/>
+              </a:defRPr>
+            </a:lvl5pPr>
+            <a:lvl6pPr marL="2514600" indent="-228600" algn="l" defTabSz="0" rtl="0" eaLnBrk="0" fontAlgn="base" hangingPunct="0">
+              <a:spcBef>
+                <a:spcPct val="0"/>
+              </a:spcBef>
+              <a:spcAft>
+                <a:spcPct val="25000"/>
+              </a:spcAft>
+              <a:buClr>
+                <a:schemeClr val="tx2"/>
+              </a:buClr>
+              <a:buFont typeface="Arial" panose="020B0604020202020204" pitchFamily="34" charset="0"/>
+              <a:buChar char="–"/>
+              <a:defRPr>
+                <a:solidFill>
+                  <a:schemeClr val="tx1"/>
+                </a:solidFill>
+                <a:latin typeface="+mn-lt"/>
+              </a:defRPr>
+            </a:lvl6pPr>
+            <a:lvl7pPr marL="2971800" indent="-228600" algn="l" defTabSz="0" rtl="0" eaLnBrk="0" fontAlgn="base" hangingPunct="0">
+              <a:spcBef>
+                <a:spcPct val="0"/>
+              </a:spcBef>
+              <a:spcAft>
+                <a:spcPct val="25000"/>
+              </a:spcAft>
+              <a:buClr>
+                <a:schemeClr val="tx2"/>
+              </a:buClr>
+              <a:buFont typeface="Arial" panose="020B0604020202020204" pitchFamily="34" charset="0"/>
+              <a:buChar char="–"/>
+              <a:defRPr>
+                <a:solidFill>
+                  <a:schemeClr val="tx1"/>
+                </a:solidFill>
+                <a:latin typeface="+mn-lt"/>
+              </a:defRPr>
+            </a:lvl7pPr>
+            <a:lvl8pPr marL="3429000" indent="-228600" algn="l" defTabSz="0" rtl="0" eaLnBrk="0" fontAlgn="base" hangingPunct="0">
+              <a:spcBef>
+                <a:spcPct val="0"/>
+              </a:spcBef>
+              <a:spcAft>
+                <a:spcPct val="25000"/>
+              </a:spcAft>
+              <a:buClr>
+                <a:schemeClr val="tx2"/>
+              </a:buClr>
+              <a:buFont typeface="Arial" panose="020B0604020202020204" pitchFamily="34" charset="0"/>
+              <a:buChar char="–"/>
+              <a:defRPr>
+                <a:solidFill>
+                  <a:schemeClr val="tx1"/>
+                </a:solidFill>
+                <a:latin typeface="+mn-lt"/>
+              </a:defRPr>
+            </a:lvl8pPr>
+            <a:lvl9pPr marL="3886200" indent="-228600" algn="l" defTabSz="0" rtl="0" eaLnBrk="0" fontAlgn="base" hangingPunct="0">
+              <a:spcBef>
+                <a:spcPct val="0"/>
+              </a:spcBef>
+              <a:spcAft>
+                <a:spcPct val="25000"/>
+              </a:spcAft>
+              <a:buClr>
+                <a:schemeClr val="tx2"/>
+              </a:buClr>
+              <a:buFont typeface="Arial" panose="020B0604020202020204" pitchFamily="34" charset="0"/>
+              <a:buChar char="–"/>
+              <a:defRPr>
+                <a:solidFill>
+                  <a:schemeClr val="tx1"/>
+                </a:solidFill>
+                <a:latin typeface="+mn-lt"/>
+              </a:defRPr>
+            </a:lvl9pPr>
+          </a:lstStyle>
+          <a:p>
+            <a:pPr marL="0" indent="0">
+              <a:buNone/>
+            </a:pPr>
+            <a:r>
+              <a:rPr lang="zh-CN" altLang="en-US" sz="3200" dirty="0" smtClean="0">
+                <a:solidFill>
+                  <a:srgbClr val="C00000"/>
+                </a:solidFill>
+                <a:cs typeface="+mn-cs"/>
+                <a:sym typeface="+mn-ea"/>
+              </a:rPr>
+              <a:t>内容提纲</a:t>
+            </a:r>
+            <a:endParaRPr lang="zh-CN" altLang="en-US" kern="0" dirty="0"/>
+          </a:p>
+        </p:txBody>
+      </p:sp>
+    </p:spTree>
+  </p:cSld>
+  <p:clrMapOvr>
+    <a:masterClrMapping/>
+  </p:clrMapOvr>
+  <p:timing>
+    <p:tnLst>
+      <p:par>
+        <p:cTn id="1" dur="indefinite" restart="never" nodeType="tmRoot"/>
+      </p:par>
+    </p:tnLst>
+  </p:timing>
+</p:sld>
+</file>
+
+<file path=ppt/slides/slide7.xml><?xml version="1.0" encoding="utf-8"?>
+<p:sld xmlns:a="http://schemas.openxmlformats.org/drawingml/2006/main" xmlns:r="http://schemas.openxmlformats.org/officeDocument/2006/relationships" xmlns:p="http://schemas.openxmlformats.org/presentationml/2006/main">
+  <p:cSld>
+    <p:spTree>
+      <p:nvGrpSpPr>
+        <p:cNvPr id="1" name=""/>
+        <p:cNvGrpSpPr/>
+        <p:nvPr/>
+      </p:nvGrpSpPr>
+      <p:grpSpPr>
+        <a:xfrm>
+          <a:off x="0" y="0"/>
+          <a:ext cx="0" cy="0"/>
+          <a:chOff x="0" y="0"/>
+          <a:chExt cx="0" cy="0"/>
+        </a:xfrm>
+      </p:grpSpPr>
+      <p:sp>
+        <p:nvSpPr>
+          <p:cNvPr id="2" name="内容占位符 1"/>
+          <p:cNvSpPr>
+            <a:spLocks noGrp="1"/>
+          </p:cNvSpPr>
+          <p:nvPr>
+            <p:ph sz="quarter" idx="10"/>
+          </p:nvPr>
+        </p:nvSpPr>
+        <p:spPr>
+          <a:xfrm>
+            <a:off x="927735" y="783590"/>
+            <a:ext cx="9776460" cy="5269230"/>
+          </a:xfrm>
+        </p:spPr>
+        <p:txBody>
+          <a:bodyPr/>
+          <a:lstStyle/>
+          <a:p>
+            <a:pPr>
+              <a:lnSpc>
+                <a:spcPct val="150000"/>
+              </a:lnSpc>
+            </a:pPr>
+            <a:r>
+              <a:rPr lang="zh-CN" altLang="en-US" sz="3200" dirty="0">
+                <a:solidFill>
+                  <a:schemeClr val="tx1"/>
+                </a:solidFill>
+                <a:sym typeface="+mn-ea"/>
+              </a:rPr>
+              <a:t>http://www.json.cn/wiki.html</a:t>
+            </a:r>
+            <a:endParaRPr lang="zh-CN" altLang="en-US" sz="3200" dirty="0">
+              <a:solidFill>
+                <a:schemeClr val="tx1"/>
+              </a:solidFill>
+              <a:sym typeface="+mn-ea"/>
+            </a:endParaRPr>
+          </a:p>
+          <a:p>
+            <a:pPr>
+              <a:lnSpc>
+                <a:spcPct val="150000"/>
+              </a:lnSpc>
+            </a:pPr>
+            <a:r>
+              <a:rPr lang="zh-CN" altLang="en-US" sz="3200" dirty="0">
+                <a:solidFill>
+                  <a:schemeClr val="tx1"/>
+                </a:solidFill>
+                <a:sym typeface="+mn-ea"/>
+              </a:rPr>
+              <a:t>http://www.json.cn/code.html</a:t>
+            </a:r>
+            <a:endParaRPr lang="zh-CN" altLang="en-US" sz="3200" dirty="0">
+              <a:solidFill>
+                <a:schemeClr val="tx1"/>
+              </a:solidFill>
+              <a:sym typeface="+mn-ea"/>
+            </a:endParaRPr>
+          </a:p>
+          <a:p>
+            <a:pPr>
+              <a:lnSpc>
+                <a:spcPct val="150000"/>
+              </a:lnSpc>
+            </a:pPr>
+            <a:r>
+              <a:rPr lang="zh-CN" altLang="en-US" sz="3200" dirty="0">
+                <a:solidFill>
+                  <a:schemeClr val="tx1"/>
+                </a:solidFill>
+                <a:sym typeface="+mn-ea"/>
+              </a:rPr>
+              <a:t>http://www.json.cn/component.html</a:t>
+            </a:r>
+            <a:endParaRPr lang="zh-CN" altLang="en-US" sz="3200" dirty="0">
+              <a:solidFill>
+                <a:schemeClr val="tx1"/>
+              </a:solidFill>
+              <a:sym typeface="+mn-ea"/>
+            </a:endParaRPr>
+          </a:p>
+          <a:p>
+            <a:pPr>
+              <a:lnSpc>
+                <a:spcPct val="150000"/>
+              </a:lnSpc>
+            </a:pPr>
+            <a:r>
+              <a:rPr lang="zh-CN" altLang="en-US" sz="3200" dirty="0">
+                <a:solidFill>
+                  <a:schemeClr val="tx1"/>
+                </a:solidFill>
+                <a:sym typeface="+mn-ea"/>
+              </a:rPr>
+              <a:t>http://www.json.cn/</a:t>
+            </a:r>
+            <a:endParaRPr lang="zh-CN" altLang="en-US" sz="3200" dirty="0">
+              <a:solidFill>
+                <a:schemeClr val="tx1"/>
+              </a:solidFill>
+              <a:sym typeface="+mn-ea"/>
+            </a:endParaRPr>
+          </a:p>
+          <a:p>
+            <a:pPr>
+              <a:lnSpc>
+                <a:spcPct val="150000"/>
+              </a:lnSpc>
+            </a:pPr>
+            <a:r>
+              <a:rPr lang="zh-CN" altLang="en-US" sz="3200" dirty="0">
+                <a:solidFill>
+                  <a:schemeClr val="tx1"/>
+                </a:solidFill>
+                <a:sym typeface="+mn-ea"/>
+              </a:rPr>
+              <a:t>http://www.json.org/json-zh.html</a:t>
+            </a:r>
+            <a:br>
+              <a:rPr lang="zh-CN" altLang="en-US" sz="3200" dirty="0">
+                <a:solidFill>
+                  <a:schemeClr val="tx1"/>
+                </a:solidFill>
+                <a:sym typeface="+mn-ea"/>
+              </a:rPr>
+            </a:br>
+            <a:endParaRPr lang="zh-CN" altLang="en-US" sz="3200" dirty="0">
+              <a:solidFill>
+                <a:schemeClr val="accent3"/>
+              </a:solidFill>
+              <a:sym typeface="+mn-ea"/>
+            </a:endParaRPr>
+          </a:p>
+          <a:p>
+            <a:pPr marL="0" indent="0">
+              <a:lnSpc>
+                <a:spcPct val="150000"/>
+              </a:lnSpc>
+              <a:buNone/>
+            </a:pPr>
+            <a:endParaRPr lang="zh-CN" altLang="en-US" sz="1800" dirty="0">
+              <a:solidFill>
+                <a:schemeClr val="tx1"/>
+              </a:solidFill>
+              <a:sym typeface="+mn-ea"/>
+            </a:endParaRPr>
+          </a:p>
+          <a:p>
+            <a:pPr marL="0" indent="0">
+              <a:lnSpc>
+                <a:spcPct val="160000"/>
+              </a:lnSpc>
+              <a:buNone/>
+            </a:pPr>
+            <a:endParaRPr lang="en-US" altLang="zh-CN" sz="1800" dirty="0">
+              <a:solidFill>
+                <a:schemeClr val="tx1"/>
+              </a:solidFill>
+              <a:sym typeface="+mn-ea"/>
+            </a:endParaRPr>
+          </a:p>
+        </p:txBody>
+      </p:sp>
+      <p:sp>
+        <p:nvSpPr>
+          <p:cNvPr id="3" name="内容占位符 2"/>
+          <p:cNvSpPr>
+            <a:spLocks noGrp="1"/>
+          </p:cNvSpPr>
+          <p:nvPr>
+            <p:ph sz="quarter" idx="11"/>
+          </p:nvPr>
+        </p:nvSpPr>
+        <p:spPr/>
+        <p:txBody>
+          <a:bodyPr/>
+          <a:lstStyle/>
+          <a:p>
+            <a:r>
+              <a:rPr lang="en-US" altLang="zh-CN" dirty="0"/>
+              <a:t>JSON</a:t>
+            </a:r>
+            <a:r>
+              <a:rPr lang="zh-CN" altLang="en-US" dirty="0"/>
+              <a:t>对象</a:t>
+            </a:r>
+            <a:endParaRPr lang="zh-CN" altLang="en-US" dirty="0"/>
+          </a:p>
+        </p:txBody>
+      </p:sp>
+    </p:spTree>
+  </p:cSld>
+  <p:clrMapOvr>
+    <a:masterClrMapping/>
+  </p:clrMapOvr>
+  <p:timing>
+    <p:tnLst>
+      <p:par>
+        <p:cTn id="1" dur="indefinite" restart="never" nodeType="tmRoot">
+          <p:childTnLst>
+            <p:seq concurrent="1" nextAc="seek">
+              <p:cTn id="2" dur="indefinite" nodeType="mainSeq">
+                <p:childTnLst>
+                  <p:par>
+                    <p:cTn id="3" fill="hold">
+                      <p:stCondLst>
+                        <p:cond delay="indefinite"/>
+                      </p:stCondLst>
+                      <p:childTnLst>
+                        <p:par>
+                          <p:cTn id="4" fill="hold">
+                            <p:stCondLst>
+                              <p:cond delay="0"/>
+                            </p:stCondLst>
+                            <p:childTnLst>
+                              <p:par>
+                                <p:cTn id="5" presetID="2" presetClass="entr" presetSubtype="4" fill="hold" nodeType="clickEffect">
+                                  <p:stCondLst>
+                                    <p:cond delay="0"/>
+                                  </p:stCondLst>
+                                  <p:childTnLst>
+                                    <p:set>
+                                      <p:cBhvr>
+                                        <p:cTn id="6" dur="1" fill="hold">
+                                          <p:stCondLst>
+                                            <p:cond delay="0"/>
+                                          </p:stCondLst>
+                                        </p:cTn>
+                                        <p:tgtEl>
+                                          <p:spTgt spid="2">
+                                            <p:txEl>
+                                              <p:pRg st="0" end="0"/>
+                                            </p:txEl>
+                                          </p:spTgt>
+                                        </p:tgtEl>
+                                        <p:attrNameLst>
+                                          <p:attrName>style.visibility</p:attrName>
+                                        </p:attrNameLst>
+                                      </p:cBhvr>
+                                      <p:to>
+                                        <p:strVal val="visible"/>
+                                      </p:to>
+                                    </p:set>
+                                    <p:anim calcmode="lin" valueType="num">
+                                      <p:cBhvr additive="base">
+                                        <p:cTn id="7" dur="500" fill="hold"/>
+                                        <p:tgtEl>
+                                          <p:spTgt spid="2">
+                                            <p:txEl>
+                                              <p:pRg st="0" end="0"/>
+                                            </p:txEl>
+                                          </p:spTgt>
+                                        </p:tgtEl>
+                                        <p:attrNameLst>
+                                          <p:attrName>ppt_x</p:attrName>
+                                        </p:attrNameLst>
+                                      </p:cBhvr>
+                                      <p:tavLst>
+                                        <p:tav tm="0">
+                                          <p:val>
+                                            <p:strVal val="#ppt_x"/>
+                                          </p:val>
+                                        </p:tav>
+                                        <p:tav tm="100000">
+                                          <p:val>
+                                            <p:strVal val="#ppt_x"/>
+                                          </p:val>
+                                        </p:tav>
+                                      </p:tavLst>
+                                    </p:anim>
+                                    <p:anim calcmode="lin" valueType="num">
+                                      <p:cBhvr additive="base">
+                                        <p:cTn id="8" dur="500" fill="hold"/>
+                                        <p:tgtEl>
+                                          <p:spTgt spid="2">
+                                            <p:txEl>
+                                              <p:pRg st="0" end="0"/>
+                                            </p:txEl>
+                                          </p:spTgt>
+                                        </p:tgtEl>
+                                        <p:attrNameLst>
+                                          <p:attrName>ppt_y</p:attrName>
+                                        </p:attrNameLst>
+                                      </p:cBhvr>
+                                      <p:tavLst>
+                                        <p:tav tm="0">
+                                          <p:val>
+                                            <p:strVal val="1+#ppt_h/2"/>
+                                          </p:val>
+                                        </p:tav>
+                                        <p:tav tm="100000">
+                                          <p:val>
+                                            <p:strVal val="#ppt_y"/>
+                                          </p:val>
+                                        </p:tav>
+                                      </p:tavLst>
+                                    </p:anim>
+                                  </p:childTnLst>
+                                </p:cTn>
+                              </p:par>
+                            </p:childTnLst>
+                          </p:cTn>
+                        </p:par>
+                      </p:childTnLst>
+                    </p:cTn>
+                  </p:par>
+                  <p:par>
+                    <p:cTn id="9" fill="hold">
+                      <p:stCondLst>
+                        <p:cond delay="indefinite"/>
+                      </p:stCondLst>
+                      <p:childTnLst>
+                        <p:par>
+                          <p:cTn id="10" fill="hold">
+                            <p:stCondLst>
+                              <p:cond delay="0"/>
+                            </p:stCondLst>
+                            <p:childTnLst>
+                              <p:par>
+                                <p:cTn id="11" presetID="2" presetClass="entr" presetSubtype="4" fill="hold" nodeType="clickEffect">
+                                  <p:stCondLst>
+                                    <p:cond delay="0"/>
+                                  </p:stCondLst>
+                                  <p:childTnLst>
+                                    <p:set>
+                                      <p:cBhvr>
+                                        <p:cTn id="12" dur="1" fill="hold">
+                                          <p:stCondLst>
+                                            <p:cond delay="0"/>
+                                          </p:stCondLst>
+                                        </p:cTn>
+                                        <p:tgtEl>
+                                          <p:spTgt spid="2">
+                                            <p:txEl>
+                                              <p:pRg st="1" end="1"/>
+                                            </p:txEl>
+                                          </p:spTgt>
+                                        </p:tgtEl>
+                                        <p:attrNameLst>
+                                          <p:attrName>style.visibility</p:attrName>
+                                        </p:attrNameLst>
+                                      </p:cBhvr>
+                                      <p:to>
+                                        <p:strVal val="visible"/>
+                                      </p:to>
+                                    </p:set>
+                                    <p:anim calcmode="lin" valueType="num">
+                                      <p:cBhvr additive="base">
+                                        <p:cTn id="13" dur="500" fill="hold"/>
+                                        <p:tgtEl>
+                                          <p:spTgt spid="2">
+                                            <p:txEl>
+                                              <p:pRg st="1" end="1"/>
+                                            </p:txEl>
+                                          </p:spTgt>
+                                        </p:tgtEl>
+                                        <p:attrNameLst>
+                                          <p:attrName>ppt_x</p:attrName>
+                                        </p:attrNameLst>
+                                      </p:cBhvr>
+                                      <p:tavLst>
+                                        <p:tav tm="0">
+                                          <p:val>
+                                            <p:strVal val="#ppt_x"/>
+                                          </p:val>
+                                        </p:tav>
+                                        <p:tav tm="100000">
+                                          <p:val>
+                                            <p:strVal val="#ppt_x"/>
+                                          </p:val>
+                                        </p:tav>
+                                      </p:tavLst>
+                                    </p:anim>
+                                    <p:anim calcmode="lin" valueType="num">
+                                      <p:cBhvr additive="base">
+                                        <p:cTn id="14" dur="500" fill="hold"/>
+                                        <p:tgtEl>
+                                          <p:spTgt spid="2">
+                                            <p:txEl>
+                                              <p:pRg st="1" end="1"/>
+                                            </p:txEl>
+                                          </p:spTgt>
+                                        </p:tgtEl>
+                                        <p:attrNameLst>
+                                          <p:attrName>ppt_y</p:attrName>
+                                        </p:attrNameLst>
+                                      </p:cBhvr>
+                                      <p:tavLst>
+                                        <p:tav tm="0">
+                                          <p:val>
+                                            <p:strVal val="1+#ppt_h/2"/>
+                                          </p:val>
+                                        </p:tav>
+                                        <p:tav tm="100000">
+                                          <p:val>
+                                            <p:strVal val="#ppt_y"/>
+                                          </p:val>
+                                        </p:tav>
+                                      </p:tavLst>
+                                    </p:anim>
+                                  </p:childTnLst>
+                                </p:cTn>
+                              </p:par>
+                            </p:childTnLst>
+                          </p:cTn>
+                        </p:par>
+                      </p:childTnLst>
+                    </p:cTn>
+                  </p:par>
+                  <p:par>
+                    <p:cTn id="15" fill="hold">
+                      <p:stCondLst>
+                        <p:cond delay="indefinite"/>
+                      </p:stCondLst>
+                      <p:childTnLst>
+                        <p:par>
+                          <p:cTn id="16" fill="hold">
+                            <p:stCondLst>
+                              <p:cond delay="0"/>
+                            </p:stCondLst>
+                            <p:childTnLst>
+                              <p:par>
+                                <p:cTn id="17" presetID="2" presetClass="entr" presetSubtype="4" fill="hold" nodeType="clickEffect">
+                                  <p:stCondLst>
+                                    <p:cond delay="0"/>
+                                  </p:stCondLst>
+                                  <p:childTnLst>
+                                    <p:set>
+                                      <p:cBhvr>
+                                        <p:cTn id="18" dur="1" fill="hold">
+                                          <p:stCondLst>
+                                            <p:cond delay="0"/>
+                                          </p:stCondLst>
+                                        </p:cTn>
+                                        <p:tgtEl>
+                                          <p:spTgt spid="2">
+                                            <p:txEl>
+                                              <p:pRg st="2" end="2"/>
+                                            </p:txEl>
+                                          </p:spTgt>
+                                        </p:tgtEl>
+                                        <p:attrNameLst>
+                                          <p:attrName>style.visibility</p:attrName>
+                                        </p:attrNameLst>
+                                      </p:cBhvr>
+                                      <p:to>
+                                        <p:strVal val="visible"/>
+                                      </p:to>
+                                    </p:set>
+                                    <p:anim calcmode="lin" valueType="num">
+                                      <p:cBhvr additive="base">
+                                        <p:cTn id="19" dur="500" fill="hold"/>
+                                        <p:tgtEl>
+                                          <p:spTgt spid="2">
+                                            <p:txEl>
+                                              <p:pRg st="2" end="2"/>
+                                            </p:txEl>
+                                          </p:spTgt>
+                                        </p:tgtEl>
+                                        <p:attrNameLst>
+                                          <p:attrName>ppt_x</p:attrName>
+                                        </p:attrNameLst>
+                                      </p:cBhvr>
+                                      <p:tavLst>
+                                        <p:tav tm="0">
+                                          <p:val>
+                                            <p:strVal val="#ppt_x"/>
+                                          </p:val>
+                                        </p:tav>
+                                        <p:tav tm="100000">
+                                          <p:val>
+                                            <p:strVal val="#ppt_x"/>
+                                          </p:val>
+                                        </p:tav>
+                                      </p:tavLst>
+                                    </p:anim>
+                                    <p:anim calcmode="lin" valueType="num">
+                                      <p:cBhvr additive="base">
+                                        <p:cTn id="20" dur="500" fill="hold"/>
+                                        <p:tgtEl>
+                                          <p:spTgt spid="2">
+                                            <p:txEl>
+                                              <p:pRg st="2" end="2"/>
+                                            </p:txEl>
+                                          </p:spTgt>
+                                        </p:tgtEl>
+                                        <p:attrNameLst>
+                                          <p:attrName>ppt_y</p:attrName>
+                                        </p:attrNameLst>
+                                      </p:cBhvr>
+                                      <p:tavLst>
+                                        <p:tav tm="0">
+                                          <p:val>
+                                            <p:strVal val="1+#ppt_h/2"/>
+                                          </p:val>
+                                        </p:tav>
+                                        <p:tav tm="100000">
+                                          <p:val>
+                                            <p:strVal val="#ppt_y"/>
+                                          </p:val>
+                                        </p:tav>
+                                      </p:tavLst>
+                                    </p:anim>
+                                  </p:childTnLst>
+                                </p:cTn>
+                              </p:par>
+                            </p:childTnLst>
+                          </p:cTn>
+                        </p:par>
+                      </p:childTnLst>
+                    </p:cTn>
+                  </p:par>
+                  <p:par>
+                    <p:cTn id="21" fill="hold">
+                      <p:stCondLst>
+                        <p:cond delay="indefinite"/>
+                      </p:stCondLst>
+                      <p:childTnLst>
+                        <p:par>
+                          <p:cTn id="22" fill="hold">
+                            <p:stCondLst>
+                              <p:cond delay="0"/>
+                            </p:stCondLst>
+                            <p:childTnLst>
+                              <p:par>
+                                <p:cTn id="23" presetID="2" presetClass="entr" presetSubtype="4" fill="hold" nodeType="clickEffect">
+                                  <p:stCondLst>
+                                    <p:cond delay="0"/>
+                                  </p:stCondLst>
+                                  <p:childTnLst>
+                                    <p:set>
+                                      <p:cBhvr>
+                                        <p:cTn id="24" dur="1" fill="hold">
+                                          <p:stCondLst>
+                                            <p:cond delay="0"/>
+                                          </p:stCondLst>
+                                        </p:cTn>
+                                        <p:tgtEl>
+                                          <p:spTgt spid="2">
+                                            <p:txEl>
+                                              <p:pRg st="3" end="3"/>
+                                            </p:txEl>
+                                          </p:spTgt>
+                                        </p:tgtEl>
+                                        <p:attrNameLst>
+                                          <p:attrName>style.visibility</p:attrName>
+                                        </p:attrNameLst>
+                                      </p:cBhvr>
+                                      <p:to>
+                                        <p:strVal val="visible"/>
+                                      </p:to>
+                                    </p:set>
+                                    <p:anim calcmode="lin" valueType="num">
+                                      <p:cBhvr additive="base">
+                                        <p:cTn id="25" dur="500" fill="hold"/>
+                                        <p:tgtEl>
+                                          <p:spTgt spid="2">
+                                            <p:txEl>
+                                              <p:pRg st="3" end="3"/>
+                                            </p:txEl>
+                                          </p:spTgt>
+                                        </p:tgtEl>
+                                        <p:attrNameLst>
+                                          <p:attrName>ppt_x</p:attrName>
+                                        </p:attrNameLst>
+                                      </p:cBhvr>
+                                      <p:tavLst>
+                                        <p:tav tm="0">
+                                          <p:val>
+                                            <p:strVal val="#ppt_x"/>
+                                          </p:val>
+                                        </p:tav>
+                                        <p:tav tm="100000">
+                                          <p:val>
+                                            <p:strVal val="#ppt_x"/>
+                                          </p:val>
+                                        </p:tav>
+                                      </p:tavLst>
+                                    </p:anim>
+                                    <p:anim calcmode="lin" valueType="num">
+                                      <p:cBhvr additive="base">
+                                        <p:cTn id="26" dur="500" fill="hold"/>
+                                        <p:tgtEl>
+                                          <p:spTgt spid="2">
+                                            <p:txEl>
+                                              <p:pRg st="3" end="3"/>
+                                            </p:txEl>
+                                          </p:spTgt>
+                                        </p:tgtEl>
+                                        <p:attrNameLst>
+                                          <p:attrName>ppt_y</p:attrName>
+                                        </p:attrNameLst>
+                                      </p:cBhvr>
+                                      <p:tavLst>
+                                        <p:tav tm="0">
+                                          <p:val>
+                                            <p:strVal val="1+#ppt_h/2"/>
+                                          </p:val>
+                                        </p:tav>
+                                        <p:tav tm="100000">
+                                          <p:val>
+                                            <p:strVal val="#ppt_y"/>
+                                          </p:val>
+                                        </p:tav>
+                                      </p:tavLst>
+                                    </p:anim>
+                                  </p:childTnLst>
+                                </p:cTn>
+                              </p:par>
+                            </p:childTnLst>
+                          </p:cTn>
+                        </p:par>
+                      </p:childTnLst>
+                    </p:cTn>
+                  </p:par>
+                  <p:par>
+                    <p:cTn id="27" fill="hold">
+                      <p:stCondLst>
+                        <p:cond delay="indefinite"/>
+                      </p:stCondLst>
+                      <p:childTnLst>
+                        <p:par>
+                          <p:cTn id="28" fill="hold">
+                            <p:stCondLst>
+                              <p:cond delay="0"/>
+                            </p:stCondLst>
+                            <p:childTnLst>
+                              <p:par>
+                                <p:cTn id="29" presetID="2" presetClass="entr" presetSubtype="4" fill="hold" nodeType="clickEffect">
+                                  <p:stCondLst>
+                                    <p:cond delay="0"/>
+                                  </p:stCondLst>
+                                  <p:childTnLst>
+                                    <p:set>
+                                      <p:cBhvr>
+                                        <p:cTn id="30" dur="1" fill="hold">
+                                          <p:stCondLst>
+                                            <p:cond delay="0"/>
+                                          </p:stCondLst>
+                                        </p:cTn>
+                                        <p:tgtEl>
+                                          <p:spTgt spid="2">
+                                            <p:txEl>
+                                              <p:pRg st="4" end="4"/>
+                                            </p:txEl>
+                                          </p:spTgt>
+                                        </p:tgtEl>
+                                        <p:attrNameLst>
+                                          <p:attrName>style.visibility</p:attrName>
+                                        </p:attrNameLst>
+                                      </p:cBhvr>
+                                      <p:to>
+                                        <p:strVal val="visible"/>
+                                      </p:to>
+                                    </p:set>
+                                    <p:anim calcmode="lin" valueType="num">
+                                      <p:cBhvr additive="base">
+                                        <p:cTn id="31" dur="500" fill="hold"/>
+                                        <p:tgtEl>
+                                          <p:spTgt spid="2">
+                                            <p:txEl>
+                                              <p:pRg st="4" end="4"/>
+                                            </p:txEl>
+                                          </p:spTgt>
+                                        </p:tgtEl>
+                                        <p:attrNameLst>
+                                          <p:attrName>ppt_x</p:attrName>
+                                        </p:attrNameLst>
+                                      </p:cBhvr>
+                                      <p:tavLst>
+                                        <p:tav tm="0">
+                                          <p:val>
+                                            <p:strVal val="#ppt_x"/>
+                                          </p:val>
+                                        </p:tav>
+                                        <p:tav tm="100000">
+                                          <p:val>
+                                            <p:strVal val="#ppt_x"/>
+                                          </p:val>
+                                        </p:tav>
+                                      </p:tavLst>
+                                    </p:anim>
+                                    <p:anim calcmode="lin" valueType="num">
+                                      <p:cBhvr additive="base">
+                                        <p:cTn id="32" dur="500" fill="hold"/>
+                                        <p:tgtEl>
+                                          <p:spTgt spid="2">
+                                            <p:txEl>
+                                              <p:pRg st="4" end="4"/>
+                                            </p:txEl>
+                                          </p:spTgt>
+                                        </p:tgtEl>
+                                        <p:attrNameLst>
+                                          <p:attrName>ppt_y</p:attrName>
+                                        </p:attrNameLst>
+                                      </p:cBhvr>
+                                      <p:tavLst>
+                                        <p:tav tm="0">
+                                          <p:val>
+                                            <p:strVal val="1+#ppt_h/2"/>
+                                          </p:val>
+                                        </p:tav>
+                                        <p:tav tm="100000">
+                                          <p:val>
+                                            <p:strVal val="#ppt_y"/>
+                                          </p:val>
+                                        </p:tav>
+                                      </p:tavLst>
+                                    </p:anim>
+                                  </p:childTnLst>
+                                </p:cTn>
+                              </p:par>
+                            </p:childTnLst>
+                          </p:cTn>
+                        </p:par>
+                      </p:childTnLst>
+                    </p:cTn>
+                  </p:par>
+                </p:childTnLst>
+              </p:cTn>
+              <p:prevCondLst>
+                <p:cond evt="onPrev" delay="0">
+                  <p:tgtEl>
+                    <p:sldTgt/>
+                  </p:tgtEl>
+                </p:cond>
+              </p:prevCondLst>
+              <p:nextCondLst>
+                <p:cond evt="onNext" delay="0">
+                  <p:tgtEl>
+                    <p:sldTgt/>
+                  </p:tgtEl>
+                </p:cond>
+              </p:nextCondLst>
+            </p:seq>
+          </p:childTnLst>
+        </p:cTn>
+      </p:par>
+    </p:tnLst>
+  </p:timing>
+</p:sld>
+</file>
+
+<file path=ppt/slides/slide8.xml><?xml version="1.0" encoding="utf-8"?>
 <p:sld xmlns:a="http://schemas.openxmlformats.org/drawingml/2006/main" xmlns:r="http://schemas.openxmlformats.org/officeDocument/2006/relationships" xmlns:p="http://schemas.openxmlformats.org/presentationml/2006/main">
   <p:cSld>
     <p:spTree>

--- a/课程PPT/11.JavaScript标准内置对象-非构造器（Math、JSON）.pptx
+++ b/课程PPT/11.JavaScript标准内置对象-非构造器（Math、JSON）.pptx
@@ -3510,7 +3510,7 @@
         <p:spPr>
           <a:xfrm>
             <a:off x="927735" y="783590"/>
-            <a:ext cx="9776460" cy="5269230"/>
+            <a:ext cx="10659745" cy="5269230"/>
           </a:xfrm>
         </p:spPr>
         <p:txBody>
@@ -3600,6 +3600,24 @@
                 </a:solidFill>
                 <a:sym typeface="+mn-ea"/>
               </a:rPr>
+              <a:t>Math.LN2</a:t>
+            </a:r>
+            <a:r>
+              <a:rPr lang="zh-CN" altLang="en-US" sz="2000" dirty="0">
+                <a:solidFill>
+                  <a:schemeClr val="tx1"/>
+                </a:solidFill>
+                <a:sym typeface="+mn-ea"/>
+              </a:rPr>
+              <a:t>、</a:t>
+            </a:r>
+            <a:r>
+              <a:rPr lang="en-US" altLang="zh-CN" sz="2000" dirty="0">
+                <a:solidFill>
+                  <a:schemeClr val="tx1"/>
+                </a:solidFill>
+                <a:sym typeface="+mn-ea"/>
+              </a:rPr>
               <a:t>Math.LN10</a:t>
             </a:r>
             <a:r>
@@ -3618,7 +3636,25 @@
                 </a:solidFill>
                 <a:sym typeface="+mn-ea"/>
               </a:rPr>
-              <a:t>Math.LN2</a:t>
+              <a:t>Math.LOG2E</a:t>
+            </a:r>
+            <a:r>
+              <a:rPr lang="zh-CN" altLang="en-US" sz="2000" dirty="0">
+                <a:solidFill>
+                  <a:schemeClr val="tx1"/>
+                </a:solidFill>
+                <a:sym typeface="+mn-ea"/>
+              </a:rPr>
+              <a:t>、</a:t>
+            </a:r>
+            <a:r>
+              <a:rPr lang="en-US" altLang="zh-CN" sz="2000" dirty="0">
+                <a:solidFill>
+                  <a:schemeClr val="tx1"/>
+                </a:solidFill>
+                <a:sym typeface="+mn-ea"/>
+              </a:rPr>
+              <a:t>Math.LOG10E</a:t>
             </a:r>
             <a:endParaRPr lang="en-US" altLang="zh-CN" sz="2000" dirty="0">
               <a:solidFill>
@@ -3660,32 +3696,96 @@
               </a:rPr>
             </a:br>
             <a:r>
+              <a:rPr lang="en-US" altLang="zh-CN" sz="2000" dirty="0">
+                <a:solidFill>
+                  <a:schemeClr val="tx1"/>
+                </a:solidFill>
+                <a:sym typeface="+mn-ea"/>
+              </a:rPr>
+              <a:t>Math.random( )</a:t>
+            </a:r>
+            <a:r>
+              <a:rPr lang="zh-CN" altLang="en-US" sz="2000" dirty="0">
+                <a:solidFill>
+                  <a:schemeClr val="tx1"/>
+                </a:solidFill>
+                <a:sym typeface="+mn-ea"/>
+              </a:rPr>
+              <a:t>、</a:t>
+            </a:r>
+            <a:r>
               <a:rPr lang="en-US" sz="2000" dirty="0">
                 <a:solidFill>
                   <a:schemeClr val="tx1"/>
                 </a:solidFill>
                 <a:sym typeface="+mn-ea"/>
               </a:rPr>
-              <a:t>Math.abs( );</a:t>
-            </a:r>
-            <a:br>
+              <a:t>Math.abs( )</a:t>
+            </a:r>
+            <a:r>
+              <a:rPr lang="zh-CN" altLang="en-US" sz="2000" dirty="0">
+                <a:solidFill>
+                  <a:schemeClr val="tx1"/>
+                </a:solidFill>
+                <a:sym typeface="+mn-ea"/>
+              </a:rPr>
+              <a:t>、</a:t>
+            </a:r>
+            <a:r>
               <a:rPr lang="en-US" sz="2000" dirty="0">
                 <a:solidFill>
                   <a:schemeClr val="tx1"/>
                 </a:solidFill>
                 <a:sym typeface="+mn-ea"/>
               </a:rPr>
-            </a:br>
-            <a:r>
-              <a:rPr lang="en-US" sz="2000" dirty="0">
+              <a:t>Math.max( )</a:t>
+            </a:r>
+            <a:r>
+              <a:rPr lang="zh-CN" altLang="en-US" sz="2000" dirty="0">
                 <a:solidFill>
                   <a:schemeClr val="tx1"/>
                 </a:solidFill>
                 <a:sym typeface="+mn-ea"/>
               </a:rPr>
-              <a:t>Math.sin( );</a:t>
-            </a:r>
-            <a:endParaRPr lang="en-US" sz="2000" dirty="0">
+              <a:t>、</a:t>
+            </a:r>
+            <a:r>
+              <a:rPr lang="en-US" altLang="zh-CN" sz="2000" dirty="0">
+                <a:solidFill>
+                  <a:schemeClr val="tx1"/>
+                </a:solidFill>
+                <a:sym typeface="+mn-ea"/>
+              </a:rPr>
+              <a:t>Math.floor( )</a:t>
+            </a:r>
+            <a:r>
+              <a:rPr lang="zh-CN" altLang="en-US" sz="2000" dirty="0">
+                <a:solidFill>
+                  <a:schemeClr val="tx1"/>
+                </a:solidFill>
+                <a:sym typeface="+mn-ea"/>
+              </a:rPr>
+              <a:t>、</a:t>
+            </a:r>
+            <a:r>
+              <a:rPr lang="en-US" altLang="zh-CN" sz="2000" dirty="0">
+                <a:solidFill>
+                  <a:schemeClr val="tx1"/>
+                </a:solidFill>
+                <a:sym typeface="+mn-ea"/>
+              </a:rPr>
+              <a:t>Math.ceil( ) </a:t>
+            </a:r>
+            <a:r>
+              <a:rPr lang="zh-CN" altLang="en-US" sz="2000" dirty="0">
+                <a:solidFill>
+                  <a:schemeClr val="tx1"/>
+                </a:solidFill>
+                <a:sym typeface="+mn-ea"/>
+              </a:rPr>
+              <a:t>等</a:t>
+            </a:r>
+            <a:endParaRPr lang="zh-CN" altLang="en-US" sz="2000" dirty="0">
               <a:solidFill>
                 <a:schemeClr val="tx1"/>
               </a:solidFill>
@@ -3716,7 +3816,105 @@
               </a:rPr>
               <a:t>对象的三角方法</a:t>
             </a:r>
-            <a:endParaRPr lang="zh-CN" altLang="en-US" sz="3200" dirty="0">
+            <a:br>
+              <a:rPr lang="zh-CN" altLang="en-US" sz="3200" dirty="0">
+                <a:solidFill>
+                  <a:schemeClr val="tx1"/>
+                </a:solidFill>
+                <a:sym typeface="+mn-ea"/>
+              </a:rPr>
+            </a:br>
+            <a:r>
+              <a:rPr lang="en-US" altLang="zh-CN" sz="2000" dirty="0">
+                <a:solidFill>
+                  <a:schemeClr val="tx1"/>
+                </a:solidFill>
+                <a:sym typeface="+mn-ea"/>
+              </a:rPr>
+              <a:t>Math.sin( )</a:t>
+            </a:r>
+            <a:r>
+              <a:rPr lang="zh-CN" altLang="en-US" sz="2000" dirty="0">
+                <a:solidFill>
+                  <a:schemeClr val="tx1"/>
+                </a:solidFill>
+                <a:sym typeface="+mn-ea"/>
+              </a:rPr>
+              <a:t>、</a:t>
+            </a:r>
+            <a:r>
+              <a:rPr lang="en-US" altLang="zh-CN" sz="2000" dirty="0">
+                <a:solidFill>
+                  <a:schemeClr val="tx1"/>
+                </a:solidFill>
+                <a:sym typeface="+mn-ea"/>
+              </a:rPr>
+              <a:t>Math.cos( )</a:t>
+            </a:r>
+            <a:r>
+              <a:rPr lang="zh-CN" altLang="en-US" sz="2000" dirty="0">
+                <a:solidFill>
+                  <a:schemeClr val="tx1"/>
+                </a:solidFill>
+                <a:sym typeface="+mn-ea"/>
+              </a:rPr>
+              <a:t>、</a:t>
+            </a:r>
+            <a:r>
+              <a:rPr lang="en-US" altLang="zh-CN" sz="2000" dirty="0">
+                <a:solidFill>
+                  <a:schemeClr val="tx1"/>
+                </a:solidFill>
+                <a:sym typeface="+mn-ea"/>
+              </a:rPr>
+              <a:t>Math.tan( )</a:t>
+            </a:r>
+            <a:r>
+              <a:rPr lang="zh-CN" altLang="en-US" sz="2000" dirty="0">
+                <a:solidFill>
+                  <a:schemeClr val="tx1"/>
+                </a:solidFill>
+                <a:sym typeface="+mn-ea"/>
+              </a:rPr>
+              <a:t>、</a:t>
+            </a:r>
+            <a:r>
+              <a:rPr lang="en-US" altLang="zh-CN" sz="2000" dirty="0">
+                <a:solidFill>
+                  <a:schemeClr val="tx1"/>
+                </a:solidFill>
+                <a:sym typeface="+mn-ea"/>
+              </a:rPr>
+              <a:t>Math.asin( )</a:t>
+            </a:r>
+            <a:r>
+              <a:rPr lang="zh-CN" altLang="en-US" sz="2000" dirty="0">
+                <a:solidFill>
+                  <a:schemeClr val="tx1"/>
+                </a:solidFill>
+                <a:sym typeface="+mn-ea"/>
+              </a:rPr>
+              <a:t>、</a:t>
+            </a:r>
+            <a:r>
+              <a:rPr lang="en-US" altLang="zh-CN" sz="2000" dirty="0">
+                <a:solidFill>
+                  <a:schemeClr val="tx1"/>
+                </a:solidFill>
+                <a:sym typeface="+mn-ea"/>
+              </a:rPr>
+              <a:t>Math.acos( )</a:t>
+            </a:r>
+            <a:r>
+              <a:rPr lang="zh-CN" altLang="en-US" sz="2000" dirty="0">
+                <a:solidFill>
+                  <a:schemeClr val="tx1"/>
+                </a:solidFill>
+                <a:sym typeface="+mn-ea"/>
+              </a:rPr>
+              <a:t>等</a:t>
+            </a:r>
+            <a:endParaRPr lang="zh-CN" altLang="en-US" sz="2000" dirty="0">
               <a:solidFill>
                 <a:schemeClr val="tx1"/>
               </a:solidFill>
@@ -3755,9 +3953,18 @@
                 <a:sym typeface="+mn-ea"/>
               </a:rPr>
             </a:br>
-            <a:endParaRPr lang="zh-CN" altLang="en-US" sz="3200" dirty="0">
+            <a:r>
+              <a:rPr lang="zh-CN" altLang="en-US" sz="1800" dirty="0">
+                <a:solidFill>
+                  <a:schemeClr val="tx1"/>
+                </a:solidFill>
+                <a:sym typeface="+mn-ea"/>
+              </a:rPr>
+              <a:t>https://developer.mozilla.org/zh-CN/docs/Web/JavaScript/Reference/Global_Objects/Math</a:t>
+            </a:r>
+            <a:endParaRPr lang="zh-CN" altLang="en-US" sz="1800" dirty="0">
               <a:solidFill>
-                <a:schemeClr val="accent3"/>
+                <a:schemeClr val="tx1"/>
               </a:solidFill>
               <a:sym typeface="+mn-ea"/>
             </a:endParaRPr>
@@ -3813,9 +4020,94 @@
             </a:r>
             <a:r>
               <a:rPr lang="zh-CN" altLang="en-US" dirty="0"/>
-              <a:t>对象</a:t>
+              <a:t>对象（注意：</a:t>
+            </a:r>
+            <a:r>
+              <a:rPr lang="en-US" altLang="zh-CN" dirty="0"/>
+              <a:t>Math</a:t>
+            </a:r>
+            <a:r>
+              <a:rPr lang="zh-CN" altLang="en-US" dirty="0"/>
+              <a:t>不是构造函数）</a:t>
             </a:r>
             <a:endParaRPr lang="zh-CN" altLang="en-US" dirty="0"/>
+          </a:p>
+        </p:txBody>
+      </p:sp>
+      <p:sp>
+        <p:nvSpPr>
+          <p:cNvPr id="6" name="文本框 5"/>
+          <p:cNvSpPr txBox="1"/>
+          <p:nvPr/>
+        </p:nvSpPr>
+        <p:spPr>
+          <a:xfrm>
+            <a:off x="5575300" y="6196330"/>
+            <a:ext cx="5033010" cy="398780"/>
+          </a:xfrm>
+          <a:prstGeom prst="rect">
+            <a:avLst/>
+          </a:prstGeom>
+          <a:noFill/>
+        </p:spPr>
+        <p:txBody>
+          <a:bodyPr wrap="square" rtlCol="0">
+            <a:spAutoFit/>
+          </a:bodyPr>
+          <a:p>
+            <a:r>
+              <a:rPr lang="zh-CN" altLang="en-US" sz="2000">
+                <a:solidFill>
+                  <a:srgbClr val="FF0000"/>
+                </a:solidFill>
+              </a:rPr>
+              <a:t>参见实例</a:t>
+            </a:r>
+            <a:r>
+              <a:rPr lang="en-US" altLang="zh-CN" sz="2000">
+                <a:solidFill>
+                  <a:srgbClr val="FF0000"/>
+                </a:solidFill>
+              </a:rPr>
+              <a:t>Demo1 </a:t>
+            </a:r>
+            <a:r>
+              <a:rPr lang="zh-CN" altLang="en-US" sz="2000">
+                <a:solidFill>
+                  <a:srgbClr val="FF0000"/>
+                </a:solidFill>
+              </a:rPr>
+              <a:t>常见</a:t>
+            </a:r>
+            <a:r>
+              <a:rPr lang="en-US" altLang="zh-CN" sz="2000">
+                <a:solidFill>
+                  <a:srgbClr val="FF0000"/>
+                </a:solidFill>
+              </a:rPr>
+              <a:t>Math</a:t>
+            </a:r>
+            <a:r>
+              <a:rPr lang="zh-CN" altLang="en-US" sz="2000">
+                <a:solidFill>
+                  <a:srgbClr val="FF0000"/>
+                </a:solidFill>
+              </a:rPr>
+              <a:t>属性和方法</a:t>
+            </a:r>
+            <a:r>
+              <a:rPr lang="zh-CN" altLang="en-US" sz="2000">
+                <a:solidFill>
+                  <a:srgbClr val="FF0000"/>
+                </a:solidFill>
+              </a:rPr>
+              <a:t> </a:t>
+            </a:r>
+            <a:endParaRPr lang="en-US" altLang="zh-CN" sz="2000">
+              <a:solidFill>
+                <a:srgbClr val="FF0000"/>
+              </a:solidFill>
+            </a:endParaRPr>
           </a:p>
         </p:txBody>
       </p:sp>
@@ -4241,6 +4533,88 @@
                             </p:childTnLst>
                           </p:cTn>
                         </p:par>
+                        <p:par>
+                          <p:cTn id="27" fill="hold">
+                            <p:stCondLst>
+                              <p:cond delay="500"/>
+                            </p:stCondLst>
+                            <p:childTnLst>
+                              <p:par>
+                                <p:cTn id="28" presetID="2" presetClass="entr" presetSubtype="4" fill="hold" grpId="0" nodeType="afterEffect">
+                                  <p:stCondLst>
+                                    <p:cond delay="0"/>
+                                  </p:stCondLst>
+                                  <p:childTnLst>
+                                    <p:set>
+                                      <p:cBhvr>
+                                        <p:cTn id="29" dur="1" fill="hold">
+                                          <p:stCondLst>
+                                            <p:cond delay="0"/>
+                                          </p:stCondLst>
+                                        </p:cTn>
+                                        <p:tgtEl>
+                                          <p:spTgt spid="6"/>
+                                        </p:tgtEl>
+                                        <p:attrNameLst>
+                                          <p:attrName>style.visibility</p:attrName>
+                                        </p:attrNameLst>
+                                      </p:cBhvr>
+                                      <p:to>
+                                        <p:strVal val="visible"/>
+                                      </p:to>
+                                    </p:set>
+                                    <p:anim calcmode="lin" valueType="num">
+                                      <p:cBhvr additive="base">
+                                        <p:cTn id="30" dur="500" fill="hold"/>
+                                        <p:tgtEl>
+                                          <p:spTgt spid="6"/>
+                                        </p:tgtEl>
+                                        <p:attrNameLst>
+                                          <p:attrName>ppt_x</p:attrName>
+                                        </p:attrNameLst>
+                                      </p:cBhvr>
+                                      <p:tavLst>
+                                        <p:tav tm="0">
+                                          <p:val>
+                                            <p:strVal val="#ppt_x"/>
+                                          </p:val>
+                                        </p:tav>
+                                        <p:tav tm="100000">
+                                          <p:val>
+                                            <p:strVal val="#ppt_x"/>
+                                          </p:val>
+                                        </p:tav>
+                                      </p:tavLst>
+                                    </p:anim>
+                                    <p:anim calcmode="lin" valueType="num">
+                                      <p:cBhvr additive="base">
+                                        <p:cTn id="31" dur="500" fill="hold"/>
+                                        <p:tgtEl>
+                                          <p:spTgt spid="6"/>
+                                        </p:tgtEl>
+                                        <p:attrNameLst>
+                                          <p:attrName>ppt_y</p:attrName>
+                                        </p:attrNameLst>
+                                      </p:cBhvr>
+                                      <p:tavLst>
+                                        <p:tav tm="0">
+                                          <p:val>
+                                            <p:strVal val="1+#ppt_h/2"/>
+                                          </p:val>
+                                        </p:tav>
+                                        <p:tav tm="100000">
+                                          <p:val>
+                                            <p:strVal val="#ppt_y"/>
+                                          </p:val>
+                                        </p:tav>
+                                      </p:tavLst>
+                                    </p:anim>
+                                  </p:childTnLst>
+                                </p:cTn>
+                              </p:par>
+                            </p:childTnLst>
+                          </p:cTn>
+                        </p:par>
                       </p:childTnLst>
                     </p:cTn>
                   </p:par>
@@ -4265,6 +4639,9 @@
         </p:cTn>
       </p:par>
     </p:tnLst>
+    <p:bldLst>
+      <p:bldP spid="6" grpId="0"/>
+    </p:bldLst>
   </p:timing>
 </p:sld>
 </file>

--- a/课程PPT/11.JavaScript标准内置对象-非构造器（Math、JSON）.pptx
+++ b/课程PPT/11.JavaScript标准内置对象-非构造器（Math、JSON）.pptx
@@ -14,8 +14,13 @@
     <p:sldId id="1224" r:id="rId7"/>
     <p:sldId id="1226" r:id="rId8"/>
     <p:sldId id="1227" r:id="rId9"/>
-    <p:sldId id="1229" r:id="rId10"/>
-    <p:sldId id="1228" r:id="rId11"/>
+    <p:sldId id="1231" r:id="rId10"/>
+    <p:sldId id="1237" r:id="rId11"/>
+    <p:sldId id="1238" r:id="rId12"/>
+    <p:sldId id="1239" r:id="rId13"/>
+    <p:sldId id="1240" r:id="rId14"/>
+    <p:sldId id="1229" r:id="rId15"/>
+    <p:sldId id="1228" r:id="rId16"/>
   </p:sldIdLst>
   <p:sldSz cx="12192000" cy="6858000"/>
   <p:notesSz cx="6797675" cy="9928225"/>
@@ -752,6 +757,226 @@
 </file>
 
 <file path=ppt/notesSlides/notesSlide4.xml><?xml version="1.0" encoding="utf-8"?>
+<p:notes xmlns:a="http://schemas.openxmlformats.org/drawingml/2006/main" xmlns:r="http://schemas.openxmlformats.org/officeDocument/2006/relationships" xmlns:p="http://schemas.openxmlformats.org/presentationml/2006/main">
+  <p:cSld>
+    <p:spTree>
+      <p:nvGrpSpPr>
+        <p:cNvPr id="1" name=""/>
+        <p:cNvGrpSpPr/>
+        <p:nvPr/>
+      </p:nvGrpSpPr>
+      <p:grpSpPr/>
+      <p:sp>
+        <p:nvSpPr>
+          <p:cNvPr id="2" name="幻灯片图像占位符 1"/>
+          <p:cNvSpPr/>
+          <p:nvPr>
+            <p:ph type="sldImg" idx="2"/>
+          </p:nvPr>
+        </p:nvSpPr>
+        <p:spPr/>
+      </p:sp>
+      <p:sp>
+        <p:nvSpPr>
+          <p:cNvPr id="3" name="文本占位符 2"/>
+          <p:cNvSpPr/>
+          <p:nvPr>
+            <p:ph type="body" idx="3"/>
+          </p:nvPr>
+        </p:nvSpPr>
+        <p:spPr/>
+        <p:txBody>
+          <a:bodyPr/>
+          <a:p>
+            <a:endParaRPr lang="zh-CN" altLang="en-US"/>
+          </a:p>
+        </p:txBody>
+      </p:sp>
+    </p:spTree>
+  </p:cSld>
+  <p:clrMapOvr>
+    <a:masterClrMapping/>
+  </p:clrMapOvr>
+</p:notes>
+</file>
+
+<file path=ppt/notesSlides/notesSlide5.xml><?xml version="1.0" encoding="utf-8"?>
+<p:notes xmlns:a="http://schemas.openxmlformats.org/drawingml/2006/main" xmlns:r="http://schemas.openxmlformats.org/officeDocument/2006/relationships" xmlns:p="http://schemas.openxmlformats.org/presentationml/2006/main">
+  <p:cSld>
+    <p:spTree>
+      <p:nvGrpSpPr>
+        <p:cNvPr id="1" name=""/>
+        <p:cNvGrpSpPr/>
+        <p:nvPr/>
+      </p:nvGrpSpPr>
+      <p:grpSpPr/>
+      <p:sp>
+        <p:nvSpPr>
+          <p:cNvPr id="2" name="幻灯片图像占位符 1"/>
+          <p:cNvSpPr/>
+          <p:nvPr>
+            <p:ph type="sldImg" idx="2"/>
+          </p:nvPr>
+        </p:nvSpPr>
+        <p:spPr/>
+      </p:sp>
+      <p:sp>
+        <p:nvSpPr>
+          <p:cNvPr id="3" name="文本占位符 2"/>
+          <p:cNvSpPr/>
+          <p:nvPr>
+            <p:ph type="body" idx="3"/>
+          </p:nvPr>
+        </p:nvSpPr>
+        <p:spPr/>
+        <p:txBody>
+          <a:bodyPr/>
+          <a:p>
+            <a:endParaRPr lang="zh-CN" altLang="en-US"/>
+          </a:p>
+        </p:txBody>
+      </p:sp>
+    </p:spTree>
+  </p:cSld>
+  <p:clrMapOvr>
+    <a:masterClrMapping/>
+  </p:clrMapOvr>
+</p:notes>
+</file>
+
+<file path=ppt/notesSlides/notesSlide6.xml><?xml version="1.0" encoding="utf-8"?>
+<p:notes xmlns:a="http://schemas.openxmlformats.org/drawingml/2006/main" xmlns:r="http://schemas.openxmlformats.org/officeDocument/2006/relationships" xmlns:p="http://schemas.openxmlformats.org/presentationml/2006/main">
+  <p:cSld>
+    <p:spTree>
+      <p:nvGrpSpPr>
+        <p:cNvPr id="1" name=""/>
+        <p:cNvGrpSpPr/>
+        <p:nvPr/>
+      </p:nvGrpSpPr>
+      <p:grpSpPr/>
+      <p:sp>
+        <p:nvSpPr>
+          <p:cNvPr id="2" name="幻灯片图像占位符 1"/>
+          <p:cNvSpPr/>
+          <p:nvPr>
+            <p:ph type="sldImg" idx="2"/>
+          </p:nvPr>
+        </p:nvSpPr>
+        <p:spPr/>
+      </p:sp>
+      <p:sp>
+        <p:nvSpPr>
+          <p:cNvPr id="3" name="文本占位符 2"/>
+          <p:cNvSpPr/>
+          <p:nvPr>
+            <p:ph type="body" idx="3"/>
+          </p:nvPr>
+        </p:nvSpPr>
+        <p:spPr/>
+        <p:txBody>
+          <a:bodyPr/>
+          <a:p>
+            <a:endParaRPr lang="zh-CN" altLang="en-US"/>
+          </a:p>
+        </p:txBody>
+      </p:sp>
+    </p:spTree>
+  </p:cSld>
+  <p:clrMapOvr>
+    <a:masterClrMapping/>
+  </p:clrMapOvr>
+</p:notes>
+</file>
+
+<file path=ppt/notesSlides/notesSlide7.xml><?xml version="1.0" encoding="utf-8"?>
+<p:notes xmlns:a="http://schemas.openxmlformats.org/drawingml/2006/main" xmlns:r="http://schemas.openxmlformats.org/officeDocument/2006/relationships" xmlns:p="http://schemas.openxmlformats.org/presentationml/2006/main">
+  <p:cSld>
+    <p:spTree>
+      <p:nvGrpSpPr>
+        <p:cNvPr id="1" name=""/>
+        <p:cNvGrpSpPr/>
+        <p:nvPr/>
+      </p:nvGrpSpPr>
+      <p:grpSpPr/>
+      <p:sp>
+        <p:nvSpPr>
+          <p:cNvPr id="2" name="幻灯片图像占位符 1"/>
+          <p:cNvSpPr/>
+          <p:nvPr>
+            <p:ph type="sldImg" idx="2"/>
+          </p:nvPr>
+        </p:nvSpPr>
+        <p:spPr/>
+      </p:sp>
+      <p:sp>
+        <p:nvSpPr>
+          <p:cNvPr id="3" name="文本占位符 2"/>
+          <p:cNvSpPr/>
+          <p:nvPr>
+            <p:ph type="body" idx="3"/>
+          </p:nvPr>
+        </p:nvSpPr>
+        <p:spPr/>
+        <p:txBody>
+          <a:bodyPr/>
+          <a:p>
+            <a:endParaRPr lang="zh-CN" altLang="en-US"/>
+          </a:p>
+        </p:txBody>
+      </p:sp>
+    </p:spTree>
+  </p:cSld>
+  <p:clrMapOvr>
+    <a:masterClrMapping/>
+  </p:clrMapOvr>
+</p:notes>
+</file>
+
+<file path=ppt/notesSlides/notesSlide8.xml><?xml version="1.0" encoding="utf-8"?>
+<p:notes xmlns:a="http://schemas.openxmlformats.org/drawingml/2006/main" xmlns:r="http://schemas.openxmlformats.org/officeDocument/2006/relationships" xmlns:p="http://schemas.openxmlformats.org/presentationml/2006/main">
+  <p:cSld>
+    <p:spTree>
+      <p:nvGrpSpPr>
+        <p:cNvPr id="1" name=""/>
+        <p:cNvGrpSpPr/>
+        <p:nvPr/>
+      </p:nvGrpSpPr>
+      <p:grpSpPr/>
+      <p:sp>
+        <p:nvSpPr>
+          <p:cNvPr id="2" name="幻灯片图像占位符 1"/>
+          <p:cNvSpPr/>
+          <p:nvPr>
+            <p:ph type="sldImg" idx="2"/>
+          </p:nvPr>
+        </p:nvSpPr>
+        <p:spPr/>
+      </p:sp>
+      <p:sp>
+        <p:nvSpPr>
+          <p:cNvPr id="3" name="文本占位符 2"/>
+          <p:cNvSpPr/>
+          <p:nvPr>
+            <p:ph type="body" idx="3"/>
+          </p:nvPr>
+        </p:nvSpPr>
+        <p:spPr/>
+        <p:txBody>
+          <a:bodyPr/>
+          <a:p>
+            <a:endParaRPr lang="zh-CN" altLang="en-US"/>
+          </a:p>
+        </p:txBody>
+      </p:sp>
+    </p:spTree>
+  </p:cSld>
+  <p:clrMapOvr>
+    <a:masterClrMapping/>
+  </p:clrMapOvr>
+</p:notes>
+</file>
+
+<file path=ppt/notesSlides/notesSlide9.xml><?xml version="1.0" encoding="utf-8"?>
 <p:notes xmlns:a="http://schemas.openxmlformats.org/drawingml/2006/main" xmlns:r="http://schemas.openxmlformats.org/officeDocument/2006/relationships" xmlns:p="http://schemas.openxmlformats.org/presentationml/2006/main">
   <p:cSld>
     <p:spTree>
@@ -3101,6 +3326,1980 @@
 </p:sld>
 </file>
 
+<file path=ppt/slides/slide10.xml><?xml version="1.0" encoding="utf-8"?>
+<p:sld xmlns:a="http://schemas.openxmlformats.org/drawingml/2006/main" xmlns:r="http://schemas.openxmlformats.org/officeDocument/2006/relationships" xmlns:p="http://schemas.openxmlformats.org/presentationml/2006/main">
+  <p:cSld>
+    <p:spTree>
+      <p:nvGrpSpPr>
+        <p:cNvPr id="1" name=""/>
+        <p:cNvGrpSpPr/>
+        <p:nvPr/>
+      </p:nvGrpSpPr>
+      <p:grpSpPr>
+        <a:xfrm>
+          <a:off x="0" y="0"/>
+          <a:ext cx="0" cy="0"/>
+          <a:chOff x="0" y="0"/>
+          <a:chExt cx="0" cy="0"/>
+        </a:xfrm>
+      </p:grpSpPr>
+      <p:sp>
+        <p:nvSpPr>
+          <p:cNvPr id="5123" name="AutoShape 6"/>
+          <p:cNvSpPr>
+            <a:spLocks noChangeArrowheads="1"/>
+          </p:cNvSpPr>
+          <p:nvPr/>
+        </p:nvSpPr>
+        <p:spPr bwMode="auto">
+          <a:xfrm>
+            <a:off x="2566988" y="1339851"/>
+            <a:ext cx="6711950" cy="4214813"/>
+          </a:xfrm>
+          <a:prstGeom prst="roundRect">
+            <a:avLst>
+              <a:gd name="adj" fmla="val 16667"/>
+            </a:avLst>
+          </a:prstGeom>
+          <a:noFill/>
+          <a:ln w="28575">
+            <a:solidFill>
+              <a:srgbClr val="C0C0C0"/>
+            </a:solidFill>
+            <a:prstDash val="sysDot"/>
+            <a:round/>
+          </a:ln>
+          <a:extLst>
+            <a:ext uri="{909E8E84-426E-40DD-AFC4-6F175D3DCCD1}">
+              <a14:hiddenFill xmlns:a14="http://schemas.microsoft.com/office/drawing/2010/main">
+                <a:solidFill>
+                  <a:srgbClr val="FFFFFF"/>
+                </a:solidFill>
+              </a14:hiddenFill>
+            </a:ext>
+          </a:extLst>
+        </p:spPr>
+        <p:txBody>
+          <a:bodyPr wrap="none" anchor="ctr"/>
+          <a:lstStyle>
+            <a:lvl1pPr marL="457200" indent="-457200">
+              <a:defRPr sz="3200">
+                <a:solidFill>
+                  <a:schemeClr val="tx1"/>
+                </a:solidFill>
+                <a:latin typeface="Arial" panose="020B0604020202020204" pitchFamily="34" charset="0"/>
+                <a:ea typeface="微软雅黑" panose="020B0503020204020204" pitchFamily="34" charset="-122"/>
+              </a:defRPr>
+            </a:lvl1pPr>
+            <a:lvl2pPr marL="742950" indent="-285750">
+              <a:defRPr sz="3200">
+                <a:solidFill>
+                  <a:schemeClr val="tx1"/>
+                </a:solidFill>
+                <a:latin typeface="Arial" panose="020B0604020202020204" pitchFamily="34" charset="0"/>
+                <a:ea typeface="微软雅黑" panose="020B0503020204020204" pitchFamily="34" charset="-122"/>
+              </a:defRPr>
+            </a:lvl2pPr>
+            <a:lvl3pPr marL="1143000" indent="-228600">
+              <a:defRPr sz="3200">
+                <a:solidFill>
+                  <a:schemeClr val="tx1"/>
+                </a:solidFill>
+                <a:latin typeface="Arial" panose="020B0604020202020204" pitchFamily="34" charset="0"/>
+                <a:ea typeface="微软雅黑" panose="020B0503020204020204" pitchFamily="34" charset="-122"/>
+              </a:defRPr>
+            </a:lvl3pPr>
+            <a:lvl4pPr marL="1600200" indent="-228600">
+              <a:defRPr sz="3200">
+                <a:solidFill>
+                  <a:schemeClr val="tx1"/>
+                </a:solidFill>
+                <a:latin typeface="Arial" panose="020B0604020202020204" pitchFamily="34" charset="0"/>
+                <a:ea typeface="微软雅黑" panose="020B0503020204020204" pitchFamily="34" charset="-122"/>
+              </a:defRPr>
+            </a:lvl4pPr>
+            <a:lvl5pPr marL="2057400" indent="-228600">
+              <a:defRPr sz="3200">
+                <a:solidFill>
+                  <a:schemeClr val="tx1"/>
+                </a:solidFill>
+                <a:latin typeface="Arial" panose="020B0604020202020204" pitchFamily="34" charset="0"/>
+                <a:ea typeface="微软雅黑" panose="020B0503020204020204" pitchFamily="34" charset="-122"/>
+              </a:defRPr>
+            </a:lvl5pPr>
+            <a:lvl6pPr marL="2514600" indent="-228600" eaLnBrk="0" fontAlgn="base" hangingPunct="0">
+              <a:spcBef>
+                <a:spcPct val="0"/>
+              </a:spcBef>
+              <a:spcAft>
+                <a:spcPct val="0"/>
+              </a:spcAft>
+              <a:defRPr sz="3200">
+                <a:solidFill>
+                  <a:schemeClr val="tx1"/>
+                </a:solidFill>
+                <a:latin typeface="Arial" panose="020B0604020202020204" pitchFamily="34" charset="0"/>
+                <a:ea typeface="微软雅黑" panose="020B0503020204020204" pitchFamily="34" charset="-122"/>
+              </a:defRPr>
+            </a:lvl6pPr>
+            <a:lvl7pPr marL="2971800" indent="-228600" eaLnBrk="0" fontAlgn="base" hangingPunct="0">
+              <a:spcBef>
+                <a:spcPct val="0"/>
+              </a:spcBef>
+              <a:spcAft>
+                <a:spcPct val="0"/>
+              </a:spcAft>
+              <a:defRPr sz="3200">
+                <a:solidFill>
+                  <a:schemeClr val="tx1"/>
+                </a:solidFill>
+                <a:latin typeface="Arial" panose="020B0604020202020204" pitchFamily="34" charset="0"/>
+                <a:ea typeface="微软雅黑" panose="020B0503020204020204" pitchFamily="34" charset="-122"/>
+              </a:defRPr>
+            </a:lvl7pPr>
+            <a:lvl8pPr marL="3429000" indent="-228600" eaLnBrk="0" fontAlgn="base" hangingPunct="0">
+              <a:spcBef>
+                <a:spcPct val="0"/>
+              </a:spcBef>
+              <a:spcAft>
+                <a:spcPct val="0"/>
+              </a:spcAft>
+              <a:defRPr sz="3200">
+                <a:solidFill>
+                  <a:schemeClr val="tx1"/>
+                </a:solidFill>
+                <a:latin typeface="Arial" panose="020B0604020202020204" pitchFamily="34" charset="0"/>
+                <a:ea typeface="微软雅黑" panose="020B0503020204020204" pitchFamily="34" charset="-122"/>
+              </a:defRPr>
+            </a:lvl8pPr>
+            <a:lvl9pPr marL="3886200" indent="-228600" eaLnBrk="0" fontAlgn="base" hangingPunct="0">
+              <a:spcBef>
+                <a:spcPct val="0"/>
+              </a:spcBef>
+              <a:spcAft>
+                <a:spcPct val="0"/>
+              </a:spcAft>
+              <a:defRPr sz="3200">
+                <a:solidFill>
+                  <a:schemeClr val="tx1"/>
+                </a:solidFill>
+                <a:latin typeface="Arial" panose="020B0604020202020204" pitchFamily="34" charset="0"/>
+                <a:ea typeface="微软雅黑" panose="020B0503020204020204" pitchFamily="34" charset="-122"/>
+              </a:defRPr>
+            </a:lvl9pPr>
+          </a:lstStyle>
+          <a:p>
+            <a:pPr algn="l">
+              <a:lnSpc>
+                <a:spcPct val="150000"/>
+              </a:lnSpc>
+              <a:spcBef>
+                <a:spcPts val="1200"/>
+              </a:spcBef>
+              <a:spcAft>
+                <a:spcPts val="1200"/>
+              </a:spcAft>
+              <a:buClr>
+                <a:srgbClr val="92D050"/>
+              </a:buClr>
+              <a:buFont typeface="Wingdings" panose="05000000000000000000" pitchFamily="2" charset="2"/>
+              <a:buChar char="Ø"/>
+            </a:pPr>
+            <a:r>
+              <a:rPr lang="en-US" altLang="zh-CN" sz="2800" b="1">
+                <a:solidFill>
+                  <a:schemeClr val="tx1"/>
+                </a:solidFill>
+                <a:sym typeface="+mn-ea"/>
+              </a:rPr>
+              <a:t>JSON</a:t>
+            </a:r>
+            <a:r>
+              <a:rPr lang="zh-CN" altLang="en-US" sz="2800" b="1">
+                <a:solidFill>
+                  <a:schemeClr val="tx1"/>
+                </a:solidFill>
+                <a:sym typeface="+mn-ea"/>
+              </a:rPr>
+              <a:t>简介</a:t>
+            </a:r>
+            <a:endParaRPr lang="zh-CN" altLang="en-US" sz="2800" b="1">
+              <a:solidFill>
+                <a:schemeClr val="tx1"/>
+              </a:solidFill>
+              <a:sym typeface="+mn-ea"/>
+            </a:endParaRPr>
+          </a:p>
+          <a:p>
+            <a:pPr algn="l">
+              <a:lnSpc>
+                <a:spcPct val="150000"/>
+              </a:lnSpc>
+              <a:spcBef>
+                <a:spcPts val="1200"/>
+              </a:spcBef>
+              <a:spcAft>
+                <a:spcPts val="1200"/>
+              </a:spcAft>
+              <a:buClr>
+                <a:srgbClr val="92D050"/>
+              </a:buClr>
+              <a:buFont typeface="Wingdings" panose="05000000000000000000" pitchFamily="2" charset="2"/>
+              <a:buChar char="Ø"/>
+            </a:pPr>
+            <a:r>
+              <a:rPr lang="en-US" altLang="zh-CN" sz="2800" b="1">
+                <a:solidFill>
+                  <a:schemeClr val="tx1"/>
+                </a:solidFill>
+                <a:sym typeface="+mn-ea"/>
+              </a:rPr>
+              <a:t>JSON</a:t>
+            </a:r>
+            <a:r>
+              <a:rPr lang="zh-CN" altLang="en-US" sz="2800" b="1">
+                <a:solidFill>
+                  <a:schemeClr val="tx1"/>
+                </a:solidFill>
+                <a:sym typeface="+mn-ea"/>
+              </a:rPr>
+              <a:t>对象方法</a:t>
+            </a:r>
+            <a:endParaRPr lang="zh-CN" altLang="en-US" sz="2800" b="1">
+              <a:solidFill>
+                <a:schemeClr val="tx1"/>
+              </a:solidFill>
+              <a:sym typeface="+mn-ea"/>
+            </a:endParaRPr>
+          </a:p>
+          <a:p>
+            <a:pPr algn="l">
+              <a:lnSpc>
+                <a:spcPct val="150000"/>
+              </a:lnSpc>
+              <a:spcBef>
+                <a:spcPts val="1200"/>
+              </a:spcBef>
+              <a:spcAft>
+                <a:spcPts val="1200"/>
+              </a:spcAft>
+              <a:buClr>
+                <a:srgbClr val="92D050"/>
+              </a:buClr>
+              <a:buFont typeface="Wingdings" panose="05000000000000000000" pitchFamily="2" charset="2"/>
+              <a:buChar char="Ø"/>
+            </a:pPr>
+            <a:r>
+              <a:rPr lang="en-US" altLang="zh-CN" sz="2800" b="1">
+                <a:solidFill>
+                  <a:srgbClr val="FF0000"/>
+                </a:solidFill>
+                <a:sym typeface="+mn-ea"/>
+              </a:rPr>
+              <a:t>JSON</a:t>
+            </a:r>
+            <a:r>
+              <a:rPr lang="zh-CN" altLang="en-US" sz="2800" b="1">
+                <a:solidFill>
+                  <a:srgbClr val="FF0000"/>
+                </a:solidFill>
+                <a:sym typeface="+mn-ea"/>
+              </a:rPr>
+              <a:t>案例</a:t>
+            </a:r>
+            <a:endParaRPr lang="zh-CN" altLang="en-US" sz="2800" b="1">
+              <a:solidFill>
+                <a:srgbClr val="FF0000"/>
+              </a:solidFill>
+              <a:sym typeface="+mn-ea"/>
+            </a:endParaRPr>
+          </a:p>
+        </p:txBody>
+      </p:sp>
+      <p:sp>
+        <p:nvSpPr>
+          <p:cNvPr id="4" name="内容占位符 3"/>
+          <p:cNvSpPr txBox="1"/>
+          <p:nvPr/>
+        </p:nvSpPr>
+        <p:spPr>
+          <a:xfrm>
+            <a:off x="981657" y="236943"/>
+            <a:ext cx="8191557" cy="490476"/>
+          </a:xfrm>
+          <a:prstGeom prst="rect">
+            <a:avLst/>
+          </a:prstGeom>
+        </p:spPr>
+        <p:txBody>
+          <a:bodyPr/>
+          <a:lstStyle>
+            <a:lvl1pPr marL="167005" indent="-167005" algn="l" defTabSz="0" rtl="0" eaLnBrk="0" fontAlgn="base" hangingPunct="0">
+              <a:spcBef>
+                <a:spcPct val="0"/>
+              </a:spcBef>
+              <a:spcAft>
+                <a:spcPct val="15000"/>
+              </a:spcAft>
+              <a:buClr>
+                <a:schemeClr val="tx2"/>
+              </a:buClr>
+              <a:buFont typeface="Arial" panose="020B0604020202020204" pitchFamily="34" charset="0"/>
+              <a:buChar char="•"/>
+              <a:defRPr kumimoji="1" sz="1600">
+                <a:solidFill>
+                  <a:srgbClr val="006F53"/>
+                </a:solidFill>
+                <a:latin typeface="微软雅黑" panose="020B0503020204020204" pitchFamily="34" charset="-122"/>
+                <a:ea typeface="微软雅黑" panose="020B0503020204020204" pitchFamily="34" charset="-122"/>
+                <a:cs typeface="微软雅黑" panose="020B0503020204020204" pitchFamily="34" charset="-122"/>
+              </a:defRPr>
+            </a:lvl1pPr>
+            <a:lvl2pPr marL="398780" indent="-230505" algn="l" defTabSz="0" rtl="0" eaLnBrk="0" fontAlgn="base" hangingPunct="0">
+              <a:spcBef>
+                <a:spcPct val="0"/>
+              </a:spcBef>
+              <a:spcAft>
+                <a:spcPct val="15000"/>
+              </a:spcAft>
+              <a:buClr>
+                <a:schemeClr val="tx2"/>
+              </a:buClr>
+              <a:buFont typeface="Arial" panose="020B0604020202020204" pitchFamily="34" charset="0"/>
+              <a:buChar char="–"/>
+              <a:defRPr kumimoji="1" sz="2800">
+                <a:solidFill>
+                  <a:schemeClr val="bg2"/>
+                </a:solidFill>
+                <a:latin typeface="微软雅黑" panose="020B0503020204020204" pitchFamily="34" charset="-122"/>
+                <a:ea typeface="微软雅黑" panose="020B0503020204020204" pitchFamily="34" charset="-122"/>
+                <a:cs typeface="微软雅黑" panose="020B0503020204020204" pitchFamily="34" charset="-122"/>
+              </a:defRPr>
+            </a:lvl2pPr>
+            <a:lvl3pPr marL="400050" indent="182880" algn="l" defTabSz="0" rtl="0" eaLnBrk="0" fontAlgn="base" hangingPunct="0">
+              <a:spcBef>
+                <a:spcPct val="0"/>
+              </a:spcBef>
+              <a:spcAft>
+                <a:spcPct val="15000"/>
+              </a:spcAft>
+              <a:buClr>
+                <a:schemeClr val="tx2"/>
+              </a:buClr>
+              <a:buFont typeface="Arial" panose="020B0604020202020204" pitchFamily="34" charset="0"/>
+              <a:buChar char="•"/>
+              <a:defRPr kumimoji="1" sz="1600">
+                <a:solidFill>
+                  <a:schemeClr val="bg2"/>
+                </a:solidFill>
+                <a:latin typeface="微软雅黑" panose="020B0503020204020204" pitchFamily="34" charset="-122"/>
+                <a:ea typeface="微软雅黑" panose="020B0503020204020204" pitchFamily="34" charset="-122"/>
+                <a:cs typeface="微软雅黑" panose="020B0503020204020204" pitchFamily="34" charset="-122"/>
+              </a:defRPr>
+            </a:lvl3pPr>
+            <a:lvl4pPr marL="825500" indent="-241300" algn="l" defTabSz="0" rtl="0" eaLnBrk="0" fontAlgn="base" hangingPunct="0">
+              <a:spcBef>
+                <a:spcPct val="0"/>
+              </a:spcBef>
+              <a:spcAft>
+                <a:spcPct val="15000"/>
+              </a:spcAft>
+              <a:buClr>
+                <a:schemeClr val="tx2"/>
+              </a:buClr>
+              <a:buFont typeface="Arial" panose="020B0604020202020204" pitchFamily="34" charset="0"/>
+              <a:buChar char="–"/>
+              <a:defRPr kumimoji="1" sz="1600">
+                <a:solidFill>
+                  <a:schemeClr val="bg2"/>
+                </a:solidFill>
+                <a:latin typeface="微软雅黑" panose="020B0503020204020204" pitchFamily="34" charset="-122"/>
+                <a:ea typeface="微软雅黑" panose="020B0503020204020204" pitchFamily="34" charset="-122"/>
+                <a:cs typeface="微软雅黑" panose="020B0503020204020204" pitchFamily="34" charset="-122"/>
+              </a:defRPr>
+            </a:lvl4pPr>
+            <a:lvl5pPr marL="2057400" indent="-228600" algn="l" defTabSz="0" rtl="0" eaLnBrk="0" fontAlgn="base" hangingPunct="0">
+              <a:spcBef>
+                <a:spcPct val="0"/>
+              </a:spcBef>
+              <a:spcAft>
+                <a:spcPct val="25000"/>
+              </a:spcAft>
+              <a:buClr>
+                <a:schemeClr val="tx2"/>
+              </a:buClr>
+              <a:buFont typeface="Arial" panose="020B0604020202020204" pitchFamily="34" charset="0"/>
+              <a:buChar char="–"/>
+              <a:defRPr kumimoji="1" sz="2000">
+                <a:solidFill>
+                  <a:schemeClr val="tx1"/>
+                </a:solidFill>
+                <a:latin typeface="+mn-lt"/>
+                <a:ea typeface="微软雅黑" panose="020B0503020204020204" pitchFamily="34" charset="-122"/>
+                <a:cs typeface="微软雅黑" panose="020B0503020204020204" pitchFamily="34" charset="-122"/>
+              </a:defRPr>
+            </a:lvl5pPr>
+            <a:lvl6pPr marL="2514600" indent="-228600" algn="l" defTabSz="0" rtl="0" eaLnBrk="0" fontAlgn="base" hangingPunct="0">
+              <a:spcBef>
+                <a:spcPct val="0"/>
+              </a:spcBef>
+              <a:spcAft>
+                <a:spcPct val="25000"/>
+              </a:spcAft>
+              <a:buClr>
+                <a:schemeClr val="tx2"/>
+              </a:buClr>
+              <a:buFont typeface="Arial" panose="020B0604020202020204" pitchFamily="34" charset="0"/>
+              <a:buChar char="–"/>
+              <a:defRPr>
+                <a:solidFill>
+                  <a:schemeClr val="tx1"/>
+                </a:solidFill>
+                <a:latin typeface="+mn-lt"/>
+              </a:defRPr>
+            </a:lvl6pPr>
+            <a:lvl7pPr marL="2971800" indent="-228600" algn="l" defTabSz="0" rtl="0" eaLnBrk="0" fontAlgn="base" hangingPunct="0">
+              <a:spcBef>
+                <a:spcPct val="0"/>
+              </a:spcBef>
+              <a:spcAft>
+                <a:spcPct val="25000"/>
+              </a:spcAft>
+              <a:buClr>
+                <a:schemeClr val="tx2"/>
+              </a:buClr>
+              <a:buFont typeface="Arial" panose="020B0604020202020204" pitchFamily="34" charset="0"/>
+              <a:buChar char="–"/>
+              <a:defRPr>
+                <a:solidFill>
+                  <a:schemeClr val="tx1"/>
+                </a:solidFill>
+                <a:latin typeface="+mn-lt"/>
+              </a:defRPr>
+            </a:lvl7pPr>
+            <a:lvl8pPr marL="3429000" indent="-228600" algn="l" defTabSz="0" rtl="0" eaLnBrk="0" fontAlgn="base" hangingPunct="0">
+              <a:spcBef>
+                <a:spcPct val="0"/>
+              </a:spcBef>
+              <a:spcAft>
+                <a:spcPct val="25000"/>
+              </a:spcAft>
+              <a:buClr>
+                <a:schemeClr val="tx2"/>
+              </a:buClr>
+              <a:buFont typeface="Arial" panose="020B0604020202020204" pitchFamily="34" charset="0"/>
+              <a:buChar char="–"/>
+              <a:defRPr>
+                <a:solidFill>
+                  <a:schemeClr val="tx1"/>
+                </a:solidFill>
+                <a:latin typeface="+mn-lt"/>
+              </a:defRPr>
+            </a:lvl8pPr>
+            <a:lvl9pPr marL="3886200" indent="-228600" algn="l" defTabSz="0" rtl="0" eaLnBrk="0" fontAlgn="base" hangingPunct="0">
+              <a:spcBef>
+                <a:spcPct val="0"/>
+              </a:spcBef>
+              <a:spcAft>
+                <a:spcPct val="25000"/>
+              </a:spcAft>
+              <a:buClr>
+                <a:schemeClr val="tx2"/>
+              </a:buClr>
+              <a:buFont typeface="Arial" panose="020B0604020202020204" pitchFamily="34" charset="0"/>
+              <a:buChar char="–"/>
+              <a:defRPr>
+                <a:solidFill>
+                  <a:schemeClr val="tx1"/>
+                </a:solidFill>
+                <a:latin typeface="+mn-lt"/>
+              </a:defRPr>
+            </a:lvl9pPr>
+          </a:lstStyle>
+          <a:p>
+            <a:pPr marL="0" indent="0">
+              <a:buNone/>
+            </a:pPr>
+            <a:r>
+              <a:rPr lang="zh-CN" altLang="en-US" sz="3200" dirty="0" smtClean="0">
+                <a:solidFill>
+                  <a:srgbClr val="C00000"/>
+                </a:solidFill>
+                <a:cs typeface="+mn-cs"/>
+                <a:sym typeface="+mn-ea"/>
+              </a:rPr>
+              <a:t>内容提纲</a:t>
+            </a:r>
+            <a:endParaRPr lang="zh-CN" altLang="en-US" kern="0" dirty="0"/>
+          </a:p>
+        </p:txBody>
+      </p:sp>
+    </p:spTree>
+  </p:cSld>
+  <p:clrMapOvr>
+    <a:masterClrMapping/>
+  </p:clrMapOvr>
+  <p:timing>
+    <p:tnLst>
+      <p:par>
+        <p:cTn id="1" dur="indefinite" restart="never" nodeType="tmRoot"/>
+      </p:par>
+    </p:tnLst>
+  </p:timing>
+</p:sld>
+</file>
+
+<file path=ppt/slides/slide11.xml><?xml version="1.0" encoding="utf-8"?>
+<p:sld xmlns:a="http://schemas.openxmlformats.org/drawingml/2006/main" xmlns:r="http://schemas.openxmlformats.org/officeDocument/2006/relationships" xmlns:p="http://schemas.openxmlformats.org/presentationml/2006/main">
+  <p:cSld>
+    <p:spTree>
+      <p:nvGrpSpPr>
+        <p:cNvPr id="1" name=""/>
+        <p:cNvGrpSpPr/>
+        <p:nvPr/>
+      </p:nvGrpSpPr>
+      <p:grpSpPr>
+        <a:xfrm>
+          <a:off x="0" y="0"/>
+          <a:ext cx="0" cy="0"/>
+          <a:chOff x="0" y="0"/>
+          <a:chExt cx="0" cy="0"/>
+        </a:xfrm>
+      </p:grpSpPr>
+      <p:sp>
+        <p:nvSpPr>
+          <p:cNvPr id="2" name="内容占位符 1"/>
+          <p:cNvSpPr>
+            <a:spLocks noGrp="1"/>
+          </p:cNvSpPr>
+          <p:nvPr>
+            <p:ph sz="quarter" idx="10"/>
+          </p:nvPr>
+        </p:nvSpPr>
+        <p:spPr>
+          <a:xfrm>
+            <a:off x="927735" y="783590"/>
+            <a:ext cx="10781665" cy="5269230"/>
+          </a:xfrm>
+        </p:spPr>
+        <p:txBody>
+          <a:bodyPr/>
+          <a:lstStyle/>
+          <a:p>
+            <a:pPr>
+              <a:lnSpc>
+                <a:spcPct val="150000"/>
+              </a:lnSpc>
+            </a:pPr>
+            <a:r>
+              <a:rPr sz="3200" dirty="0">
+                <a:solidFill>
+                  <a:schemeClr val="tx1"/>
+                </a:solidFill>
+                <a:sym typeface="+mn-ea"/>
+              </a:rPr>
+              <a:t>JSON</a:t>
+            </a:r>
+            <a:r>
+              <a:rPr lang="zh-CN" sz="3200" dirty="0">
+                <a:solidFill>
+                  <a:schemeClr val="tx1"/>
+                </a:solidFill>
+                <a:sym typeface="+mn-ea"/>
+              </a:rPr>
+              <a:t>案例</a:t>
+            </a:r>
+            <a:r>
+              <a:rPr lang="en-US" altLang="zh-CN" sz="3200" dirty="0">
+                <a:solidFill>
+                  <a:schemeClr val="tx1"/>
+                </a:solidFill>
+                <a:sym typeface="+mn-ea"/>
+              </a:rPr>
+              <a:t>-</a:t>
+            </a:r>
+            <a:r>
+              <a:rPr lang="zh-CN" sz="3200" dirty="0">
+                <a:solidFill>
+                  <a:schemeClr val="tx1"/>
+                </a:solidFill>
+                <a:sym typeface="+mn-ea"/>
+              </a:rPr>
+              <a:t>前后端之间的数据传输</a:t>
+            </a:r>
+            <a:br>
+              <a:rPr lang="zh-CN" altLang="en-US" sz="3200" dirty="0">
+                <a:solidFill>
+                  <a:schemeClr val="tx1"/>
+                </a:solidFill>
+                <a:sym typeface="+mn-ea"/>
+              </a:rPr>
+            </a:br>
+            <a:br>
+              <a:rPr lang="en-US" altLang="zh-CN" sz="2000" dirty="0">
+                <a:solidFill>
+                  <a:schemeClr val="tx1"/>
+                </a:solidFill>
+                <a:sym typeface="+mn-ea"/>
+              </a:rPr>
+            </a:br>
+            <a:endParaRPr lang="zh-CN" altLang="en-US" sz="2000" dirty="0">
+              <a:solidFill>
+                <a:schemeClr val="tx1"/>
+              </a:solidFill>
+              <a:sym typeface="+mn-ea"/>
+            </a:endParaRPr>
+          </a:p>
+          <a:p>
+            <a:pPr marL="0" indent="0">
+              <a:lnSpc>
+                <a:spcPct val="160000"/>
+              </a:lnSpc>
+              <a:buNone/>
+            </a:pPr>
+            <a:endParaRPr lang="en-US" altLang="zh-CN" sz="1800" dirty="0">
+              <a:solidFill>
+                <a:schemeClr val="tx1"/>
+              </a:solidFill>
+              <a:sym typeface="+mn-ea"/>
+            </a:endParaRPr>
+          </a:p>
+        </p:txBody>
+      </p:sp>
+      <p:sp>
+        <p:nvSpPr>
+          <p:cNvPr id="3" name="内容占位符 2"/>
+          <p:cNvSpPr>
+            <a:spLocks noGrp="1"/>
+          </p:cNvSpPr>
+          <p:nvPr>
+            <p:ph sz="quarter" idx="11"/>
+          </p:nvPr>
+        </p:nvSpPr>
+        <p:spPr/>
+        <p:txBody>
+          <a:bodyPr/>
+          <a:lstStyle/>
+          <a:p>
+            <a:r>
+              <a:rPr lang="en-US" dirty="0"/>
+              <a:t>JSON</a:t>
+            </a:r>
+            <a:r>
+              <a:rPr lang="zh-CN" altLang="en-US" dirty="0"/>
+              <a:t>案例</a:t>
+            </a:r>
+            <a:endParaRPr lang="zh-CN" altLang="en-US" dirty="0"/>
+          </a:p>
+        </p:txBody>
+      </p:sp>
+      <p:sp>
+        <p:nvSpPr>
+          <p:cNvPr id="6" name="文本框 5"/>
+          <p:cNvSpPr txBox="1"/>
+          <p:nvPr/>
+        </p:nvSpPr>
+        <p:spPr>
+          <a:xfrm>
+            <a:off x="5575300" y="6196330"/>
+            <a:ext cx="5033010" cy="398780"/>
+          </a:xfrm>
+          <a:prstGeom prst="rect">
+            <a:avLst/>
+          </a:prstGeom>
+          <a:noFill/>
+        </p:spPr>
+        <p:txBody>
+          <a:bodyPr wrap="square" rtlCol="0">
+            <a:spAutoFit/>
+          </a:bodyPr>
+          <a:p>
+            <a:r>
+              <a:rPr lang="zh-CN" altLang="en-US" sz="2000">
+                <a:solidFill>
+                  <a:srgbClr val="FF0000"/>
+                </a:solidFill>
+              </a:rPr>
+              <a:t>参见实例</a:t>
+            </a:r>
+            <a:r>
+              <a:rPr lang="en-US" altLang="zh-CN" sz="2000">
+                <a:solidFill>
+                  <a:srgbClr val="FF0000"/>
+                </a:solidFill>
+              </a:rPr>
+              <a:t>Demo JSON</a:t>
+            </a:r>
+            <a:r>
+              <a:rPr lang="zh-CN" altLang="en-US" sz="2000">
+                <a:solidFill>
+                  <a:srgbClr val="FF0000"/>
+                </a:solidFill>
+              </a:rPr>
+              <a:t>对象方法</a:t>
+            </a:r>
+            <a:r>
+              <a:rPr lang="en-US" altLang="zh-CN" sz="2000">
+                <a:solidFill>
+                  <a:srgbClr val="FF0000"/>
+                </a:solidFill>
+              </a:rPr>
+              <a:t> </a:t>
+            </a:r>
+            <a:r>
+              <a:rPr lang="zh-CN" altLang="en-US" sz="2000">
+                <a:solidFill>
+                  <a:srgbClr val="FF0000"/>
+                </a:solidFill>
+              </a:rPr>
+              <a:t> </a:t>
+            </a:r>
+            <a:endParaRPr lang="en-US" altLang="zh-CN" sz="2000">
+              <a:solidFill>
+                <a:srgbClr val="FF0000"/>
+              </a:solidFill>
+            </a:endParaRPr>
+          </a:p>
+        </p:txBody>
+      </p:sp>
+      <p:pic>
+        <p:nvPicPr>
+          <p:cNvPr id="4" name="图片 3"/>
+          <p:cNvPicPr>
+            <a:picLocks noChangeAspect="1"/>
+          </p:cNvPicPr>
+          <p:nvPr/>
+        </p:nvPicPr>
+        <p:blipFill>
+          <a:blip r:embed="rId1"/>
+          <a:stretch>
+            <a:fillRect/>
+          </a:stretch>
+        </p:blipFill>
+        <p:spPr>
+          <a:xfrm>
+            <a:off x="1090930" y="1704975"/>
+            <a:ext cx="8281670" cy="4040505"/>
+          </a:xfrm>
+          <a:prstGeom prst="rect">
+            <a:avLst/>
+          </a:prstGeom>
+        </p:spPr>
+      </p:pic>
+      <p:pic>
+        <p:nvPicPr>
+          <p:cNvPr id="5" name="图片 4"/>
+          <p:cNvPicPr>
+            <a:picLocks noChangeAspect="1"/>
+          </p:cNvPicPr>
+          <p:nvPr/>
+        </p:nvPicPr>
+        <p:blipFill>
+          <a:blip r:embed="rId2"/>
+          <a:stretch>
+            <a:fillRect/>
+          </a:stretch>
+        </p:blipFill>
+        <p:spPr>
+          <a:xfrm>
+            <a:off x="2136140" y="1690370"/>
+            <a:ext cx="9669145" cy="4904740"/>
+          </a:xfrm>
+          <a:prstGeom prst="rect">
+            <a:avLst/>
+          </a:prstGeom>
+        </p:spPr>
+      </p:pic>
+    </p:spTree>
+  </p:cSld>
+  <p:clrMapOvr>
+    <a:masterClrMapping/>
+  </p:clrMapOvr>
+  <p:timing>
+    <p:tnLst>
+      <p:par>
+        <p:cTn id="1" dur="indefinite" restart="never" nodeType="tmRoot">
+          <p:childTnLst>
+            <p:seq concurrent="1" nextAc="seek">
+              <p:cTn id="2" dur="indefinite" nodeType="mainSeq">
+                <p:childTnLst>
+                  <p:par>
+                    <p:cTn id="3" fill="hold">
+                      <p:stCondLst>
+                        <p:cond delay="indefinite"/>
+                      </p:stCondLst>
+                      <p:childTnLst>
+                        <p:par>
+                          <p:cTn id="4" fill="hold">
+                            <p:stCondLst>
+                              <p:cond delay="0"/>
+                            </p:stCondLst>
+                            <p:childTnLst>
+                              <p:par>
+                                <p:cTn id="5" presetID="2" presetClass="entr" presetSubtype="4" fill="hold" nodeType="clickEffect">
+                                  <p:stCondLst>
+                                    <p:cond delay="0"/>
+                                  </p:stCondLst>
+                                  <p:childTnLst>
+                                    <p:set>
+                                      <p:cBhvr>
+                                        <p:cTn id="6" dur="1" fill="hold">
+                                          <p:stCondLst>
+                                            <p:cond delay="0"/>
+                                          </p:stCondLst>
+                                        </p:cTn>
+                                        <p:tgtEl>
+                                          <p:spTgt spid="2">
+                                            <p:txEl>
+                                              <p:pRg st="0" end="0"/>
+                                            </p:txEl>
+                                          </p:spTgt>
+                                        </p:tgtEl>
+                                        <p:attrNameLst>
+                                          <p:attrName>style.visibility</p:attrName>
+                                        </p:attrNameLst>
+                                      </p:cBhvr>
+                                      <p:to>
+                                        <p:strVal val="visible"/>
+                                      </p:to>
+                                    </p:set>
+                                    <p:anim calcmode="lin" valueType="num">
+                                      <p:cBhvr additive="base">
+                                        <p:cTn id="7" dur="500" fill="hold"/>
+                                        <p:tgtEl>
+                                          <p:spTgt spid="2">
+                                            <p:txEl>
+                                              <p:pRg st="0" end="0"/>
+                                            </p:txEl>
+                                          </p:spTgt>
+                                        </p:tgtEl>
+                                        <p:attrNameLst>
+                                          <p:attrName>ppt_x</p:attrName>
+                                        </p:attrNameLst>
+                                      </p:cBhvr>
+                                      <p:tavLst>
+                                        <p:tav tm="0">
+                                          <p:val>
+                                            <p:strVal val="#ppt_x"/>
+                                          </p:val>
+                                        </p:tav>
+                                        <p:tav tm="100000">
+                                          <p:val>
+                                            <p:strVal val="#ppt_x"/>
+                                          </p:val>
+                                        </p:tav>
+                                      </p:tavLst>
+                                    </p:anim>
+                                    <p:anim calcmode="lin" valueType="num">
+                                      <p:cBhvr additive="base">
+                                        <p:cTn id="8" dur="500" fill="hold"/>
+                                        <p:tgtEl>
+                                          <p:spTgt spid="2">
+                                            <p:txEl>
+                                              <p:pRg st="0" end="0"/>
+                                            </p:txEl>
+                                          </p:spTgt>
+                                        </p:tgtEl>
+                                        <p:attrNameLst>
+                                          <p:attrName>ppt_y</p:attrName>
+                                        </p:attrNameLst>
+                                      </p:cBhvr>
+                                      <p:tavLst>
+                                        <p:tav tm="0">
+                                          <p:val>
+                                            <p:strVal val="1+#ppt_h/2"/>
+                                          </p:val>
+                                        </p:tav>
+                                        <p:tav tm="100000">
+                                          <p:val>
+                                            <p:strVal val="#ppt_y"/>
+                                          </p:val>
+                                        </p:tav>
+                                      </p:tavLst>
+                                    </p:anim>
+                                  </p:childTnLst>
+                                </p:cTn>
+                              </p:par>
+                            </p:childTnLst>
+                          </p:cTn>
+                        </p:par>
+                        <p:par>
+                          <p:cTn id="9" fill="hold">
+                            <p:stCondLst>
+                              <p:cond delay="500"/>
+                            </p:stCondLst>
+                            <p:childTnLst>
+                              <p:par>
+                                <p:cTn id="10" presetID="2" presetClass="entr" presetSubtype="4" fill="hold" grpId="0" nodeType="afterEffect">
+                                  <p:stCondLst>
+                                    <p:cond delay="0"/>
+                                  </p:stCondLst>
+                                  <p:childTnLst>
+                                    <p:set>
+                                      <p:cBhvr>
+                                        <p:cTn id="11" dur="1" fill="hold">
+                                          <p:stCondLst>
+                                            <p:cond delay="0"/>
+                                          </p:stCondLst>
+                                        </p:cTn>
+                                        <p:tgtEl>
+                                          <p:spTgt spid="6"/>
+                                        </p:tgtEl>
+                                        <p:attrNameLst>
+                                          <p:attrName>style.visibility</p:attrName>
+                                        </p:attrNameLst>
+                                      </p:cBhvr>
+                                      <p:to>
+                                        <p:strVal val="visible"/>
+                                      </p:to>
+                                    </p:set>
+                                    <p:anim calcmode="lin" valueType="num">
+                                      <p:cBhvr additive="base">
+                                        <p:cTn id="12" dur="500" fill="hold"/>
+                                        <p:tgtEl>
+                                          <p:spTgt spid="6"/>
+                                        </p:tgtEl>
+                                        <p:attrNameLst>
+                                          <p:attrName>ppt_x</p:attrName>
+                                        </p:attrNameLst>
+                                      </p:cBhvr>
+                                      <p:tavLst>
+                                        <p:tav tm="0">
+                                          <p:val>
+                                            <p:strVal val="#ppt_x"/>
+                                          </p:val>
+                                        </p:tav>
+                                        <p:tav tm="100000">
+                                          <p:val>
+                                            <p:strVal val="#ppt_x"/>
+                                          </p:val>
+                                        </p:tav>
+                                      </p:tavLst>
+                                    </p:anim>
+                                    <p:anim calcmode="lin" valueType="num">
+                                      <p:cBhvr additive="base">
+                                        <p:cTn id="13" dur="500" fill="hold"/>
+                                        <p:tgtEl>
+                                          <p:spTgt spid="6"/>
+                                        </p:tgtEl>
+                                        <p:attrNameLst>
+                                          <p:attrName>ppt_y</p:attrName>
+                                        </p:attrNameLst>
+                                      </p:cBhvr>
+                                      <p:tavLst>
+                                        <p:tav tm="0">
+                                          <p:val>
+                                            <p:strVal val="1+#ppt_h/2"/>
+                                          </p:val>
+                                        </p:tav>
+                                        <p:tav tm="100000">
+                                          <p:val>
+                                            <p:strVal val="#ppt_y"/>
+                                          </p:val>
+                                        </p:tav>
+                                      </p:tavLst>
+                                    </p:anim>
+                                  </p:childTnLst>
+                                </p:cTn>
+                              </p:par>
+                            </p:childTnLst>
+                          </p:cTn>
+                        </p:par>
+                      </p:childTnLst>
+                    </p:cTn>
+                  </p:par>
+                </p:childTnLst>
+              </p:cTn>
+              <p:prevCondLst>
+                <p:cond evt="onPrev" delay="0">
+                  <p:tgtEl>
+                    <p:sldTgt/>
+                  </p:tgtEl>
+                </p:cond>
+              </p:prevCondLst>
+              <p:nextCondLst>
+                <p:cond evt="onNext" delay="0">
+                  <p:tgtEl>
+                    <p:sldTgt/>
+                  </p:tgtEl>
+                </p:cond>
+              </p:nextCondLst>
+            </p:seq>
+          </p:childTnLst>
+        </p:cTn>
+      </p:par>
+    </p:tnLst>
+    <p:bldLst>
+      <p:bldP spid="6" grpId="0"/>
+    </p:bldLst>
+  </p:timing>
+</p:sld>
+</file>
+
+<file path=ppt/slides/slide12.xml><?xml version="1.0" encoding="utf-8"?>
+<p:sld xmlns:a="http://schemas.openxmlformats.org/drawingml/2006/main" xmlns:r="http://schemas.openxmlformats.org/officeDocument/2006/relationships" xmlns:p="http://schemas.openxmlformats.org/presentationml/2006/main">
+  <p:cSld>
+    <p:spTree>
+      <p:nvGrpSpPr>
+        <p:cNvPr id="1" name=""/>
+        <p:cNvGrpSpPr/>
+        <p:nvPr/>
+      </p:nvGrpSpPr>
+      <p:grpSpPr>
+        <a:xfrm>
+          <a:off x="0" y="0"/>
+          <a:ext cx="0" cy="0"/>
+          <a:chOff x="0" y="0"/>
+          <a:chExt cx="0" cy="0"/>
+        </a:xfrm>
+      </p:grpSpPr>
+      <p:sp>
+        <p:nvSpPr>
+          <p:cNvPr id="2" name="内容占位符 1"/>
+          <p:cNvSpPr>
+            <a:spLocks noGrp="1"/>
+          </p:cNvSpPr>
+          <p:nvPr>
+            <p:ph sz="quarter" idx="10"/>
+          </p:nvPr>
+        </p:nvSpPr>
+        <p:spPr>
+          <a:xfrm>
+            <a:off x="927735" y="783590"/>
+            <a:ext cx="9776460" cy="5269230"/>
+          </a:xfrm>
+        </p:spPr>
+        <p:txBody>
+          <a:bodyPr/>
+          <a:lstStyle/>
+          <a:p>
+            <a:pPr>
+              <a:lnSpc>
+                <a:spcPct val="150000"/>
+              </a:lnSpc>
+            </a:pPr>
+            <a:r>
+              <a:rPr lang="zh-CN" altLang="en-US" sz="3200" dirty="0">
+                <a:solidFill>
+                  <a:schemeClr val="tx1"/>
+                </a:solidFill>
+                <a:sym typeface="+mn-ea"/>
+              </a:rPr>
+              <a:t>http://www.json.cn/wiki.html</a:t>
+            </a:r>
+            <a:endParaRPr lang="zh-CN" altLang="en-US" sz="3200" dirty="0">
+              <a:solidFill>
+                <a:schemeClr val="tx1"/>
+              </a:solidFill>
+              <a:sym typeface="+mn-ea"/>
+            </a:endParaRPr>
+          </a:p>
+          <a:p>
+            <a:pPr>
+              <a:lnSpc>
+                <a:spcPct val="150000"/>
+              </a:lnSpc>
+            </a:pPr>
+            <a:r>
+              <a:rPr lang="zh-CN" altLang="en-US" sz="3200" dirty="0">
+                <a:solidFill>
+                  <a:schemeClr val="tx1"/>
+                </a:solidFill>
+                <a:sym typeface="+mn-ea"/>
+              </a:rPr>
+              <a:t>http://www.json.cn/code.html</a:t>
+            </a:r>
+            <a:endParaRPr lang="zh-CN" altLang="en-US" sz="3200" dirty="0">
+              <a:solidFill>
+                <a:schemeClr val="tx1"/>
+              </a:solidFill>
+              <a:sym typeface="+mn-ea"/>
+            </a:endParaRPr>
+          </a:p>
+          <a:p>
+            <a:pPr>
+              <a:lnSpc>
+                <a:spcPct val="150000"/>
+              </a:lnSpc>
+            </a:pPr>
+            <a:r>
+              <a:rPr lang="zh-CN" altLang="en-US" sz="3200" dirty="0">
+                <a:solidFill>
+                  <a:schemeClr val="tx1"/>
+                </a:solidFill>
+                <a:sym typeface="+mn-ea"/>
+              </a:rPr>
+              <a:t>http://www.json.cn/component.html</a:t>
+            </a:r>
+            <a:endParaRPr lang="zh-CN" altLang="en-US" sz="3200" dirty="0">
+              <a:solidFill>
+                <a:schemeClr val="tx1"/>
+              </a:solidFill>
+              <a:sym typeface="+mn-ea"/>
+            </a:endParaRPr>
+          </a:p>
+          <a:p>
+            <a:pPr>
+              <a:lnSpc>
+                <a:spcPct val="150000"/>
+              </a:lnSpc>
+            </a:pPr>
+            <a:r>
+              <a:rPr lang="zh-CN" altLang="en-US" sz="3200" dirty="0">
+                <a:solidFill>
+                  <a:schemeClr val="tx1"/>
+                </a:solidFill>
+                <a:sym typeface="+mn-ea"/>
+              </a:rPr>
+              <a:t>http://www.json.cn/</a:t>
+            </a:r>
+            <a:endParaRPr lang="zh-CN" altLang="en-US" sz="3200" dirty="0">
+              <a:solidFill>
+                <a:schemeClr val="tx1"/>
+              </a:solidFill>
+              <a:sym typeface="+mn-ea"/>
+            </a:endParaRPr>
+          </a:p>
+          <a:p>
+            <a:pPr>
+              <a:lnSpc>
+                <a:spcPct val="150000"/>
+              </a:lnSpc>
+            </a:pPr>
+            <a:r>
+              <a:rPr lang="zh-CN" altLang="en-US" sz="3200" dirty="0">
+                <a:solidFill>
+                  <a:schemeClr val="tx1"/>
+                </a:solidFill>
+                <a:sym typeface="+mn-ea"/>
+              </a:rPr>
+              <a:t>http://www.json.org/json-zh.html</a:t>
+            </a:r>
+            <a:br>
+              <a:rPr lang="zh-CN" altLang="en-US" sz="3200" dirty="0">
+                <a:solidFill>
+                  <a:schemeClr val="tx1"/>
+                </a:solidFill>
+                <a:sym typeface="+mn-ea"/>
+              </a:rPr>
+            </a:br>
+            <a:endParaRPr lang="zh-CN" altLang="en-US" sz="3200" dirty="0">
+              <a:solidFill>
+                <a:schemeClr val="accent3"/>
+              </a:solidFill>
+              <a:sym typeface="+mn-ea"/>
+            </a:endParaRPr>
+          </a:p>
+          <a:p>
+            <a:pPr marL="0" indent="0">
+              <a:lnSpc>
+                <a:spcPct val="150000"/>
+              </a:lnSpc>
+              <a:buNone/>
+            </a:pPr>
+            <a:endParaRPr lang="zh-CN" altLang="en-US" sz="1800" dirty="0">
+              <a:solidFill>
+                <a:schemeClr val="tx1"/>
+              </a:solidFill>
+              <a:sym typeface="+mn-ea"/>
+            </a:endParaRPr>
+          </a:p>
+          <a:p>
+            <a:pPr marL="0" indent="0">
+              <a:lnSpc>
+                <a:spcPct val="160000"/>
+              </a:lnSpc>
+              <a:buNone/>
+            </a:pPr>
+            <a:endParaRPr lang="en-US" altLang="zh-CN" sz="1800" dirty="0">
+              <a:solidFill>
+                <a:schemeClr val="tx1"/>
+              </a:solidFill>
+              <a:sym typeface="+mn-ea"/>
+            </a:endParaRPr>
+          </a:p>
+        </p:txBody>
+      </p:sp>
+      <p:sp>
+        <p:nvSpPr>
+          <p:cNvPr id="3" name="内容占位符 2"/>
+          <p:cNvSpPr>
+            <a:spLocks noGrp="1"/>
+          </p:cNvSpPr>
+          <p:nvPr>
+            <p:ph sz="quarter" idx="11"/>
+          </p:nvPr>
+        </p:nvSpPr>
+        <p:spPr/>
+        <p:txBody>
+          <a:bodyPr/>
+          <a:lstStyle/>
+          <a:p>
+            <a:r>
+              <a:rPr lang="zh-CN" altLang="en-US" dirty="0"/>
+              <a:t>参考链接</a:t>
+            </a:r>
+            <a:endParaRPr lang="zh-CN" altLang="en-US" dirty="0"/>
+          </a:p>
+        </p:txBody>
+      </p:sp>
+    </p:spTree>
+  </p:cSld>
+  <p:clrMapOvr>
+    <a:masterClrMapping/>
+  </p:clrMapOvr>
+  <p:timing>
+    <p:tnLst>
+      <p:par>
+        <p:cTn id="1" dur="indefinite" restart="never" nodeType="tmRoot">
+          <p:childTnLst>
+            <p:seq concurrent="1" nextAc="seek">
+              <p:cTn id="2" dur="indefinite" nodeType="mainSeq">
+                <p:childTnLst>
+                  <p:par>
+                    <p:cTn id="3" fill="hold">
+                      <p:stCondLst>
+                        <p:cond delay="indefinite"/>
+                      </p:stCondLst>
+                      <p:childTnLst>
+                        <p:par>
+                          <p:cTn id="4" fill="hold">
+                            <p:stCondLst>
+                              <p:cond delay="0"/>
+                            </p:stCondLst>
+                            <p:childTnLst>
+                              <p:par>
+                                <p:cTn id="5" presetID="2" presetClass="entr" presetSubtype="4" fill="hold" nodeType="clickEffect">
+                                  <p:stCondLst>
+                                    <p:cond delay="0"/>
+                                  </p:stCondLst>
+                                  <p:childTnLst>
+                                    <p:set>
+                                      <p:cBhvr>
+                                        <p:cTn id="6" dur="1" fill="hold">
+                                          <p:stCondLst>
+                                            <p:cond delay="0"/>
+                                          </p:stCondLst>
+                                        </p:cTn>
+                                        <p:tgtEl>
+                                          <p:spTgt spid="2">
+                                            <p:txEl>
+                                              <p:pRg st="0" end="0"/>
+                                            </p:txEl>
+                                          </p:spTgt>
+                                        </p:tgtEl>
+                                        <p:attrNameLst>
+                                          <p:attrName>style.visibility</p:attrName>
+                                        </p:attrNameLst>
+                                      </p:cBhvr>
+                                      <p:to>
+                                        <p:strVal val="visible"/>
+                                      </p:to>
+                                    </p:set>
+                                    <p:anim calcmode="lin" valueType="num">
+                                      <p:cBhvr additive="base">
+                                        <p:cTn id="7" dur="500" fill="hold"/>
+                                        <p:tgtEl>
+                                          <p:spTgt spid="2">
+                                            <p:txEl>
+                                              <p:pRg st="0" end="0"/>
+                                            </p:txEl>
+                                          </p:spTgt>
+                                        </p:tgtEl>
+                                        <p:attrNameLst>
+                                          <p:attrName>ppt_x</p:attrName>
+                                        </p:attrNameLst>
+                                      </p:cBhvr>
+                                      <p:tavLst>
+                                        <p:tav tm="0">
+                                          <p:val>
+                                            <p:strVal val="#ppt_x"/>
+                                          </p:val>
+                                        </p:tav>
+                                        <p:tav tm="100000">
+                                          <p:val>
+                                            <p:strVal val="#ppt_x"/>
+                                          </p:val>
+                                        </p:tav>
+                                      </p:tavLst>
+                                    </p:anim>
+                                    <p:anim calcmode="lin" valueType="num">
+                                      <p:cBhvr additive="base">
+                                        <p:cTn id="8" dur="500" fill="hold"/>
+                                        <p:tgtEl>
+                                          <p:spTgt spid="2">
+                                            <p:txEl>
+                                              <p:pRg st="0" end="0"/>
+                                            </p:txEl>
+                                          </p:spTgt>
+                                        </p:tgtEl>
+                                        <p:attrNameLst>
+                                          <p:attrName>ppt_y</p:attrName>
+                                        </p:attrNameLst>
+                                      </p:cBhvr>
+                                      <p:tavLst>
+                                        <p:tav tm="0">
+                                          <p:val>
+                                            <p:strVal val="1+#ppt_h/2"/>
+                                          </p:val>
+                                        </p:tav>
+                                        <p:tav tm="100000">
+                                          <p:val>
+                                            <p:strVal val="#ppt_y"/>
+                                          </p:val>
+                                        </p:tav>
+                                      </p:tavLst>
+                                    </p:anim>
+                                  </p:childTnLst>
+                                </p:cTn>
+                              </p:par>
+                            </p:childTnLst>
+                          </p:cTn>
+                        </p:par>
+                      </p:childTnLst>
+                    </p:cTn>
+                  </p:par>
+                  <p:par>
+                    <p:cTn id="9" fill="hold">
+                      <p:stCondLst>
+                        <p:cond delay="indefinite"/>
+                      </p:stCondLst>
+                      <p:childTnLst>
+                        <p:par>
+                          <p:cTn id="10" fill="hold">
+                            <p:stCondLst>
+                              <p:cond delay="0"/>
+                            </p:stCondLst>
+                            <p:childTnLst>
+                              <p:par>
+                                <p:cTn id="11" presetID="2" presetClass="entr" presetSubtype="4" fill="hold" nodeType="clickEffect">
+                                  <p:stCondLst>
+                                    <p:cond delay="0"/>
+                                  </p:stCondLst>
+                                  <p:childTnLst>
+                                    <p:set>
+                                      <p:cBhvr>
+                                        <p:cTn id="12" dur="1" fill="hold">
+                                          <p:stCondLst>
+                                            <p:cond delay="0"/>
+                                          </p:stCondLst>
+                                        </p:cTn>
+                                        <p:tgtEl>
+                                          <p:spTgt spid="2">
+                                            <p:txEl>
+                                              <p:pRg st="1" end="1"/>
+                                            </p:txEl>
+                                          </p:spTgt>
+                                        </p:tgtEl>
+                                        <p:attrNameLst>
+                                          <p:attrName>style.visibility</p:attrName>
+                                        </p:attrNameLst>
+                                      </p:cBhvr>
+                                      <p:to>
+                                        <p:strVal val="visible"/>
+                                      </p:to>
+                                    </p:set>
+                                    <p:anim calcmode="lin" valueType="num">
+                                      <p:cBhvr additive="base">
+                                        <p:cTn id="13" dur="500" fill="hold"/>
+                                        <p:tgtEl>
+                                          <p:spTgt spid="2">
+                                            <p:txEl>
+                                              <p:pRg st="1" end="1"/>
+                                            </p:txEl>
+                                          </p:spTgt>
+                                        </p:tgtEl>
+                                        <p:attrNameLst>
+                                          <p:attrName>ppt_x</p:attrName>
+                                        </p:attrNameLst>
+                                      </p:cBhvr>
+                                      <p:tavLst>
+                                        <p:tav tm="0">
+                                          <p:val>
+                                            <p:strVal val="#ppt_x"/>
+                                          </p:val>
+                                        </p:tav>
+                                        <p:tav tm="100000">
+                                          <p:val>
+                                            <p:strVal val="#ppt_x"/>
+                                          </p:val>
+                                        </p:tav>
+                                      </p:tavLst>
+                                    </p:anim>
+                                    <p:anim calcmode="lin" valueType="num">
+                                      <p:cBhvr additive="base">
+                                        <p:cTn id="14" dur="500" fill="hold"/>
+                                        <p:tgtEl>
+                                          <p:spTgt spid="2">
+                                            <p:txEl>
+                                              <p:pRg st="1" end="1"/>
+                                            </p:txEl>
+                                          </p:spTgt>
+                                        </p:tgtEl>
+                                        <p:attrNameLst>
+                                          <p:attrName>ppt_y</p:attrName>
+                                        </p:attrNameLst>
+                                      </p:cBhvr>
+                                      <p:tavLst>
+                                        <p:tav tm="0">
+                                          <p:val>
+                                            <p:strVal val="1+#ppt_h/2"/>
+                                          </p:val>
+                                        </p:tav>
+                                        <p:tav tm="100000">
+                                          <p:val>
+                                            <p:strVal val="#ppt_y"/>
+                                          </p:val>
+                                        </p:tav>
+                                      </p:tavLst>
+                                    </p:anim>
+                                  </p:childTnLst>
+                                </p:cTn>
+                              </p:par>
+                            </p:childTnLst>
+                          </p:cTn>
+                        </p:par>
+                      </p:childTnLst>
+                    </p:cTn>
+                  </p:par>
+                  <p:par>
+                    <p:cTn id="15" fill="hold">
+                      <p:stCondLst>
+                        <p:cond delay="indefinite"/>
+                      </p:stCondLst>
+                      <p:childTnLst>
+                        <p:par>
+                          <p:cTn id="16" fill="hold">
+                            <p:stCondLst>
+                              <p:cond delay="0"/>
+                            </p:stCondLst>
+                            <p:childTnLst>
+                              <p:par>
+                                <p:cTn id="17" presetID="2" presetClass="entr" presetSubtype="4" fill="hold" nodeType="clickEffect">
+                                  <p:stCondLst>
+                                    <p:cond delay="0"/>
+                                  </p:stCondLst>
+                                  <p:childTnLst>
+                                    <p:set>
+                                      <p:cBhvr>
+                                        <p:cTn id="18" dur="1" fill="hold">
+                                          <p:stCondLst>
+                                            <p:cond delay="0"/>
+                                          </p:stCondLst>
+                                        </p:cTn>
+                                        <p:tgtEl>
+                                          <p:spTgt spid="2">
+                                            <p:txEl>
+                                              <p:pRg st="2" end="2"/>
+                                            </p:txEl>
+                                          </p:spTgt>
+                                        </p:tgtEl>
+                                        <p:attrNameLst>
+                                          <p:attrName>style.visibility</p:attrName>
+                                        </p:attrNameLst>
+                                      </p:cBhvr>
+                                      <p:to>
+                                        <p:strVal val="visible"/>
+                                      </p:to>
+                                    </p:set>
+                                    <p:anim calcmode="lin" valueType="num">
+                                      <p:cBhvr additive="base">
+                                        <p:cTn id="19" dur="500" fill="hold"/>
+                                        <p:tgtEl>
+                                          <p:spTgt spid="2">
+                                            <p:txEl>
+                                              <p:pRg st="2" end="2"/>
+                                            </p:txEl>
+                                          </p:spTgt>
+                                        </p:tgtEl>
+                                        <p:attrNameLst>
+                                          <p:attrName>ppt_x</p:attrName>
+                                        </p:attrNameLst>
+                                      </p:cBhvr>
+                                      <p:tavLst>
+                                        <p:tav tm="0">
+                                          <p:val>
+                                            <p:strVal val="#ppt_x"/>
+                                          </p:val>
+                                        </p:tav>
+                                        <p:tav tm="100000">
+                                          <p:val>
+                                            <p:strVal val="#ppt_x"/>
+                                          </p:val>
+                                        </p:tav>
+                                      </p:tavLst>
+                                    </p:anim>
+                                    <p:anim calcmode="lin" valueType="num">
+                                      <p:cBhvr additive="base">
+                                        <p:cTn id="20" dur="500" fill="hold"/>
+                                        <p:tgtEl>
+                                          <p:spTgt spid="2">
+                                            <p:txEl>
+                                              <p:pRg st="2" end="2"/>
+                                            </p:txEl>
+                                          </p:spTgt>
+                                        </p:tgtEl>
+                                        <p:attrNameLst>
+                                          <p:attrName>ppt_y</p:attrName>
+                                        </p:attrNameLst>
+                                      </p:cBhvr>
+                                      <p:tavLst>
+                                        <p:tav tm="0">
+                                          <p:val>
+                                            <p:strVal val="1+#ppt_h/2"/>
+                                          </p:val>
+                                        </p:tav>
+                                        <p:tav tm="100000">
+                                          <p:val>
+                                            <p:strVal val="#ppt_y"/>
+                                          </p:val>
+                                        </p:tav>
+                                      </p:tavLst>
+                                    </p:anim>
+                                  </p:childTnLst>
+                                </p:cTn>
+                              </p:par>
+                            </p:childTnLst>
+                          </p:cTn>
+                        </p:par>
+                      </p:childTnLst>
+                    </p:cTn>
+                  </p:par>
+                  <p:par>
+                    <p:cTn id="21" fill="hold">
+                      <p:stCondLst>
+                        <p:cond delay="indefinite"/>
+                      </p:stCondLst>
+                      <p:childTnLst>
+                        <p:par>
+                          <p:cTn id="22" fill="hold">
+                            <p:stCondLst>
+                              <p:cond delay="0"/>
+                            </p:stCondLst>
+                            <p:childTnLst>
+                              <p:par>
+                                <p:cTn id="23" presetID="2" presetClass="entr" presetSubtype="4" fill="hold" nodeType="clickEffect">
+                                  <p:stCondLst>
+                                    <p:cond delay="0"/>
+                                  </p:stCondLst>
+                                  <p:childTnLst>
+                                    <p:set>
+                                      <p:cBhvr>
+                                        <p:cTn id="24" dur="1" fill="hold">
+                                          <p:stCondLst>
+                                            <p:cond delay="0"/>
+                                          </p:stCondLst>
+                                        </p:cTn>
+                                        <p:tgtEl>
+                                          <p:spTgt spid="2">
+                                            <p:txEl>
+                                              <p:pRg st="3" end="3"/>
+                                            </p:txEl>
+                                          </p:spTgt>
+                                        </p:tgtEl>
+                                        <p:attrNameLst>
+                                          <p:attrName>style.visibility</p:attrName>
+                                        </p:attrNameLst>
+                                      </p:cBhvr>
+                                      <p:to>
+                                        <p:strVal val="visible"/>
+                                      </p:to>
+                                    </p:set>
+                                    <p:anim calcmode="lin" valueType="num">
+                                      <p:cBhvr additive="base">
+                                        <p:cTn id="25" dur="500" fill="hold"/>
+                                        <p:tgtEl>
+                                          <p:spTgt spid="2">
+                                            <p:txEl>
+                                              <p:pRg st="3" end="3"/>
+                                            </p:txEl>
+                                          </p:spTgt>
+                                        </p:tgtEl>
+                                        <p:attrNameLst>
+                                          <p:attrName>ppt_x</p:attrName>
+                                        </p:attrNameLst>
+                                      </p:cBhvr>
+                                      <p:tavLst>
+                                        <p:tav tm="0">
+                                          <p:val>
+                                            <p:strVal val="#ppt_x"/>
+                                          </p:val>
+                                        </p:tav>
+                                        <p:tav tm="100000">
+                                          <p:val>
+                                            <p:strVal val="#ppt_x"/>
+                                          </p:val>
+                                        </p:tav>
+                                      </p:tavLst>
+                                    </p:anim>
+                                    <p:anim calcmode="lin" valueType="num">
+                                      <p:cBhvr additive="base">
+                                        <p:cTn id="26" dur="500" fill="hold"/>
+                                        <p:tgtEl>
+                                          <p:spTgt spid="2">
+                                            <p:txEl>
+                                              <p:pRg st="3" end="3"/>
+                                            </p:txEl>
+                                          </p:spTgt>
+                                        </p:tgtEl>
+                                        <p:attrNameLst>
+                                          <p:attrName>ppt_y</p:attrName>
+                                        </p:attrNameLst>
+                                      </p:cBhvr>
+                                      <p:tavLst>
+                                        <p:tav tm="0">
+                                          <p:val>
+                                            <p:strVal val="1+#ppt_h/2"/>
+                                          </p:val>
+                                        </p:tav>
+                                        <p:tav tm="100000">
+                                          <p:val>
+                                            <p:strVal val="#ppt_y"/>
+                                          </p:val>
+                                        </p:tav>
+                                      </p:tavLst>
+                                    </p:anim>
+                                  </p:childTnLst>
+                                </p:cTn>
+                              </p:par>
+                            </p:childTnLst>
+                          </p:cTn>
+                        </p:par>
+                      </p:childTnLst>
+                    </p:cTn>
+                  </p:par>
+                  <p:par>
+                    <p:cTn id="27" fill="hold">
+                      <p:stCondLst>
+                        <p:cond delay="indefinite"/>
+                      </p:stCondLst>
+                      <p:childTnLst>
+                        <p:par>
+                          <p:cTn id="28" fill="hold">
+                            <p:stCondLst>
+                              <p:cond delay="0"/>
+                            </p:stCondLst>
+                            <p:childTnLst>
+                              <p:par>
+                                <p:cTn id="29" presetID="2" presetClass="entr" presetSubtype="4" fill="hold" nodeType="clickEffect">
+                                  <p:stCondLst>
+                                    <p:cond delay="0"/>
+                                  </p:stCondLst>
+                                  <p:childTnLst>
+                                    <p:set>
+                                      <p:cBhvr>
+                                        <p:cTn id="30" dur="1" fill="hold">
+                                          <p:stCondLst>
+                                            <p:cond delay="0"/>
+                                          </p:stCondLst>
+                                        </p:cTn>
+                                        <p:tgtEl>
+                                          <p:spTgt spid="2">
+                                            <p:txEl>
+                                              <p:pRg st="4" end="4"/>
+                                            </p:txEl>
+                                          </p:spTgt>
+                                        </p:tgtEl>
+                                        <p:attrNameLst>
+                                          <p:attrName>style.visibility</p:attrName>
+                                        </p:attrNameLst>
+                                      </p:cBhvr>
+                                      <p:to>
+                                        <p:strVal val="visible"/>
+                                      </p:to>
+                                    </p:set>
+                                    <p:anim calcmode="lin" valueType="num">
+                                      <p:cBhvr additive="base">
+                                        <p:cTn id="31" dur="500" fill="hold"/>
+                                        <p:tgtEl>
+                                          <p:spTgt spid="2">
+                                            <p:txEl>
+                                              <p:pRg st="4" end="4"/>
+                                            </p:txEl>
+                                          </p:spTgt>
+                                        </p:tgtEl>
+                                        <p:attrNameLst>
+                                          <p:attrName>ppt_x</p:attrName>
+                                        </p:attrNameLst>
+                                      </p:cBhvr>
+                                      <p:tavLst>
+                                        <p:tav tm="0">
+                                          <p:val>
+                                            <p:strVal val="#ppt_x"/>
+                                          </p:val>
+                                        </p:tav>
+                                        <p:tav tm="100000">
+                                          <p:val>
+                                            <p:strVal val="#ppt_x"/>
+                                          </p:val>
+                                        </p:tav>
+                                      </p:tavLst>
+                                    </p:anim>
+                                    <p:anim calcmode="lin" valueType="num">
+                                      <p:cBhvr additive="base">
+                                        <p:cTn id="32" dur="500" fill="hold"/>
+                                        <p:tgtEl>
+                                          <p:spTgt spid="2">
+                                            <p:txEl>
+                                              <p:pRg st="4" end="4"/>
+                                            </p:txEl>
+                                          </p:spTgt>
+                                        </p:tgtEl>
+                                        <p:attrNameLst>
+                                          <p:attrName>ppt_y</p:attrName>
+                                        </p:attrNameLst>
+                                      </p:cBhvr>
+                                      <p:tavLst>
+                                        <p:tav tm="0">
+                                          <p:val>
+                                            <p:strVal val="1+#ppt_h/2"/>
+                                          </p:val>
+                                        </p:tav>
+                                        <p:tav tm="100000">
+                                          <p:val>
+                                            <p:strVal val="#ppt_y"/>
+                                          </p:val>
+                                        </p:tav>
+                                      </p:tavLst>
+                                    </p:anim>
+                                  </p:childTnLst>
+                                </p:cTn>
+                              </p:par>
+                            </p:childTnLst>
+                          </p:cTn>
+                        </p:par>
+                      </p:childTnLst>
+                    </p:cTn>
+                  </p:par>
+                </p:childTnLst>
+              </p:cTn>
+              <p:prevCondLst>
+                <p:cond evt="onPrev" delay="0">
+                  <p:tgtEl>
+                    <p:sldTgt/>
+                  </p:tgtEl>
+                </p:cond>
+              </p:prevCondLst>
+              <p:nextCondLst>
+                <p:cond evt="onNext" delay="0">
+                  <p:tgtEl>
+                    <p:sldTgt/>
+                  </p:tgtEl>
+                </p:cond>
+              </p:nextCondLst>
+            </p:seq>
+          </p:childTnLst>
+        </p:cTn>
+      </p:par>
+    </p:tnLst>
+  </p:timing>
+</p:sld>
+</file>
+
+<file path=ppt/slides/slide13.xml><?xml version="1.0" encoding="utf-8"?>
+<p:sld xmlns:a="http://schemas.openxmlformats.org/drawingml/2006/main" xmlns:r="http://schemas.openxmlformats.org/officeDocument/2006/relationships" xmlns:p="http://schemas.openxmlformats.org/presentationml/2006/main">
+  <p:cSld>
+    <p:spTree>
+      <p:nvGrpSpPr>
+        <p:cNvPr id="1" name=""/>
+        <p:cNvGrpSpPr/>
+        <p:nvPr/>
+      </p:nvGrpSpPr>
+      <p:grpSpPr>
+        <a:xfrm>
+          <a:off x="0" y="0"/>
+          <a:ext cx="0" cy="0"/>
+          <a:chOff x="0" y="0"/>
+          <a:chExt cx="0" cy="0"/>
+        </a:xfrm>
+      </p:grpSpPr>
+      <p:pic>
+        <p:nvPicPr>
+          <p:cNvPr id="38914" name="Picture 5"/>
+          <p:cNvPicPr>
+            <a:picLocks noChangeAspect="1" noChangeArrowheads="1"/>
+          </p:cNvPicPr>
+          <p:nvPr/>
+        </p:nvPicPr>
+        <p:blipFill>
+          <a:blip r:embed="rId1">
+            <a:extLst>
+              <a:ext uri="{28A0092B-C50C-407E-A947-70E740481C1C}">
+                <a14:useLocalDpi xmlns:a14="http://schemas.microsoft.com/office/drawing/2010/main" val="0"/>
+              </a:ext>
+            </a:extLst>
+          </a:blip>
+          <a:srcRect/>
+          <a:stretch>
+            <a:fillRect/>
+          </a:stretch>
+        </p:blipFill>
+        <p:spPr bwMode="auto">
+          <a:xfrm>
+            <a:off x="0" y="0"/>
+            <a:ext cx="12192000" cy="6858000"/>
+          </a:xfrm>
+          <a:prstGeom prst="rect">
+            <a:avLst/>
+          </a:prstGeom>
+          <a:noFill/>
+          <a:ln>
+            <a:noFill/>
+          </a:ln>
+          <a:extLst>
+            <a:ext uri="{909E8E84-426E-40DD-AFC4-6F175D3DCCD1}">
+              <a14:hiddenFill xmlns:a14="http://schemas.microsoft.com/office/drawing/2010/main">
+                <a:solidFill>
+                  <a:srgbClr val="FFFFFF"/>
+                </a:solidFill>
+              </a14:hiddenFill>
+            </a:ext>
+            <a:ext uri="{91240B29-F687-4F45-9708-019B960494DF}">
+              <a14:hiddenLine xmlns:a14="http://schemas.microsoft.com/office/drawing/2010/main" w="9525">
+                <a:solidFill>
+                  <a:srgbClr val="000000"/>
+                </a:solidFill>
+                <a:miter lim="800000"/>
+                <a:headEnd/>
+                <a:tailEnd/>
+              </a14:hiddenLine>
+            </a:ext>
+          </a:extLst>
+        </p:spPr>
+      </p:pic>
+      <p:sp>
+        <p:nvSpPr>
+          <p:cNvPr id="38915" name="Rectangle 6"/>
+          <p:cNvSpPr>
+            <a:spLocks noGrp="1" noChangeArrowheads="1"/>
+          </p:cNvSpPr>
+          <p:nvPr>
+            <p:ph type="ctrTitle" idx="4294967295"/>
+          </p:nvPr>
+        </p:nvSpPr>
+        <p:spPr bwMode="auto">
+          <a:xfrm>
+            <a:off x="2547041" y="3068835"/>
+            <a:ext cx="7097918" cy="1285875"/>
+          </a:xfrm>
+          <a:prstGeom prst="rect">
+            <a:avLst/>
+          </a:prstGeom>
+          <a:noFill/>
+          <a:extLst>
+            <a:ext uri="{909E8E84-426E-40DD-AFC4-6F175D3DCCD1}">
+              <a14:hiddenFill xmlns:a14="http://schemas.microsoft.com/office/drawing/2010/main">
+                <a:solidFill>
+                  <a:srgbClr val="FFFFFF"/>
+                </a:solidFill>
+              </a14:hiddenFill>
+            </a:ext>
+            <a:ext uri="{91240B29-F687-4F45-9708-019B960494DF}">
+              <a14:hiddenLine xmlns:a14="http://schemas.microsoft.com/office/drawing/2010/main" w="9525">
+                <a:solidFill>
+                  <a:srgbClr val="000000"/>
+                </a:solidFill>
+                <a:miter lim="800000"/>
+                <a:headEnd/>
+                <a:tailEnd/>
+              </a14:hiddenLine>
+            </a:ext>
+          </a:extLst>
+        </p:spPr>
+        <p:txBody>
+          <a:bodyPr anchor="b"/>
+          <a:lstStyle/>
+          <a:p>
+            <a:pPr algn="ctr" eaLnBrk="1" hangingPunct="1"/>
+            <a:r>
+              <a:rPr kumimoji="0" lang="en-US" altLang="zh-CN" sz="5400" dirty="0"/>
+              <a:t>Thank </a:t>
+            </a:r>
+            <a:r>
+              <a:rPr kumimoji="0" lang="en-US" altLang="zh-CN" sz="5400" dirty="0">
+                <a:solidFill>
+                  <a:srgbClr val="FF0000"/>
+                </a:solidFill>
+              </a:rPr>
+              <a:t>You</a:t>
+            </a:r>
+            <a:r>
+              <a:rPr kumimoji="0" lang="zh-CN" altLang="en-US" sz="5400" dirty="0"/>
+              <a:t>！</a:t>
+            </a:r>
+            <a:endParaRPr kumimoji="0" lang="zh-CN" altLang="zh-CN" sz="5400" dirty="0"/>
+          </a:p>
+        </p:txBody>
+      </p:sp>
+      <p:pic>
+        <p:nvPicPr>
+          <p:cNvPr id="38916" name="图片 3" descr="软院logo横版.png"/>
+          <p:cNvPicPr>
+            <a:picLocks noChangeAspect="1"/>
+          </p:cNvPicPr>
+          <p:nvPr/>
+        </p:nvPicPr>
+        <p:blipFill>
+          <a:blip r:embed="rId2">
+            <a:extLst>
+              <a:ext uri="{28A0092B-C50C-407E-A947-70E740481C1C}">
+                <a14:useLocalDpi xmlns:a14="http://schemas.microsoft.com/office/drawing/2010/main" val="0"/>
+              </a:ext>
+            </a:extLst>
+          </a:blip>
+          <a:srcRect/>
+          <a:stretch>
+            <a:fillRect/>
+          </a:stretch>
+        </p:blipFill>
+        <p:spPr bwMode="auto">
+          <a:xfrm>
+            <a:off x="2062164" y="5927725"/>
+            <a:ext cx="3381375" cy="527050"/>
+          </a:xfrm>
+          <a:prstGeom prst="rect">
+            <a:avLst/>
+          </a:prstGeom>
+          <a:noFill/>
+          <a:ln>
+            <a:noFill/>
+          </a:ln>
+          <a:extLst>
+            <a:ext uri="{909E8E84-426E-40DD-AFC4-6F175D3DCCD1}">
+              <a14:hiddenFill xmlns:a14="http://schemas.microsoft.com/office/drawing/2010/main">
+                <a:solidFill>
+                  <a:srgbClr val="FFFFFF"/>
+                </a:solidFill>
+              </a14:hiddenFill>
+            </a:ext>
+            <a:ext uri="{91240B29-F687-4F45-9708-019B960494DF}">
+              <a14:hiddenLine xmlns:a14="http://schemas.microsoft.com/office/drawing/2010/main" w="9525">
+                <a:solidFill>
+                  <a:srgbClr val="000000"/>
+                </a:solidFill>
+                <a:miter lim="800000"/>
+                <a:headEnd/>
+                <a:tailEnd/>
+              </a14:hiddenLine>
+            </a:ext>
+          </a:extLst>
+        </p:spPr>
+      </p:pic>
+    </p:spTree>
+  </p:cSld>
+  <p:clrMapOvr>
+    <a:masterClrMapping/>
+  </p:clrMapOvr>
+  <p:timing>
+    <p:tnLst>
+      <p:par>
+        <p:cTn id="1" dur="indefinite" restart="never" nodeType="tmRoot"/>
+      </p:par>
+    </p:tnLst>
+  </p:timing>
+</p:sld>
+</file>
+
 <file path=ppt/slides/slide2.xml><?xml version="1.0" encoding="utf-8"?>
 <p:sld xmlns:a="http://schemas.openxmlformats.org/drawingml/2006/main" xmlns:r="http://schemas.openxmlformats.org/officeDocument/2006/relationships" xmlns:p="http://schemas.openxmlformats.org/presentationml/2006/main">
   <p:cSld>
@@ -4093,15 +6292,7 @@
                   <a:srgbClr val="FF0000"/>
                 </a:solidFill>
               </a:rPr>
-              <a:t>属性和方法</a:t>
-            </a:r>
-            <a:r>
-              <a:rPr lang="zh-CN" altLang="en-US" sz="2000">
-                <a:solidFill>
-                  <a:srgbClr val="FF0000"/>
-                </a:solidFill>
-              </a:rPr>
-              <a:t> </a:t>
+              <a:t>属性和方法 </a:t>
             </a:r>
             <a:endParaRPr lang="en-US" altLang="zh-CN" sz="2000">
               <a:solidFill>
@@ -5409,7 +7600,7 @@
             <a:r>
               <a:rPr lang="en-US" altLang="zh-CN" sz="2800" b="1">
                 <a:solidFill>
-                  <a:schemeClr val="tx1"/>
+                  <a:srgbClr val="FF0000"/>
                 </a:solidFill>
                 <a:sym typeface="+mn-ea"/>
               </a:rPr>
@@ -5418,15 +7609,15 @@
             <a:r>
               <a:rPr lang="zh-CN" altLang="en-US" sz="2800" b="1">
                 <a:solidFill>
-                  <a:schemeClr val="tx1"/>
-                </a:solidFill>
-                <a:sym typeface="+mn-ea"/>
-              </a:rPr>
-              <a:t>对象简介</a:t>
+                  <a:srgbClr val="FF0000"/>
+                </a:solidFill>
+                <a:sym typeface="+mn-ea"/>
+              </a:rPr>
+              <a:t>简介</a:t>
             </a:r>
             <a:endParaRPr lang="zh-CN" altLang="en-US" sz="2800" b="1">
               <a:solidFill>
-                <a:schemeClr val="tx1"/>
+                <a:srgbClr val="FF0000"/>
               </a:solidFill>
               <a:sym typeface="+mn-ea"/>
             </a:endParaRPr>
@@ -5464,7 +7655,7 @@
                 </a:solidFill>
                 <a:sym typeface="+mn-ea"/>
               </a:rPr>
-              <a:t>序列化</a:t>
+              <a:t>对象方法</a:t>
             </a:r>
             <a:endParaRPr lang="zh-CN" altLang="en-US" sz="2800" b="1">
               <a:solidFill>
@@ -5506,7 +7697,7 @@
                 </a:solidFill>
                 <a:sym typeface="+mn-ea"/>
               </a:rPr>
-              <a:t>解析</a:t>
+              <a:t>案例</a:t>
             </a:r>
             <a:endParaRPr lang="zh-CN" altLang="en-US" sz="2800" b="1">
               <a:solidFill>
@@ -5780,7 +7971,7 @@
         <p:spPr>
           <a:xfrm>
             <a:off x="927735" y="783590"/>
-            <a:ext cx="9776460" cy="5269230"/>
+            <a:ext cx="10781665" cy="5269230"/>
           </a:xfrm>
         </p:spPr>
         <p:txBody>
@@ -5793,15 +7984,218 @@
               </a:lnSpc>
             </a:pPr>
             <a:r>
-              <a:rPr lang="zh-CN" altLang="en-US" sz="3200" dirty="0">
-                <a:solidFill>
-                  <a:schemeClr val="tx1"/>
-                </a:solidFill>
-                <a:sym typeface="+mn-ea"/>
-              </a:rPr>
-              <a:t>http://www.json.cn/wiki.html</a:t>
-            </a:r>
-            <a:endParaRPr lang="zh-CN" altLang="en-US" sz="3200" dirty="0">
+              <a:rPr sz="3200" dirty="0">
+                <a:solidFill>
+                  <a:schemeClr val="tx1"/>
+                </a:solidFill>
+                <a:sym typeface="+mn-ea"/>
+              </a:rPr>
+              <a:t>JSON(JavaScript Object Notation, JS 对象标记) </a:t>
+            </a:r>
+            <a:br>
+              <a:rPr sz="3200" dirty="0">
+                <a:solidFill>
+                  <a:schemeClr val="tx1"/>
+                </a:solidFill>
+                <a:sym typeface="+mn-ea"/>
+              </a:rPr>
+            </a:br>
+            <a:r>
+              <a:rPr lang="en-US" sz="2000" dirty="0">
+                <a:solidFill>
+                  <a:schemeClr val="tx1"/>
+                </a:solidFill>
+                <a:sym typeface="+mn-ea"/>
+              </a:rPr>
+              <a:t>- </a:t>
+            </a:r>
+            <a:r>
+              <a:rPr sz="2000" dirty="0">
+                <a:solidFill>
+                  <a:schemeClr val="tx1"/>
+                </a:solidFill>
+                <a:sym typeface="+mn-ea"/>
+              </a:rPr>
+              <a:t>JSON是一种轻量级的</a:t>
+            </a:r>
+            <a:r>
+              <a:rPr sz="2000" dirty="0">
+                <a:solidFill>
+                  <a:srgbClr val="FF0000"/>
+                </a:solidFill>
+                <a:sym typeface="+mn-ea"/>
+              </a:rPr>
+              <a:t>数据交换格式</a:t>
+            </a:r>
+            <a:r>
+              <a:rPr lang="zh-CN" sz="2000" dirty="0">
+                <a:solidFill>
+                  <a:schemeClr val="tx1"/>
+                </a:solidFill>
+                <a:sym typeface="+mn-ea"/>
+              </a:rPr>
+              <a:t>（其他数据格式，如</a:t>
+            </a:r>
+            <a:r>
+              <a:rPr lang="en-US" altLang="zh-CN" sz="2000" dirty="0">
+                <a:solidFill>
+                  <a:schemeClr val="tx1"/>
+                </a:solidFill>
+                <a:sym typeface="+mn-ea"/>
+              </a:rPr>
+              <a:t>XML</a:t>
+            </a:r>
+            <a:r>
+              <a:rPr lang="zh-CN" altLang="en-US" sz="2000" dirty="0">
+                <a:solidFill>
+                  <a:schemeClr val="tx1"/>
+                </a:solidFill>
+                <a:sym typeface="+mn-ea"/>
+              </a:rPr>
+              <a:t>等）</a:t>
+            </a:r>
+            <a:br>
+              <a:rPr lang="zh-CN" sz="2000" dirty="0">
+                <a:solidFill>
+                  <a:schemeClr val="tx1"/>
+                </a:solidFill>
+                <a:sym typeface="+mn-ea"/>
+              </a:rPr>
+            </a:br>
+            <a:r>
+              <a:rPr lang="en-US" altLang="zh-CN" sz="2000" dirty="0">
+                <a:solidFill>
+                  <a:schemeClr val="tx1"/>
+                </a:solidFill>
+                <a:sym typeface="+mn-ea"/>
+              </a:rPr>
+              <a:t>- </a:t>
+            </a:r>
+            <a:r>
+              <a:rPr lang="zh-CN" altLang="en-US" sz="2000" dirty="0">
+                <a:solidFill>
+                  <a:schemeClr val="tx1"/>
+                </a:solidFill>
+                <a:sym typeface="+mn-ea"/>
+              </a:rPr>
+              <a:t>基于 ECMAScrip</a:t>
+            </a:r>
+            <a:r>
+              <a:rPr lang="en-US" altLang="zh-CN" sz="2000" dirty="0">
+                <a:solidFill>
+                  <a:schemeClr val="tx1"/>
+                </a:solidFill>
+                <a:sym typeface="+mn-ea"/>
+              </a:rPr>
+              <a:t>t</a:t>
+            </a:r>
+            <a:r>
+              <a:rPr lang="zh-CN" altLang="en-US" sz="2000" dirty="0">
+                <a:solidFill>
+                  <a:schemeClr val="tx1"/>
+                </a:solidFill>
+                <a:sym typeface="+mn-ea"/>
+              </a:rPr>
+              <a:t>的一个子集，使用完全</a:t>
+            </a:r>
+            <a:r>
+              <a:rPr lang="zh-CN" altLang="en-US" sz="2000" dirty="0">
+                <a:solidFill>
+                  <a:schemeClr val="accent3"/>
+                </a:solidFill>
+                <a:sym typeface="+mn-ea"/>
+              </a:rPr>
+              <a:t>独立于编程语言</a:t>
+            </a:r>
+            <a:r>
+              <a:rPr lang="zh-CN" altLang="en-US" sz="2000" dirty="0">
+                <a:solidFill>
+                  <a:schemeClr val="tx1"/>
+                </a:solidFill>
+                <a:sym typeface="+mn-ea"/>
+              </a:rPr>
+              <a:t>的</a:t>
+            </a:r>
+            <a:r>
+              <a:rPr lang="zh-CN" altLang="en-US" sz="2000" dirty="0">
+                <a:solidFill>
+                  <a:schemeClr val="accent3"/>
+                </a:solidFill>
+                <a:sym typeface="+mn-ea"/>
+              </a:rPr>
+              <a:t>文本格式</a:t>
+            </a:r>
+            <a:r>
+              <a:rPr lang="zh-CN" altLang="en-US" sz="2000" dirty="0">
+                <a:solidFill>
+                  <a:schemeClr val="tx1"/>
+                </a:solidFill>
+                <a:sym typeface="+mn-ea"/>
+              </a:rPr>
+              <a:t>来</a:t>
+            </a:r>
+            <a:r>
+              <a:rPr lang="zh-CN" altLang="en-US" sz="2000" dirty="0">
+                <a:solidFill>
+                  <a:schemeClr val="accent3"/>
+                </a:solidFill>
+                <a:sym typeface="+mn-ea"/>
+              </a:rPr>
+              <a:t>存储和表示数据</a:t>
+            </a:r>
+            <a:br>
+              <a:rPr lang="zh-CN" altLang="en-US" sz="2000" dirty="0">
+                <a:solidFill>
+                  <a:schemeClr val="tx1"/>
+                </a:solidFill>
+                <a:sym typeface="+mn-ea"/>
+              </a:rPr>
+            </a:br>
+            <a:r>
+              <a:rPr lang="en-US" altLang="zh-CN" sz="2000" dirty="0">
+                <a:solidFill>
+                  <a:schemeClr val="tx1"/>
+                </a:solidFill>
+                <a:sym typeface="+mn-ea"/>
+              </a:rPr>
+              <a:t>- </a:t>
+            </a:r>
+            <a:r>
+              <a:rPr lang="zh-CN" altLang="en-US" sz="2000" dirty="0">
+                <a:solidFill>
+                  <a:schemeClr val="tx1"/>
+                </a:solidFill>
+                <a:sym typeface="+mn-ea"/>
+              </a:rPr>
+              <a:t>简洁和清晰的层次结构使得 JSON 成为理想的数据交换格式</a:t>
+            </a:r>
+            <a:br>
+              <a:rPr lang="zh-CN" altLang="en-US" sz="2000" dirty="0">
+                <a:solidFill>
+                  <a:schemeClr val="tx1"/>
+                </a:solidFill>
+                <a:sym typeface="+mn-ea"/>
+              </a:rPr>
+            </a:br>
+            <a:r>
+              <a:rPr lang="en-US" altLang="zh-CN" sz="2000" dirty="0">
+                <a:solidFill>
+                  <a:schemeClr val="tx1"/>
+                </a:solidFill>
+                <a:sym typeface="+mn-ea"/>
+              </a:rPr>
+              <a:t>- </a:t>
+            </a:r>
+            <a:r>
+              <a:rPr lang="zh-CN" altLang="en-US" sz="2000" dirty="0">
+                <a:solidFill>
+                  <a:schemeClr val="tx1"/>
+                </a:solidFill>
+                <a:sym typeface="+mn-ea"/>
+              </a:rPr>
+              <a:t>易于读写和解析，并可有效地提升网络传输效率（轻量）</a:t>
+            </a:r>
+            <a:endParaRPr lang="zh-CN" altLang="en-US" sz="2000" dirty="0">
               <a:solidFill>
                 <a:schemeClr val="tx1"/>
               </a:solidFill>
@@ -5815,27 +8209,32 @@
               </a:lnSpc>
             </a:pPr>
             <a:r>
+              <a:rPr lang="en-US" altLang="zh-CN" sz="3200" dirty="0">
+                <a:solidFill>
+                  <a:schemeClr val="tx1"/>
+                </a:solidFill>
+                <a:sym typeface="+mn-ea"/>
+              </a:rPr>
+              <a:t>JSON</a:t>
+            </a:r>
+            <a:r>
               <a:rPr lang="zh-CN" altLang="en-US" sz="3200" dirty="0">
                 <a:solidFill>
                   <a:schemeClr val="tx1"/>
                 </a:solidFill>
                 <a:sym typeface="+mn-ea"/>
               </a:rPr>
-              <a:t>http://www.json.cn/code.html</a:t>
-            </a:r>
-            <a:endParaRPr lang="zh-CN" altLang="en-US" sz="3200" dirty="0">
-              <a:solidFill>
-                <a:schemeClr val="tx1"/>
-              </a:solidFill>
-              <a:sym typeface="+mn-ea"/>
-            </a:endParaRPr>
-          </a:p>
-          <a:p>
-            <a:pPr>
-              <a:lnSpc>
-                <a:spcPct val="150000"/>
-              </a:lnSpc>
-            </a:pPr>
+              <a:t>与</a:t>
+            </a:r>
+            <a:r>
+              <a:rPr lang="en-US" altLang="zh-CN" sz="3200" dirty="0">
+                <a:solidFill>
+                  <a:schemeClr val="tx1"/>
+                </a:solidFill>
+                <a:sym typeface="+mn-ea"/>
+              </a:rPr>
+              <a:t>JS</a:t>
+            </a:r>
             <a:r>
               <a:rPr lang="zh-CN" altLang="en-US" sz="3200" dirty="0">
                 <a:solidFill>
@@ -5843,51 +8242,7 @@
                 </a:solidFill>
                 <a:sym typeface="+mn-ea"/>
               </a:rPr>
-              <a:t>http://www.json.cn/component.html</a:t>
-            </a:r>
-            <a:endParaRPr lang="zh-CN" altLang="en-US" sz="3200" dirty="0">
-              <a:solidFill>
-                <a:schemeClr val="tx1"/>
-              </a:solidFill>
-              <a:sym typeface="+mn-ea"/>
-            </a:endParaRPr>
-          </a:p>
-          <a:p>
-            <a:pPr>
-              <a:lnSpc>
-                <a:spcPct val="150000"/>
-              </a:lnSpc>
-            </a:pPr>
-            <a:r>
-              <a:rPr lang="zh-CN" altLang="en-US" sz="3200" dirty="0">
-                <a:solidFill>
-                  <a:schemeClr val="tx1"/>
-                </a:solidFill>
-                <a:sym typeface="+mn-ea"/>
-              </a:rPr>
-              <a:t>http://www.json.cn/</a:t>
-            </a:r>
-            <a:endParaRPr lang="zh-CN" altLang="en-US" sz="3200" dirty="0">
-              <a:solidFill>
-                <a:schemeClr val="tx1"/>
-              </a:solidFill>
-              <a:sym typeface="+mn-ea"/>
-            </a:endParaRPr>
-          </a:p>
-          <a:p>
-            <a:pPr>
-              <a:lnSpc>
-                <a:spcPct val="150000"/>
-              </a:lnSpc>
-            </a:pPr>
-            <a:r>
-              <a:rPr lang="zh-CN" altLang="en-US" sz="3200" dirty="0">
-                <a:solidFill>
-                  <a:schemeClr val="tx1"/>
-                </a:solidFill>
-                <a:sym typeface="+mn-ea"/>
-              </a:rPr>
-              <a:t>http://www.json.org/json-zh.html</a:t>
+              <a:t>对象的关系</a:t>
             </a:r>
             <a:br>
               <a:rPr lang="zh-CN" altLang="en-US" sz="3200" dirty="0">
@@ -5897,21 +8252,86 @@
                 <a:sym typeface="+mn-ea"/>
               </a:rPr>
             </a:br>
-            <a:endParaRPr lang="zh-CN" altLang="en-US" sz="3200" dirty="0">
-              <a:solidFill>
-                <a:schemeClr val="accent3"/>
-              </a:solidFill>
-              <a:sym typeface="+mn-ea"/>
-            </a:endParaRPr>
-          </a:p>
-          <a:p>
-            <a:pPr marL="0" indent="0">
-              <a:lnSpc>
-                <a:spcPct val="150000"/>
-              </a:lnSpc>
-              <a:buNone/>
-            </a:pPr>
-            <a:endParaRPr lang="zh-CN" altLang="en-US" sz="1800" dirty="0">
+            <a:r>
+              <a:rPr lang="en-US" altLang="zh-CN" sz="2000" dirty="0">
+                <a:solidFill>
+                  <a:schemeClr val="tx1"/>
+                </a:solidFill>
+                <a:sym typeface="+mn-ea"/>
+              </a:rPr>
+              <a:t>- JS</a:t>
+            </a:r>
+            <a:r>
+              <a:rPr lang="zh-CN" altLang="en-US" sz="2000" dirty="0">
+                <a:solidFill>
+                  <a:schemeClr val="tx1"/>
+                </a:solidFill>
+                <a:sym typeface="+mn-ea"/>
+              </a:rPr>
+              <a:t>中一切都是对象（如何理解这句话），任何支持的类型都可以通过对象来表示</a:t>
+            </a:r>
+            <a:br>
+              <a:rPr lang="en-US" altLang="zh-CN" sz="2000" dirty="0">
+                <a:solidFill>
+                  <a:schemeClr val="tx1"/>
+                </a:solidFill>
+                <a:sym typeface="+mn-ea"/>
+              </a:rPr>
+            </a:br>
+            <a:r>
+              <a:rPr lang="en-US" altLang="zh-CN" sz="2000" dirty="0">
+                <a:solidFill>
+                  <a:schemeClr val="tx1"/>
+                </a:solidFill>
+                <a:sym typeface="+mn-ea"/>
+              </a:rPr>
+              <a:t>- JSON 是 </a:t>
+            </a:r>
+            <a:r>
+              <a:rPr lang="en-US" altLang="zh-CN" sz="2000" dirty="0">
+                <a:solidFill>
+                  <a:schemeClr val="accent3"/>
+                </a:solidFill>
+                <a:sym typeface="+mn-ea"/>
+              </a:rPr>
+              <a:t>JS 对象的字符串</a:t>
+            </a:r>
+            <a:r>
+              <a:rPr lang="zh-CN" altLang="en-US" sz="2000" dirty="0">
+                <a:solidFill>
+                  <a:schemeClr val="accent3"/>
+                </a:solidFill>
+                <a:sym typeface="+mn-ea"/>
+              </a:rPr>
+              <a:t>形式的</a:t>
+            </a:r>
+            <a:r>
+              <a:rPr lang="en-US" altLang="zh-CN" sz="2000" dirty="0">
+                <a:solidFill>
+                  <a:schemeClr val="accent3"/>
+                </a:solidFill>
+                <a:sym typeface="+mn-ea"/>
+              </a:rPr>
+              <a:t>表示法</a:t>
+            </a:r>
+            <a:r>
+              <a:rPr lang="en-US" altLang="zh-CN" sz="2000" dirty="0">
+                <a:solidFill>
+                  <a:schemeClr val="tx1"/>
+                </a:solidFill>
+                <a:sym typeface="+mn-ea"/>
+              </a:rPr>
+              <a:t>，使用文本表示 JS 对象的信息，本质是一个字符串</a:t>
+            </a:r>
+            <a:br>
+              <a:rPr lang="en-US" altLang="zh-CN" sz="2000" dirty="0">
+                <a:solidFill>
+                  <a:schemeClr val="tx1"/>
+                </a:solidFill>
+                <a:sym typeface="+mn-ea"/>
+              </a:rPr>
+            </a:br>
+            <a:endParaRPr lang="zh-CN" altLang="en-US" sz="2000" dirty="0">
               <a:solidFill>
                 <a:schemeClr val="tx1"/>
               </a:solidFill>
@@ -5950,17 +8370,110 @@
           <a:lstStyle/>
           <a:p>
             <a:r>
-              <a:rPr lang="en-US" altLang="zh-CN" dirty="0"/>
+              <a:rPr lang="en-US" dirty="0"/>
               <a:t>JSON</a:t>
             </a:r>
             <a:r>
               <a:rPr lang="zh-CN" altLang="en-US" dirty="0"/>
-              <a:t>对象</a:t>
+              <a:t>简介</a:t>
             </a:r>
             <a:endParaRPr lang="zh-CN" altLang="en-US" dirty="0"/>
           </a:p>
         </p:txBody>
       </p:sp>
+      <p:sp>
+        <p:nvSpPr>
+          <p:cNvPr id="6" name="文本框 5"/>
+          <p:cNvSpPr txBox="1"/>
+          <p:nvPr/>
+        </p:nvSpPr>
+        <p:spPr>
+          <a:xfrm>
+            <a:off x="5575300" y="6196330"/>
+            <a:ext cx="5033010" cy="398780"/>
+          </a:xfrm>
+          <a:prstGeom prst="rect">
+            <a:avLst/>
+          </a:prstGeom>
+          <a:noFill/>
+        </p:spPr>
+        <p:txBody>
+          <a:bodyPr wrap="square" rtlCol="0">
+            <a:spAutoFit/>
+          </a:bodyPr>
+          <a:p>
+            <a:r>
+              <a:rPr lang="zh-CN" altLang="en-US" sz="2000">
+                <a:solidFill>
+                  <a:srgbClr val="FF0000"/>
+                </a:solidFill>
+              </a:rPr>
+              <a:t>参见实例</a:t>
+            </a:r>
+            <a:r>
+              <a:rPr lang="en-US" altLang="zh-CN" sz="2000">
+                <a:solidFill>
+                  <a:srgbClr val="FF0000"/>
+                </a:solidFill>
+              </a:rPr>
+              <a:t>Demo2 JSON</a:t>
+            </a:r>
+            <a:r>
+              <a:rPr lang="zh-CN" altLang="en-US" sz="2000">
+                <a:solidFill>
+                  <a:srgbClr val="FF0000"/>
+                </a:solidFill>
+              </a:rPr>
+              <a:t>简介</a:t>
+            </a:r>
+            <a:r>
+              <a:rPr lang="en-US" altLang="zh-CN" sz="2000">
+                <a:solidFill>
+                  <a:srgbClr val="FF0000"/>
+                </a:solidFill>
+              </a:rPr>
+              <a:t> </a:t>
+            </a:r>
+            <a:r>
+              <a:rPr lang="zh-CN" altLang="en-US" sz="2000">
+                <a:solidFill>
+                  <a:srgbClr val="FF0000"/>
+                </a:solidFill>
+              </a:rPr>
+              <a:t> </a:t>
+            </a:r>
+            <a:endParaRPr lang="en-US" altLang="zh-CN" sz="2000">
+              <a:solidFill>
+                <a:srgbClr val="FF0000"/>
+              </a:solidFill>
+            </a:endParaRPr>
+          </a:p>
+        </p:txBody>
+      </p:sp>
+      <p:pic>
+        <p:nvPicPr>
+          <p:cNvPr id="4" name="图片 3"/>
+          <p:cNvPicPr>
+            <a:picLocks noChangeAspect="1"/>
+          </p:cNvPicPr>
+          <p:nvPr/>
+        </p:nvPicPr>
+        <p:blipFill>
+          <a:blip r:embed="rId1"/>
+          <a:stretch>
+            <a:fillRect/>
+          </a:stretch>
+        </p:blipFill>
+        <p:spPr>
+          <a:xfrm>
+            <a:off x="1199515" y="5220335"/>
+            <a:ext cx="10733405" cy="629920"/>
+          </a:xfrm>
+          <a:prstGeom prst="rect">
+            <a:avLst/>
+          </a:prstGeom>
+        </p:spPr>
+      </p:pic>
     </p:spTree>
   </p:cSld>
   <p:clrMapOvr>
@@ -6206,11 +8719,7 @@
                                           </p:stCondLst>
                                         </p:cTn>
                                         <p:tgtEl>
-                                          <p:spTgt spid="2">
-                                            <p:txEl>
-                                              <p:pRg st="2" end="2"/>
-                                            </p:txEl>
-                                          </p:spTgt>
+                                          <p:spTgt spid="4"/>
                                         </p:tgtEl>
                                         <p:attrNameLst>
                                           <p:attrName>style.visibility</p:attrName>
@@ -6224,11 +8733,7 @@
                                       <p:cBhvr additive="base">
                                         <p:cTn id="19" dur="500" fill="hold"/>
                                         <p:tgtEl>
-                                          <p:spTgt spid="2">
-                                            <p:txEl>
-                                              <p:pRg st="2" end="2"/>
-                                            </p:txEl>
-                                          </p:spTgt>
+                                          <p:spTgt spid="4"/>
                                         </p:tgtEl>
                                         <p:attrNameLst>
                                           <p:attrName>ppt_x</p:attrName>
@@ -6251,11 +8756,7 @@
                                       <p:cBhvr additive="base">
                                         <p:cTn id="20" dur="500" fill="hold"/>
                                         <p:tgtEl>
-                                          <p:spTgt spid="2">
-                                            <p:txEl>
-                                              <p:pRg st="2" end="2"/>
-                                            </p:txEl>
-                                          </p:spTgt>
+                                          <p:spTgt spid="4"/>
                                         </p:tgtEl>
                                         <p:attrNameLst>
                                           <p:attrName>ppt_y</p:attrName>
@@ -6280,40 +8781,27 @@
                             </p:childTnLst>
                           </p:cTn>
                         </p:par>
-                      </p:childTnLst>
-                    </p:cTn>
-                  </p:par>
-                  <p:par>
-                    <p:cTn id="21" fill="hold">
-                      <p:stCondLst>
-                        <p:cond delay="indefinite"/>
-                      </p:stCondLst>
-                      <p:childTnLst>
                         <p:par>
-                          <p:cTn id="22" fill="hold">
+                          <p:cTn id="21" fill="hold">
                             <p:stCondLst>
-                              <p:cond delay="0"/>
+                              <p:cond delay="500"/>
                             </p:stCondLst>
                             <p:childTnLst>
                               <p:par>
-                                <p:cTn id="23" presetID="2" presetClass="entr" presetSubtype="4" fill="hold" nodeType="clickEffect">
+                                <p:cTn id="22" presetID="2" presetClass="entr" presetSubtype="4" fill="hold" grpId="0" nodeType="afterEffect">
                                   <p:stCondLst>
                                     <p:cond delay="0"/>
                                   </p:stCondLst>
                                   <p:childTnLst>
                                     <p:set>
                                       <p:cBhvr>
-                                        <p:cTn id="24" dur="1" fill="hold">
+                                        <p:cTn id="23" dur="1" fill="hold">
                                           <p:stCondLst>
                                             <p:cond delay="0"/>
                                           </p:stCondLst>
                                         </p:cTn>
                                         <p:tgtEl>
-                                          <p:spTgt spid="2">
-                                            <p:txEl>
-                                              <p:pRg st="3" end="3"/>
-                                            </p:txEl>
-                                          </p:spTgt>
+                                          <p:spTgt spid="6"/>
                                         </p:tgtEl>
                                         <p:attrNameLst>
                                           <p:attrName>style.visibility</p:attrName>
@@ -6325,13 +8813,9 @@
                                     </p:set>
                                     <p:anim calcmode="lin" valueType="num">
                                       <p:cBhvr additive="base">
-                                        <p:cTn id="25" dur="500" fill="hold"/>
+                                        <p:cTn id="24" dur="500" fill="hold"/>
                                         <p:tgtEl>
-                                          <p:spTgt spid="2">
-                                            <p:txEl>
-                                              <p:pRg st="3" end="3"/>
-                                            </p:txEl>
-                                          </p:spTgt>
+                                          <p:spTgt spid="6"/>
                                         </p:tgtEl>
                                         <p:attrNameLst>
                                           <p:attrName>ppt_x</p:attrName>
@@ -6352,116 +8836,9 @@
                                     </p:anim>
                                     <p:anim calcmode="lin" valueType="num">
                                       <p:cBhvr additive="base">
-                                        <p:cTn id="26" dur="500" fill="hold"/>
+                                        <p:cTn id="25" dur="500" fill="hold"/>
                                         <p:tgtEl>
-                                          <p:spTgt spid="2">
-                                            <p:txEl>
-                                              <p:pRg st="3" end="3"/>
-                                            </p:txEl>
-                                          </p:spTgt>
-                                        </p:tgtEl>
-                                        <p:attrNameLst>
-                                          <p:attrName>ppt_y</p:attrName>
-                                        </p:attrNameLst>
-                                      </p:cBhvr>
-                                      <p:tavLst>
-                                        <p:tav tm="0">
-                                          <p:val>
-                                            <p:strVal val="1+#ppt_h/2"/>
-                                          </p:val>
-                                        </p:tav>
-                                        <p:tav tm="100000">
-                                          <p:val>
-                                            <p:strVal val="#ppt_y"/>
-                                          </p:val>
-                                        </p:tav>
-                                      </p:tavLst>
-                                    </p:anim>
-                                  </p:childTnLst>
-                                </p:cTn>
-                              </p:par>
-                            </p:childTnLst>
-                          </p:cTn>
-                        </p:par>
-                      </p:childTnLst>
-                    </p:cTn>
-                  </p:par>
-                  <p:par>
-                    <p:cTn id="27" fill="hold">
-                      <p:stCondLst>
-                        <p:cond delay="indefinite"/>
-                      </p:stCondLst>
-                      <p:childTnLst>
-                        <p:par>
-                          <p:cTn id="28" fill="hold">
-                            <p:stCondLst>
-                              <p:cond delay="0"/>
-                            </p:stCondLst>
-                            <p:childTnLst>
-                              <p:par>
-                                <p:cTn id="29" presetID="2" presetClass="entr" presetSubtype="4" fill="hold" nodeType="clickEffect">
-                                  <p:stCondLst>
-                                    <p:cond delay="0"/>
-                                  </p:stCondLst>
-                                  <p:childTnLst>
-                                    <p:set>
-                                      <p:cBhvr>
-                                        <p:cTn id="30" dur="1" fill="hold">
-                                          <p:stCondLst>
-                                            <p:cond delay="0"/>
-                                          </p:stCondLst>
-                                        </p:cTn>
-                                        <p:tgtEl>
-                                          <p:spTgt spid="2">
-                                            <p:txEl>
-                                              <p:pRg st="4" end="4"/>
-                                            </p:txEl>
-                                          </p:spTgt>
-                                        </p:tgtEl>
-                                        <p:attrNameLst>
-                                          <p:attrName>style.visibility</p:attrName>
-                                        </p:attrNameLst>
-                                      </p:cBhvr>
-                                      <p:to>
-                                        <p:strVal val="visible"/>
-                                      </p:to>
-                                    </p:set>
-                                    <p:anim calcmode="lin" valueType="num">
-                                      <p:cBhvr additive="base">
-                                        <p:cTn id="31" dur="500" fill="hold"/>
-                                        <p:tgtEl>
-                                          <p:spTgt spid="2">
-                                            <p:txEl>
-                                              <p:pRg st="4" end="4"/>
-                                            </p:txEl>
-                                          </p:spTgt>
-                                        </p:tgtEl>
-                                        <p:attrNameLst>
-                                          <p:attrName>ppt_x</p:attrName>
-                                        </p:attrNameLst>
-                                      </p:cBhvr>
-                                      <p:tavLst>
-                                        <p:tav tm="0">
-                                          <p:val>
-                                            <p:strVal val="#ppt_x"/>
-                                          </p:val>
-                                        </p:tav>
-                                        <p:tav tm="100000">
-                                          <p:val>
-                                            <p:strVal val="#ppt_x"/>
-                                          </p:val>
-                                        </p:tav>
-                                      </p:tavLst>
-                                    </p:anim>
-                                    <p:anim calcmode="lin" valueType="num">
-                                      <p:cBhvr additive="base">
-                                        <p:cTn id="32" dur="500" fill="hold"/>
-                                        <p:tgtEl>
-                                          <p:spTgt spid="2">
-                                            <p:txEl>
-                                              <p:pRg st="4" end="4"/>
-                                            </p:txEl>
-                                          </p:spTgt>
+                                          <p:spTgt spid="6"/>
                                         </p:tgtEl>
                                         <p:attrNameLst>
                                           <p:attrName>ppt_y</p:attrName>
@@ -6510,6 +8887,9 @@
         </p:cTn>
       </p:par>
     </p:tnLst>
+    <p:bldLst>
+      <p:bldP spid="6" grpId="0"/>
+    </p:bldLst>
   </p:timing>
 </p:sld>
 </file>
@@ -6531,178 +8911,497 @@
           <a:chExt cx="0" cy="0"/>
         </a:xfrm>
       </p:grpSpPr>
-      <p:pic>
-        <p:nvPicPr>
-          <p:cNvPr id="38914" name="Picture 5"/>
-          <p:cNvPicPr>
-            <a:picLocks noChangeAspect="1" noChangeArrowheads="1"/>
-          </p:cNvPicPr>
+      <p:sp>
+        <p:nvSpPr>
+          <p:cNvPr id="5123" name="AutoShape 6"/>
+          <p:cNvSpPr>
+            <a:spLocks noChangeArrowheads="1"/>
+          </p:cNvSpPr>
           <p:nvPr/>
-        </p:nvPicPr>
-        <p:blipFill>
-          <a:blip r:embed="rId1">
-            <a:extLst>
-              <a:ext uri="{28A0092B-C50C-407E-A947-70E740481C1C}">
-                <a14:useLocalDpi xmlns:a14="http://schemas.microsoft.com/office/drawing/2010/main" val="0"/>
-              </a:ext>
-            </a:extLst>
-          </a:blip>
-          <a:srcRect/>
-          <a:stretch>
-            <a:fillRect/>
-          </a:stretch>
-        </p:blipFill>
+        </p:nvSpPr>
         <p:spPr bwMode="auto">
           <a:xfrm>
-            <a:off x="0" y="0"/>
-            <a:ext cx="12192000" cy="6858000"/>
+            <a:off x="2566988" y="1339851"/>
+            <a:ext cx="6711950" cy="4214813"/>
+          </a:xfrm>
+          <a:prstGeom prst="roundRect">
+            <a:avLst>
+              <a:gd name="adj" fmla="val 16667"/>
+            </a:avLst>
+          </a:prstGeom>
+          <a:noFill/>
+          <a:ln w="28575">
+            <a:solidFill>
+              <a:srgbClr val="C0C0C0"/>
+            </a:solidFill>
+            <a:prstDash val="sysDot"/>
+            <a:round/>
+          </a:ln>
+          <a:extLst>
+            <a:ext uri="{909E8E84-426E-40DD-AFC4-6F175D3DCCD1}">
+              <a14:hiddenFill xmlns:a14="http://schemas.microsoft.com/office/drawing/2010/main">
+                <a:solidFill>
+                  <a:srgbClr val="FFFFFF"/>
+                </a:solidFill>
+              </a14:hiddenFill>
+            </a:ext>
+          </a:extLst>
+        </p:spPr>
+        <p:txBody>
+          <a:bodyPr wrap="none" anchor="ctr"/>
+          <a:lstStyle>
+            <a:lvl1pPr marL="457200" indent="-457200">
+              <a:defRPr sz="3200">
+                <a:solidFill>
+                  <a:schemeClr val="tx1"/>
+                </a:solidFill>
+                <a:latin typeface="Arial" panose="020B0604020202020204" pitchFamily="34" charset="0"/>
+                <a:ea typeface="微软雅黑" panose="020B0503020204020204" pitchFamily="34" charset="-122"/>
+              </a:defRPr>
+            </a:lvl1pPr>
+            <a:lvl2pPr marL="742950" indent="-285750">
+              <a:defRPr sz="3200">
+                <a:solidFill>
+                  <a:schemeClr val="tx1"/>
+                </a:solidFill>
+                <a:latin typeface="Arial" panose="020B0604020202020204" pitchFamily="34" charset="0"/>
+                <a:ea typeface="微软雅黑" panose="020B0503020204020204" pitchFamily="34" charset="-122"/>
+              </a:defRPr>
+            </a:lvl2pPr>
+            <a:lvl3pPr marL="1143000" indent="-228600">
+              <a:defRPr sz="3200">
+                <a:solidFill>
+                  <a:schemeClr val="tx1"/>
+                </a:solidFill>
+                <a:latin typeface="Arial" panose="020B0604020202020204" pitchFamily="34" charset="0"/>
+                <a:ea typeface="微软雅黑" panose="020B0503020204020204" pitchFamily="34" charset="-122"/>
+              </a:defRPr>
+            </a:lvl3pPr>
+            <a:lvl4pPr marL="1600200" indent="-228600">
+              <a:defRPr sz="3200">
+                <a:solidFill>
+                  <a:schemeClr val="tx1"/>
+                </a:solidFill>
+                <a:latin typeface="Arial" panose="020B0604020202020204" pitchFamily="34" charset="0"/>
+                <a:ea typeface="微软雅黑" panose="020B0503020204020204" pitchFamily="34" charset="-122"/>
+              </a:defRPr>
+            </a:lvl4pPr>
+            <a:lvl5pPr marL="2057400" indent="-228600">
+              <a:defRPr sz="3200">
+                <a:solidFill>
+                  <a:schemeClr val="tx1"/>
+                </a:solidFill>
+                <a:latin typeface="Arial" panose="020B0604020202020204" pitchFamily="34" charset="0"/>
+                <a:ea typeface="微软雅黑" panose="020B0503020204020204" pitchFamily="34" charset="-122"/>
+              </a:defRPr>
+            </a:lvl5pPr>
+            <a:lvl6pPr marL="2514600" indent="-228600" eaLnBrk="0" fontAlgn="base" hangingPunct="0">
+              <a:spcBef>
+                <a:spcPct val="0"/>
+              </a:spcBef>
+              <a:spcAft>
+                <a:spcPct val="0"/>
+              </a:spcAft>
+              <a:defRPr sz="3200">
+                <a:solidFill>
+                  <a:schemeClr val="tx1"/>
+                </a:solidFill>
+                <a:latin typeface="Arial" panose="020B0604020202020204" pitchFamily="34" charset="0"/>
+                <a:ea typeface="微软雅黑" panose="020B0503020204020204" pitchFamily="34" charset="-122"/>
+              </a:defRPr>
+            </a:lvl6pPr>
+            <a:lvl7pPr marL="2971800" indent="-228600" eaLnBrk="0" fontAlgn="base" hangingPunct="0">
+              <a:spcBef>
+                <a:spcPct val="0"/>
+              </a:spcBef>
+              <a:spcAft>
+                <a:spcPct val="0"/>
+              </a:spcAft>
+              <a:defRPr sz="3200">
+                <a:solidFill>
+                  <a:schemeClr val="tx1"/>
+                </a:solidFill>
+                <a:latin typeface="Arial" panose="020B0604020202020204" pitchFamily="34" charset="0"/>
+                <a:ea typeface="微软雅黑" panose="020B0503020204020204" pitchFamily="34" charset="-122"/>
+              </a:defRPr>
+            </a:lvl7pPr>
+            <a:lvl8pPr marL="3429000" indent="-228600" eaLnBrk="0" fontAlgn="base" hangingPunct="0">
+              <a:spcBef>
+                <a:spcPct val="0"/>
+              </a:spcBef>
+              <a:spcAft>
+                <a:spcPct val="0"/>
+              </a:spcAft>
+              <a:defRPr sz="3200">
+                <a:solidFill>
+                  <a:schemeClr val="tx1"/>
+                </a:solidFill>
+                <a:latin typeface="Arial" panose="020B0604020202020204" pitchFamily="34" charset="0"/>
+                <a:ea typeface="微软雅黑" panose="020B0503020204020204" pitchFamily="34" charset="-122"/>
+              </a:defRPr>
+            </a:lvl8pPr>
+            <a:lvl9pPr marL="3886200" indent="-228600" eaLnBrk="0" fontAlgn="base" hangingPunct="0">
+              <a:spcBef>
+                <a:spcPct val="0"/>
+              </a:spcBef>
+              <a:spcAft>
+                <a:spcPct val="0"/>
+              </a:spcAft>
+              <a:defRPr sz="3200">
+                <a:solidFill>
+                  <a:schemeClr val="tx1"/>
+                </a:solidFill>
+                <a:latin typeface="Arial" panose="020B0604020202020204" pitchFamily="34" charset="0"/>
+                <a:ea typeface="微软雅黑" panose="020B0503020204020204" pitchFamily="34" charset="-122"/>
+              </a:defRPr>
+            </a:lvl9pPr>
+          </a:lstStyle>
+          <a:p>
+            <a:pPr algn="l">
+              <a:lnSpc>
+                <a:spcPct val="150000"/>
+              </a:lnSpc>
+              <a:spcBef>
+                <a:spcPts val="1200"/>
+              </a:spcBef>
+              <a:spcAft>
+                <a:spcPts val="1200"/>
+              </a:spcAft>
+              <a:buClr>
+                <a:srgbClr val="92D050"/>
+              </a:buClr>
+              <a:buFont typeface="Wingdings" panose="05000000000000000000" pitchFamily="2" charset="2"/>
+              <a:buChar char="Ø"/>
+            </a:pPr>
+            <a:r>
+              <a:rPr lang="en-US" altLang="zh-CN" sz="2800" b="1">
+                <a:solidFill>
+                  <a:schemeClr val="tx1"/>
+                </a:solidFill>
+                <a:sym typeface="+mn-ea"/>
+              </a:rPr>
+              <a:t>JSON</a:t>
+            </a:r>
+            <a:r>
+              <a:rPr lang="zh-CN" altLang="en-US" sz="2800" b="1">
+                <a:solidFill>
+                  <a:schemeClr val="tx1"/>
+                </a:solidFill>
+                <a:sym typeface="+mn-ea"/>
+              </a:rPr>
+              <a:t>简介</a:t>
+            </a:r>
+            <a:endParaRPr lang="zh-CN" altLang="en-US" sz="2800" b="1">
+              <a:solidFill>
+                <a:schemeClr val="tx1"/>
+              </a:solidFill>
+              <a:sym typeface="+mn-ea"/>
+            </a:endParaRPr>
+          </a:p>
+          <a:p>
+            <a:pPr algn="l">
+              <a:lnSpc>
+                <a:spcPct val="150000"/>
+              </a:lnSpc>
+              <a:spcBef>
+                <a:spcPts val="1200"/>
+              </a:spcBef>
+              <a:spcAft>
+                <a:spcPts val="1200"/>
+              </a:spcAft>
+              <a:buClr>
+                <a:srgbClr val="92D050"/>
+              </a:buClr>
+              <a:buFont typeface="Wingdings" panose="05000000000000000000" pitchFamily="2" charset="2"/>
+              <a:buChar char="Ø"/>
+            </a:pPr>
+            <a:r>
+              <a:rPr lang="en-US" altLang="zh-CN" sz="2800" b="1">
+                <a:solidFill>
+                  <a:schemeClr val="accent3"/>
+                </a:solidFill>
+                <a:sym typeface="+mn-ea"/>
+              </a:rPr>
+              <a:t>JSON</a:t>
+            </a:r>
+            <a:r>
+              <a:rPr lang="zh-CN" altLang="en-US" sz="2800" b="1">
+                <a:solidFill>
+                  <a:schemeClr val="accent3"/>
+                </a:solidFill>
+                <a:sym typeface="+mn-ea"/>
+              </a:rPr>
+              <a:t>对象方法</a:t>
+            </a:r>
+            <a:endParaRPr lang="zh-CN" altLang="en-US" sz="2800" b="1">
+              <a:solidFill>
+                <a:schemeClr val="accent3"/>
+              </a:solidFill>
+              <a:sym typeface="+mn-ea"/>
+            </a:endParaRPr>
+          </a:p>
+          <a:p>
+            <a:pPr algn="l">
+              <a:lnSpc>
+                <a:spcPct val="150000"/>
+              </a:lnSpc>
+              <a:spcBef>
+                <a:spcPts val="1200"/>
+              </a:spcBef>
+              <a:spcAft>
+                <a:spcPts val="1200"/>
+              </a:spcAft>
+              <a:buClr>
+                <a:srgbClr val="92D050"/>
+              </a:buClr>
+              <a:buFont typeface="Wingdings" panose="05000000000000000000" pitchFamily="2" charset="2"/>
+              <a:buChar char="Ø"/>
+            </a:pPr>
+            <a:r>
+              <a:rPr lang="en-US" altLang="zh-CN" sz="2800" b="1">
+                <a:solidFill>
+                  <a:schemeClr val="tx1"/>
+                </a:solidFill>
+                <a:sym typeface="+mn-ea"/>
+              </a:rPr>
+              <a:t>JSON</a:t>
+            </a:r>
+            <a:r>
+              <a:rPr lang="zh-CN" altLang="en-US" sz="2800" b="1">
+                <a:solidFill>
+                  <a:schemeClr val="tx1"/>
+                </a:solidFill>
+                <a:sym typeface="+mn-ea"/>
+              </a:rPr>
+              <a:t>案例</a:t>
+            </a:r>
+            <a:endParaRPr lang="zh-CN" altLang="en-US" sz="2800" b="1">
+              <a:solidFill>
+                <a:schemeClr val="tx1"/>
+              </a:solidFill>
+              <a:sym typeface="+mn-ea"/>
+            </a:endParaRPr>
+          </a:p>
+        </p:txBody>
+      </p:sp>
+      <p:sp>
+        <p:nvSpPr>
+          <p:cNvPr id="4" name="内容占位符 3"/>
+          <p:cNvSpPr txBox="1"/>
+          <p:nvPr/>
+        </p:nvSpPr>
+        <p:spPr>
+          <a:xfrm>
+            <a:off x="981657" y="236943"/>
+            <a:ext cx="8191557" cy="490476"/>
           </a:xfrm>
           <a:prstGeom prst="rect">
             <a:avLst/>
           </a:prstGeom>
-          <a:noFill/>
-          <a:ln>
-            <a:noFill/>
-          </a:ln>
-          <a:extLst>
-            <a:ext uri="{909E8E84-426E-40DD-AFC4-6F175D3DCCD1}">
-              <a14:hiddenFill xmlns:a14="http://schemas.microsoft.com/office/drawing/2010/main">
-                <a:solidFill>
-                  <a:srgbClr val="FFFFFF"/>
-                </a:solidFill>
-              </a14:hiddenFill>
-            </a:ext>
-            <a:ext uri="{91240B29-F687-4F45-9708-019B960494DF}">
-              <a14:hiddenLine xmlns:a14="http://schemas.microsoft.com/office/drawing/2010/main" w="9525">
-                <a:solidFill>
-                  <a:srgbClr val="000000"/>
-                </a:solidFill>
-                <a:miter lim="800000"/>
-                <a:headEnd/>
-                <a:tailEnd/>
-              </a14:hiddenLine>
-            </a:ext>
-          </a:extLst>
-        </p:spPr>
-      </p:pic>
-      <p:sp>
-        <p:nvSpPr>
-          <p:cNvPr id="38915" name="Rectangle 6"/>
-          <p:cNvSpPr>
-            <a:spLocks noGrp="1" noChangeArrowheads="1"/>
-          </p:cNvSpPr>
-          <p:nvPr>
-            <p:ph type="ctrTitle" idx="4294967295"/>
-          </p:nvPr>
-        </p:nvSpPr>
-        <p:spPr bwMode="auto">
-          <a:xfrm>
-            <a:off x="2547041" y="3068835"/>
-            <a:ext cx="7097918" cy="1285875"/>
-          </a:xfrm>
-          <a:prstGeom prst="rect">
-            <a:avLst/>
-          </a:prstGeom>
-          <a:noFill/>
-          <a:extLst>
-            <a:ext uri="{909E8E84-426E-40DD-AFC4-6F175D3DCCD1}">
-              <a14:hiddenFill xmlns:a14="http://schemas.microsoft.com/office/drawing/2010/main">
-                <a:solidFill>
-                  <a:srgbClr val="FFFFFF"/>
-                </a:solidFill>
-              </a14:hiddenFill>
-            </a:ext>
-            <a:ext uri="{91240B29-F687-4F45-9708-019B960494DF}">
-              <a14:hiddenLine xmlns:a14="http://schemas.microsoft.com/office/drawing/2010/main" w="9525">
-                <a:solidFill>
-                  <a:srgbClr val="000000"/>
-                </a:solidFill>
-                <a:miter lim="800000"/>
-                <a:headEnd/>
-                <a:tailEnd/>
-              </a14:hiddenLine>
-            </a:ext>
-          </a:extLst>
         </p:spPr>
         <p:txBody>
-          <a:bodyPr anchor="b"/>
-          <a:lstStyle/>
-          <a:p>
-            <a:pPr algn="ctr" eaLnBrk="1" hangingPunct="1"/>
-            <a:r>
-              <a:rPr kumimoji="0" lang="en-US" altLang="zh-CN" sz="5400" dirty="0"/>
-              <a:t>Thank </a:t>
-            </a:r>
-            <a:r>
-              <a:rPr kumimoji="0" lang="en-US" altLang="zh-CN" sz="5400" dirty="0">
-                <a:solidFill>
-                  <a:srgbClr val="FF0000"/>
-                </a:solidFill>
-              </a:rPr>
-              <a:t>You</a:t>
-            </a:r>
-            <a:r>
-              <a:rPr kumimoji="0" lang="zh-CN" altLang="en-US" sz="5400" dirty="0"/>
-              <a:t>！</a:t>
-            </a:r>
-            <a:endParaRPr kumimoji="0" lang="zh-CN" altLang="zh-CN" sz="5400" dirty="0"/>
+          <a:bodyPr/>
+          <a:lstStyle>
+            <a:lvl1pPr marL="167005" indent="-167005" algn="l" defTabSz="0" rtl="0" eaLnBrk="0" fontAlgn="base" hangingPunct="0">
+              <a:spcBef>
+                <a:spcPct val="0"/>
+              </a:spcBef>
+              <a:spcAft>
+                <a:spcPct val="15000"/>
+              </a:spcAft>
+              <a:buClr>
+                <a:schemeClr val="tx2"/>
+              </a:buClr>
+              <a:buFont typeface="Arial" panose="020B0604020202020204" pitchFamily="34" charset="0"/>
+              <a:buChar char="•"/>
+              <a:defRPr kumimoji="1" sz="1600">
+                <a:solidFill>
+                  <a:srgbClr val="006F53"/>
+                </a:solidFill>
+                <a:latin typeface="微软雅黑" panose="020B0503020204020204" pitchFamily="34" charset="-122"/>
+                <a:ea typeface="微软雅黑" panose="020B0503020204020204" pitchFamily="34" charset="-122"/>
+                <a:cs typeface="微软雅黑" panose="020B0503020204020204" pitchFamily="34" charset="-122"/>
+              </a:defRPr>
+            </a:lvl1pPr>
+            <a:lvl2pPr marL="398780" indent="-230505" algn="l" defTabSz="0" rtl="0" eaLnBrk="0" fontAlgn="base" hangingPunct="0">
+              <a:spcBef>
+                <a:spcPct val="0"/>
+              </a:spcBef>
+              <a:spcAft>
+                <a:spcPct val="15000"/>
+              </a:spcAft>
+              <a:buClr>
+                <a:schemeClr val="tx2"/>
+              </a:buClr>
+              <a:buFont typeface="Arial" panose="020B0604020202020204" pitchFamily="34" charset="0"/>
+              <a:buChar char="–"/>
+              <a:defRPr kumimoji="1" sz="2800">
+                <a:solidFill>
+                  <a:schemeClr val="bg2"/>
+                </a:solidFill>
+                <a:latin typeface="微软雅黑" panose="020B0503020204020204" pitchFamily="34" charset="-122"/>
+                <a:ea typeface="微软雅黑" panose="020B0503020204020204" pitchFamily="34" charset="-122"/>
+                <a:cs typeface="微软雅黑" panose="020B0503020204020204" pitchFamily="34" charset="-122"/>
+              </a:defRPr>
+            </a:lvl2pPr>
+            <a:lvl3pPr marL="400050" indent="182880" algn="l" defTabSz="0" rtl="0" eaLnBrk="0" fontAlgn="base" hangingPunct="0">
+              <a:spcBef>
+                <a:spcPct val="0"/>
+              </a:spcBef>
+              <a:spcAft>
+                <a:spcPct val="15000"/>
+              </a:spcAft>
+              <a:buClr>
+                <a:schemeClr val="tx2"/>
+              </a:buClr>
+              <a:buFont typeface="Arial" panose="020B0604020202020204" pitchFamily="34" charset="0"/>
+              <a:buChar char="•"/>
+              <a:defRPr kumimoji="1" sz="1600">
+                <a:solidFill>
+                  <a:schemeClr val="bg2"/>
+                </a:solidFill>
+                <a:latin typeface="微软雅黑" panose="020B0503020204020204" pitchFamily="34" charset="-122"/>
+                <a:ea typeface="微软雅黑" panose="020B0503020204020204" pitchFamily="34" charset="-122"/>
+                <a:cs typeface="微软雅黑" panose="020B0503020204020204" pitchFamily="34" charset="-122"/>
+              </a:defRPr>
+            </a:lvl3pPr>
+            <a:lvl4pPr marL="825500" indent="-241300" algn="l" defTabSz="0" rtl="0" eaLnBrk="0" fontAlgn="base" hangingPunct="0">
+              <a:spcBef>
+                <a:spcPct val="0"/>
+              </a:spcBef>
+              <a:spcAft>
+                <a:spcPct val="15000"/>
+              </a:spcAft>
+              <a:buClr>
+                <a:schemeClr val="tx2"/>
+              </a:buClr>
+              <a:buFont typeface="Arial" panose="020B0604020202020204" pitchFamily="34" charset="0"/>
+              <a:buChar char="–"/>
+              <a:defRPr kumimoji="1" sz="1600">
+                <a:solidFill>
+                  <a:schemeClr val="bg2"/>
+                </a:solidFill>
+                <a:latin typeface="微软雅黑" panose="020B0503020204020204" pitchFamily="34" charset="-122"/>
+                <a:ea typeface="微软雅黑" panose="020B0503020204020204" pitchFamily="34" charset="-122"/>
+                <a:cs typeface="微软雅黑" panose="020B0503020204020204" pitchFamily="34" charset="-122"/>
+              </a:defRPr>
+            </a:lvl4pPr>
+            <a:lvl5pPr marL="2057400" indent="-228600" algn="l" defTabSz="0" rtl="0" eaLnBrk="0" fontAlgn="base" hangingPunct="0">
+              <a:spcBef>
+                <a:spcPct val="0"/>
+              </a:spcBef>
+              <a:spcAft>
+                <a:spcPct val="25000"/>
+              </a:spcAft>
+              <a:buClr>
+                <a:schemeClr val="tx2"/>
+              </a:buClr>
+              <a:buFont typeface="Arial" panose="020B0604020202020204" pitchFamily="34" charset="0"/>
+              <a:buChar char="–"/>
+              <a:defRPr kumimoji="1" sz="2000">
+                <a:solidFill>
+                  <a:schemeClr val="tx1"/>
+                </a:solidFill>
+                <a:latin typeface="+mn-lt"/>
+                <a:ea typeface="微软雅黑" panose="020B0503020204020204" pitchFamily="34" charset="-122"/>
+                <a:cs typeface="微软雅黑" panose="020B0503020204020204" pitchFamily="34" charset="-122"/>
+              </a:defRPr>
+            </a:lvl5pPr>
+            <a:lvl6pPr marL="2514600" indent="-228600" algn="l" defTabSz="0" rtl="0" eaLnBrk="0" fontAlgn="base" hangingPunct="0">
+              <a:spcBef>
+                <a:spcPct val="0"/>
+              </a:spcBef>
+              <a:spcAft>
+                <a:spcPct val="25000"/>
+              </a:spcAft>
+              <a:buClr>
+                <a:schemeClr val="tx2"/>
+              </a:buClr>
+              <a:buFont typeface="Arial" panose="020B0604020202020204" pitchFamily="34" charset="0"/>
+              <a:buChar char="–"/>
+              <a:defRPr>
+                <a:solidFill>
+                  <a:schemeClr val="tx1"/>
+                </a:solidFill>
+                <a:latin typeface="+mn-lt"/>
+              </a:defRPr>
+            </a:lvl6pPr>
+            <a:lvl7pPr marL="2971800" indent="-228600" algn="l" defTabSz="0" rtl="0" eaLnBrk="0" fontAlgn="base" hangingPunct="0">
+              <a:spcBef>
+                <a:spcPct val="0"/>
+              </a:spcBef>
+              <a:spcAft>
+                <a:spcPct val="25000"/>
+              </a:spcAft>
+              <a:buClr>
+                <a:schemeClr val="tx2"/>
+              </a:buClr>
+              <a:buFont typeface="Arial" panose="020B0604020202020204" pitchFamily="34" charset="0"/>
+              <a:buChar char="–"/>
+              <a:defRPr>
+                <a:solidFill>
+                  <a:schemeClr val="tx1"/>
+                </a:solidFill>
+                <a:latin typeface="+mn-lt"/>
+              </a:defRPr>
+            </a:lvl7pPr>
+            <a:lvl8pPr marL="3429000" indent="-228600" algn="l" defTabSz="0" rtl="0" eaLnBrk="0" fontAlgn="base" hangingPunct="0">
+              <a:spcBef>
+                <a:spcPct val="0"/>
+              </a:spcBef>
+              <a:spcAft>
+                <a:spcPct val="25000"/>
+              </a:spcAft>
+              <a:buClr>
+                <a:schemeClr val="tx2"/>
+              </a:buClr>
+              <a:buFont typeface="Arial" panose="020B0604020202020204" pitchFamily="34" charset="0"/>
+              <a:buChar char="–"/>
+              <a:defRPr>
+                <a:solidFill>
+                  <a:schemeClr val="tx1"/>
+                </a:solidFill>
+                <a:latin typeface="+mn-lt"/>
+              </a:defRPr>
+            </a:lvl8pPr>
+            <a:lvl9pPr marL="3886200" indent="-228600" algn="l" defTabSz="0" rtl="0" eaLnBrk="0" fontAlgn="base" hangingPunct="0">
+              <a:spcBef>
+                <a:spcPct val="0"/>
+              </a:spcBef>
+              <a:spcAft>
+                <a:spcPct val="25000"/>
+              </a:spcAft>
+              <a:buClr>
+                <a:schemeClr val="tx2"/>
+              </a:buClr>
+              <a:buFont typeface="Arial" panose="020B0604020202020204" pitchFamily="34" charset="0"/>
+              <a:buChar char="–"/>
+              <a:defRPr>
+                <a:solidFill>
+                  <a:schemeClr val="tx1"/>
+                </a:solidFill>
+                <a:latin typeface="+mn-lt"/>
+              </a:defRPr>
+            </a:lvl9pPr>
+          </a:lstStyle>
+          <a:p>
+            <a:pPr marL="0" indent="0">
+              <a:buNone/>
+            </a:pPr>
+            <a:r>
+              <a:rPr lang="zh-CN" altLang="en-US" sz="3200" dirty="0" smtClean="0">
+                <a:solidFill>
+                  <a:srgbClr val="C00000"/>
+                </a:solidFill>
+                <a:cs typeface="+mn-cs"/>
+                <a:sym typeface="+mn-ea"/>
+              </a:rPr>
+              <a:t>内容提纲</a:t>
+            </a:r>
+            <a:endParaRPr lang="zh-CN" altLang="en-US" kern="0" dirty="0"/>
           </a:p>
         </p:txBody>
       </p:sp>
-      <p:pic>
-        <p:nvPicPr>
-          <p:cNvPr id="38916" name="图片 3" descr="软院logo横版.png"/>
-          <p:cNvPicPr>
-            <a:picLocks noChangeAspect="1"/>
-          </p:cNvPicPr>
-          <p:nvPr/>
-        </p:nvPicPr>
-        <p:blipFill>
-          <a:blip r:embed="rId2">
-            <a:extLst>
-              <a:ext uri="{28A0092B-C50C-407E-A947-70E740481C1C}">
-                <a14:useLocalDpi xmlns:a14="http://schemas.microsoft.com/office/drawing/2010/main" val="0"/>
-              </a:ext>
-            </a:extLst>
-          </a:blip>
-          <a:srcRect/>
-          <a:stretch>
-            <a:fillRect/>
-          </a:stretch>
-        </p:blipFill>
-        <p:spPr bwMode="auto">
-          <a:xfrm>
-            <a:off x="2062164" y="5927725"/>
-            <a:ext cx="3381375" cy="527050"/>
-          </a:xfrm>
-          <a:prstGeom prst="rect">
-            <a:avLst/>
-          </a:prstGeom>
-          <a:noFill/>
-          <a:ln>
-            <a:noFill/>
-          </a:ln>
-          <a:extLst>
-            <a:ext uri="{909E8E84-426E-40DD-AFC4-6F175D3DCCD1}">
-              <a14:hiddenFill xmlns:a14="http://schemas.microsoft.com/office/drawing/2010/main">
-                <a:solidFill>
-                  <a:srgbClr val="FFFFFF"/>
-                </a:solidFill>
-              </a14:hiddenFill>
-            </a:ext>
-            <a:ext uri="{91240B29-F687-4F45-9708-019B960494DF}">
-              <a14:hiddenLine xmlns:a14="http://schemas.microsoft.com/office/drawing/2010/main" w="9525">
-                <a:solidFill>
-                  <a:srgbClr val="000000"/>
-                </a:solidFill>
-                <a:miter lim="800000"/>
-                <a:headEnd/>
-                <a:tailEnd/>
-              </a14:hiddenLine>
-            </a:ext>
-          </a:extLst>
-        </p:spPr>
-      </p:pic>
     </p:spTree>
   </p:cSld>
   <p:clrMapOvr>
@@ -6714,6 +9413,785 @@
         <p:cTn id="1" dur="indefinite" restart="never" nodeType="tmRoot"/>
       </p:par>
     </p:tnLst>
+  </p:timing>
+</p:sld>
+</file>
+
+<file path=ppt/slides/slide9.xml><?xml version="1.0" encoding="utf-8"?>
+<p:sld xmlns:a="http://schemas.openxmlformats.org/drawingml/2006/main" xmlns:r="http://schemas.openxmlformats.org/officeDocument/2006/relationships" xmlns:p="http://schemas.openxmlformats.org/presentationml/2006/main">
+  <p:cSld>
+    <p:spTree>
+      <p:nvGrpSpPr>
+        <p:cNvPr id="1" name=""/>
+        <p:cNvGrpSpPr/>
+        <p:nvPr/>
+      </p:nvGrpSpPr>
+      <p:grpSpPr>
+        <a:xfrm>
+          <a:off x="0" y="0"/>
+          <a:ext cx="0" cy="0"/>
+          <a:chOff x="0" y="0"/>
+          <a:chExt cx="0" cy="0"/>
+        </a:xfrm>
+      </p:grpSpPr>
+      <p:sp>
+        <p:nvSpPr>
+          <p:cNvPr id="2" name="内容占位符 1"/>
+          <p:cNvSpPr>
+            <a:spLocks noGrp="1"/>
+          </p:cNvSpPr>
+          <p:nvPr>
+            <p:ph sz="quarter" idx="10"/>
+          </p:nvPr>
+        </p:nvSpPr>
+        <p:spPr>
+          <a:xfrm>
+            <a:off x="927735" y="783590"/>
+            <a:ext cx="10781665" cy="5269230"/>
+          </a:xfrm>
+        </p:spPr>
+        <p:txBody>
+          <a:bodyPr/>
+          <a:lstStyle/>
+          <a:p>
+            <a:pPr>
+              <a:lnSpc>
+                <a:spcPct val="150000"/>
+              </a:lnSpc>
+            </a:pPr>
+            <a:r>
+              <a:rPr sz="3200" dirty="0">
+                <a:solidFill>
+                  <a:schemeClr val="tx1"/>
+                </a:solidFill>
+                <a:sym typeface="+mn-ea"/>
+              </a:rPr>
+              <a:t>JSON</a:t>
+            </a:r>
+            <a:r>
+              <a:rPr lang="en-US" sz="3200" dirty="0">
+                <a:solidFill>
+                  <a:schemeClr val="tx1"/>
+                </a:solidFill>
+                <a:sym typeface="+mn-ea"/>
+              </a:rPr>
+              <a:t>.stringify(value,replacer?,space?)</a:t>
+            </a:r>
+            <a:br>
+              <a:rPr sz="3200" dirty="0">
+                <a:solidFill>
+                  <a:schemeClr val="tx1"/>
+                </a:solidFill>
+                <a:sym typeface="+mn-ea"/>
+              </a:rPr>
+            </a:br>
+            <a:endParaRPr sz="3200" dirty="0">
+              <a:solidFill>
+                <a:schemeClr val="tx1"/>
+              </a:solidFill>
+              <a:sym typeface="+mn-ea"/>
+            </a:endParaRPr>
+          </a:p>
+          <a:p>
+            <a:pPr>
+              <a:lnSpc>
+                <a:spcPct val="150000"/>
+              </a:lnSpc>
+            </a:pPr>
+            <a:endParaRPr lang="zh-CN" altLang="en-US" sz="3200" dirty="0">
+              <a:solidFill>
+                <a:schemeClr val="tx1"/>
+              </a:solidFill>
+              <a:sym typeface="+mn-ea"/>
+            </a:endParaRPr>
+          </a:p>
+          <a:p>
+            <a:pPr>
+              <a:lnSpc>
+                <a:spcPct val="150000"/>
+              </a:lnSpc>
+            </a:pPr>
+            <a:r>
+              <a:rPr lang="en-US" altLang="zh-CN" sz="3200" dirty="0">
+                <a:solidFill>
+                  <a:schemeClr val="tx1"/>
+                </a:solidFill>
+                <a:sym typeface="+mn-ea"/>
+              </a:rPr>
+              <a:t>JSON.parse(text,reviver?)</a:t>
+            </a:r>
+            <a:br>
+              <a:rPr lang="zh-CN" altLang="en-US" sz="3200" dirty="0">
+                <a:solidFill>
+                  <a:schemeClr val="tx1"/>
+                </a:solidFill>
+                <a:sym typeface="+mn-ea"/>
+              </a:rPr>
+            </a:br>
+            <a:br>
+              <a:rPr lang="en-US" altLang="zh-CN" sz="2000" dirty="0">
+                <a:solidFill>
+                  <a:schemeClr val="tx1"/>
+                </a:solidFill>
+                <a:sym typeface="+mn-ea"/>
+              </a:rPr>
+            </a:br>
+            <a:endParaRPr lang="zh-CN" altLang="en-US" sz="2000" dirty="0">
+              <a:solidFill>
+                <a:schemeClr val="tx1"/>
+              </a:solidFill>
+              <a:sym typeface="+mn-ea"/>
+            </a:endParaRPr>
+          </a:p>
+          <a:p>
+            <a:pPr marL="0" indent="0">
+              <a:lnSpc>
+                <a:spcPct val="160000"/>
+              </a:lnSpc>
+              <a:buNone/>
+            </a:pPr>
+            <a:endParaRPr lang="en-US" altLang="zh-CN" sz="1800" dirty="0">
+              <a:solidFill>
+                <a:schemeClr val="tx1"/>
+              </a:solidFill>
+              <a:sym typeface="+mn-ea"/>
+            </a:endParaRPr>
+          </a:p>
+        </p:txBody>
+      </p:sp>
+      <p:sp>
+        <p:nvSpPr>
+          <p:cNvPr id="3" name="内容占位符 2"/>
+          <p:cNvSpPr>
+            <a:spLocks noGrp="1"/>
+          </p:cNvSpPr>
+          <p:nvPr>
+            <p:ph sz="quarter" idx="11"/>
+          </p:nvPr>
+        </p:nvSpPr>
+        <p:spPr/>
+        <p:txBody>
+          <a:bodyPr/>
+          <a:lstStyle/>
+          <a:p>
+            <a:r>
+              <a:rPr lang="en-US" dirty="0"/>
+              <a:t>JSON</a:t>
+            </a:r>
+            <a:r>
+              <a:rPr lang="zh-CN" altLang="en-US" dirty="0"/>
+              <a:t>对象方法</a:t>
+            </a:r>
+            <a:endParaRPr lang="zh-CN" altLang="en-US" dirty="0"/>
+          </a:p>
+        </p:txBody>
+      </p:sp>
+      <p:sp>
+        <p:nvSpPr>
+          <p:cNvPr id="6" name="文本框 5"/>
+          <p:cNvSpPr txBox="1"/>
+          <p:nvPr/>
+        </p:nvSpPr>
+        <p:spPr>
+          <a:xfrm>
+            <a:off x="5575300" y="6196330"/>
+            <a:ext cx="5033010" cy="398780"/>
+          </a:xfrm>
+          <a:prstGeom prst="rect">
+            <a:avLst/>
+          </a:prstGeom>
+          <a:noFill/>
+        </p:spPr>
+        <p:txBody>
+          <a:bodyPr wrap="square" rtlCol="0">
+            <a:spAutoFit/>
+          </a:bodyPr>
+          <a:p>
+            <a:r>
+              <a:rPr lang="zh-CN" altLang="en-US" sz="2000">
+                <a:solidFill>
+                  <a:srgbClr val="FF0000"/>
+                </a:solidFill>
+              </a:rPr>
+              <a:t>参见实例</a:t>
+            </a:r>
+            <a:r>
+              <a:rPr lang="en-US" altLang="zh-CN" sz="2000">
+                <a:solidFill>
+                  <a:srgbClr val="FF0000"/>
+                </a:solidFill>
+              </a:rPr>
+              <a:t>Demo3 JSON</a:t>
+            </a:r>
+            <a:r>
+              <a:rPr lang="zh-CN" altLang="en-US" sz="2000">
+                <a:solidFill>
+                  <a:srgbClr val="FF0000"/>
+                </a:solidFill>
+              </a:rPr>
+              <a:t>对象方法</a:t>
+            </a:r>
+            <a:r>
+              <a:rPr lang="en-US" altLang="zh-CN" sz="2000">
+                <a:solidFill>
+                  <a:srgbClr val="FF0000"/>
+                </a:solidFill>
+              </a:rPr>
+              <a:t> </a:t>
+            </a:r>
+            <a:r>
+              <a:rPr lang="zh-CN" altLang="en-US" sz="2000">
+                <a:solidFill>
+                  <a:srgbClr val="FF0000"/>
+                </a:solidFill>
+              </a:rPr>
+              <a:t> </a:t>
+            </a:r>
+            <a:endParaRPr lang="en-US" altLang="zh-CN" sz="2000">
+              <a:solidFill>
+                <a:srgbClr val="FF0000"/>
+              </a:solidFill>
+            </a:endParaRPr>
+          </a:p>
+        </p:txBody>
+      </p:sp>
+      <p:pic>
+        <p:nvPicPr>
+          <p:cNvPr id="4" name="图片 3"/>
+          <p:cNvPicPr>
+            <a:picLocks noChangeAspect="1"/>
+          </p:cNvPicPr>
+          <p:nvPr/>
+        </p:nvPicPr>
+        <p:blipFill>
+          <a:blip r:embed="rId1"/>
+          <a:stretch>
+            <a:fillRect/>
+          </a:stretch>
+        </p:blipFill>
+        <p:spPr>
+          <a:xfrm>
+            <a:off x="1162685" y="1713865"/>
+            <a:ext cx="9244965" cy="1470660"/>
+          </a:xfrm>
+          <a:prstGeom prst="rect">
+            <a:avLst/>
+          </a:prstGeom>
+        </p:spPr>
+      </p:pic>
+      <p:pic>
+        <p:nvPicPr>
+          <p:cNvPr id="5" name="图片 4"/>
+          <p:cNvPicPr>
+            <a:picLocks noChangeAspect="1"/>
+          </p:cNvPicPr>
+          <p:nvPr/>
+        </p:nvPicPr>
+        <p:blipFill>
+          <a:blip r:embed="rId2"/>
+          <a:stretch>
+            <a:fillRect/>
+          </a:stretch>
+        </p:blipFill>
+        <p:spPr>
+          <a:xfrm>
+            <a:off x="1162685" y="4126230"/>
+            <a:ext cx="10454640" cy="1355090"/>
+          </a:xfrm>
+          <a:prstGeom prst="rect">
+            <a:avLst/>
+          </a:prstGeom>
+        </p:spPr>
+      </p:pic>
+    </p:spTree>
+  </p:cSld>
+  <p:clrMapOvr>
+    <a:masterClrMapping/>
+  </p:clrMapOvr>
+  <p:timing>
+    <p:tnLst>
+      <p:par>
+        <p:cTn id="1" dur="indefinite" restart="never" nodeType="tmRoot">
+          <p:childTnLst>
+            <p:seq concurrent="1" nextAc="seek">
+              <p:cTn id="2" dur="indefinite" nodeType="mainSeq">
+                <p:childTnLst>
+                  <p:par>
+                    <p:cTn id="3" fill="hold">
+                      <p:stCondLst>
+                        <p:cond delay="indefinite"/>
+                      </p:stCondLst>
+                      <p:childTnLst>
+                        <p:par>
+                          <p:cTn id="4" fill="hold">
+                            <p:stCondLst>
+                              <p:cond delay="0"/>
+                            </p:stCondLst>
+                            <p:childTnLst>
+                              <p:par>
+                                <p:cTn id="5" presetID="2" presetClass="entr" presetSubtype="4" fill="hold" nodeType="clickEffect">
+                                  <p:stCondLst>
+                                    <p:cond delay="0"/>
+                                  </p:stCondLst>
+                                  <p:childTnLst>
+                                    <p:set>
+                                      <p:cBhvr>
+                                        <p:cTn id="6" dur="1" fill="hold">
+                                          <p:stCondLst>
+                                            <p:cond delay="0"/>
+                                          </p:stCondLst>
+                                        </p:cTn>
+                                        <p:tgtEl>
+                                          <p:spTgt spid="2">
+                                            <p:txEl>
+                                              <p:pRg st="0" end="0"/>
+                                            </p:txEl>
+                                          </p:spTgt>
+                                        </p:tgtEl>
+                                        <p:attrNameLst>
+                                          <p:attrName>style.visibility</p:attrName>
+                                        </p:attrNameLst>
+                                      </p:cBhvr>
+                                      <p:to>
+                                        <p:strVal val="visible"/>
+                                      </p:to>
+                                    </p:set>
+                                    <p:anim calcmode="lin" valueType="num">
+                                      <p:cBhvr additive="base">
+                                        <p:cTn id="7" dur="500" fill="hold"/>
+                                        <p:tgtEl>
+                                          <p:spTgt spid="2">
+                                            <p:txEl>
+                                              <p:pRg st="0" end="0"/>
+                                            </p:txEl>
+                                          </p:spTgt>
+                                        </p:tgtEl>
+                                        <p:attrNameLst>
+                                          <p:attrName>ppt_x</p:attrName>
+                                        </p:attrNameLst>
+                                      </p:cBhvr>
+                                      <p:tavLst>
+                                        <p:tav tm="0">
+                                          <p:val>
+                                            <p:strVal val="#ppt_x"/>
+                                          </p:val>
+                                        </p:tav>
+                                        <p:tav tm="100000">
+                                          <p:val>
+                                            <p:strVal val="#ppt_x"/>
+                                          </p:val>
+                                        </p:tav>
+                                      </p:tavLst>
+                                    </p:anim>
+                                    <p:anim calcmode="lin" valueType="num">
+                                      <p:cBhvr additive="base">
+                                        <p:cTn id="8" dur="500" fill="hold"/>
+                                        <p:tgtEl>
+                                          <p:spTgt spid="2">
+                                            <p:txEl>
+                                              <p:pRg st="0" end="0"/>
+                                            </p:txEl>
+                                          </p:spTgt>
+                                        </p:tgtEl>
+                                        <p:attrNameLst>
+                                          <p:attrName>ppt_y</p:attrName>
+                                        </p:attrNameLst>
+                                      </p:cBhvr>
+                                      <p:tavLst>
+                                        <p:tav tm="0">
+                                          <p:val>
+                                            <p:strVal val="1+#ppt_h/2"/>
+                                          </p:val>
+                                        </p:tav>
+                                        <p:tav tm="100000">
+                                          <p:val>
+                                            <p:strVal val="#ppt_y"/>
+                                          </p:val>
+                                        </p:tav>
+                                      </p:tavLst>
+                                    </p:anim>
+                                  </p:childTnLst>
+                                </p:cTn>
+                              </p:par>
+                            </p:childTnLst>
+                          </p:cTn>
+                        </p:par>
+                        <p:par>
+                          <p:cTn id="9" fill="hold">
+                            <p:stCondLst>
+                              <p:cond delay="500"/>
+                            </p:stCondLst>
+                            <p:childTnLst>
+                              <p:par>
+                                <p:cTn id="10" presetID="2" presetClass="entr" presetSubtype="4" fill="hold" nodeType="afterEffect">
+                                  <p:stCondLst>
+                                    <p:cond delay="0"/>
+                                  </p:stCondLst>
+                                  <p:childTnLst>
+                                    <p:set>
+                                      <p:cBhvr>
+                                        <p:cTn id="11" dur="1" fill="hold">
+                                          <p:stCondLst>
+                                            <p:cond delay="0"/>
+                                          </p:stCondLst>
+                                        </p:cTn>
+                                        <p:tgtEl>
+                                          <p:spTgt spid="4"/>
+                                        </p:tgtEl>
+                                        <p:attrNameLst>
+                                          <p:attrName>style.visibility</p:attrName>
+                                        </p:attrNameLst>
+                                      </p:cBhvr>
+                                      <p:to>
+                                        <p:strVal val="visible"/>
+                                      </p:to>
+                                    </p:set>
+                                    <p:anim calcmode="lin" valueType="num">
+                                      <p:cBhvr additive="base">
+                                        <p:cTn id="12" dur="500" fill="hold"/>
+                                        <p:tgtEl>
+                                          <p:spTgt spid="4"/>
+                                        </p:tgtEl>
+                                        <p:attrNameLst>
+                                          <p:attrName>ppt_x</p:attrName>
+                                        </p:attrNameLst>
+                                      </p:cBhvr>
+                                      <p:tavLst>
+                                        <p:tav tm="0">
+                                          <p:val>
+                                            <p:strVal val="#ppt_x"/>
+                                          </p:val>
+                                        </p:tav>
+                                        <p:tav tm="100000">
+                                          <p:val>
+                                            <p:strVal val="#ppt_x"/>
+                                          </p:val>
+                                        </p:tav>
+                                      </p:tavLst>
+                                    </p:anim>
+                                    <p:anim calcmode="lin" valueType="num">
+                                      <p:cBhvr additive="base">
+                                        <p:cTn id="13" dur="500" fill="hold"/>
+                                        <p:tgtEl>
+                                          <p:spTgt spid="4"/>
+                                        </p:tgtEl>
+                                        <p:attrNameLst>
+                                          <p:attrName>ppt_y</p:attrName>
+                                        </p:attrNameLst>
+                                      </p:cBhvr>
+                                      <p:tavLst>
+                                        <p:tav tm="0">
+                                          <p:val>
+                                            <p:strVal val="1+#ppt_h/2"/>
+                                          </p:val>
+                                        </p:tav>
+                                        <p:tav tm="100000">
+                                          <p:val>
+                                            <p:strVal val="#ppt_y"/>
+                                          </p:val>
+                                        </p:tav>
+                                      </p:tavLst>
+                                    </p:anim>
+                                  </p:childTnLst>
+                                </p:cTn>
+                              </p:par>
+                            </p:childTnLst>
+                          </p:cTn>
+                        </p:par>
+                      </p:childTnLst>
+                    </p:cTn>
+                  </p:par>
+                  <p:par>
+                    <p:cTn id="14" fill="hold">
+                      <p:stCondLst>
+                        <p:cond delay="indefinite"/>
+                      </p:stCondLst>
+                      <p:childTnLst>
+                        <p:par>
+                          <p:cTn id="15" fill="hold">
+                            <p:stCondLst>
+                              <p:cond delay="0"/>
+                            </p:stCondLst>
+                            <p:childTnLst>
+                              <p:par>
+                                <p:cTn id="16" presetID="2" presetClass="entr" presetSubtype="4" fill="hold" nodeType="clickEffect">
+                                  <p:stCondLst>
+                                    <p:cond delay="0"/>
+                                  </p:stCondLst>
+                                  <p:childTnLst>
+                                    <p:set>
+                                      <p:cBhvr>
+                                        <p:cTn id="17" dur="1" fill="hold">
+                                          <p:stCondLst>
+                                            <p:cond delay="0"/>
+                                          </p:stCondLst>
+                                        </p:cTn>
+                                        <p:tgtEl>
+                                          <p:spTgt spid="2">
+                                            <p:txEl>
+                                              <p:pRg st="2" end="2"/>
+                                            </p:txEl>
+                                          </p:spTgt>
+                                        </p:tgtEl>
+                                        <p:attrNameLst>
+                                          <p:attrName>style.visibility</p:attrName>
+                                        </p:attrNameLst>
+                                      </p:cBhvr>
+                                      <p:to>
+                                        <p:strVal val="visible"/>
+                                      </p:to>
+                                    </p:set>
+                                    <p:anim calcmode="lin" valueType="num">
+                                      <p:cBhvr additive="base">
+                                        <p:cTn id="18" dur="500" fill="hold"/>
+                                        <p:tgtEl>
+                                          <p:spTgt spid="2">
+                                            <p:txEl>
+                                              <p:pRg st="2" end="2"/>
+                                            </p:txEl>
+                                          </p:spTgt>
+                                        </p:tgtEl>
+                                        <p:attrNameLst>
+                                          <p:attrName>ppt_x</p:attrName>
+                                        </p:attrNameLst>
+                                      </p:cBhvr>
+                                      <p:tavLst>
+                                        <p:tav tm="0">
+                                          <p:val>
+                                            <p:strVal val="#ppt_x"/>
+                                          </p:val>
+                                        </p:tav>
+                                        <p:tav tm="100000">
+                                          <p:val>
+                                            <p:strVal val="#ppt_x"/>
+                                          </p:val>
+                                        </p:tav>
+                                      </p:tavLst>
+                                    </p:anim>
+                                    <p:anim calcmode="lin" valueType="num">
+                                      <p:cBhvr additive="base">
+                                        <p:cTn id="19" dur="500" fill="hold"/>
+                                        <p:tgtEl>
+                                          <p:spTgt spid="2">
+                                            <p:txEl>
+                                              <p:pRg st="2" end="2"/>
+                                            </p:txEl>
+                                          </p:spTgt>
+                                        </p:tgtEl>
+                                        <p:attrNameLst>
+                                          <p:attrName>ppt_y</p:attrName>
+                                        </p:attrNameLst>
+                                      </p:cBhvr>
+                                      <p:tavLst>
+                                        <p:tav tm="0">
+                                          <p:val>
+                                            <p:strVal val="1+#ppt_h/2"/>
+                                          </p:val>
+                                        </p:tav>
+                                        <p:tav tm="100000">
+                                          <p:val>
+                                            <p:strVal val="#ppt_y"/>
+                                          </p:val>
+                                        </p:tav>
+                                      </p:tavLst>
+                                    </p:anim>
+                                  </p:childTnLst>
+                                </p:cTn>
+                              </p:par>
+                            </p:childTnLst>
+                          </p:cTn>
+                        </p:par>
+                        <p:par>
+                          <p:cTn id="20" fill="hold">
+                            <p:stCondLst>
+                              <p:cond delay="500"/>
+                            </p:stCondLst>
+                            <p:childTnLst>
+                              <p:par>
+                                <p:cTn id="21" presetID="2" presetClass="entr" presetSubtype="4" fill="hold" nodeType="afterEffect">
+                                  <p:stCondLst>
+                                    <p:cond delay="0"/>
+                                  </p:stCondLst>
+                                  <p:childTnLst>
+                                    <p:set>
+                                      <p:cBhvr>
+                                        <p:cTn id="22" dur="1" fill="hold">
+                                          <p:stCondLst>
+                                            <p:cond delay="0"/>
+                                          </p:stCondLst>
+                                        </p:cTn>
+                                        <p:tgtEl>
+                                          <p:spTgt spid="5"/>
+                                        </p:tgtEl>
+                                        <p:attrNameLst>
+                                          <p:attrName>style.visibility</p:attrName>
+                                        </p:attrNameLst>
+                                      </p:cBhvr>
+                                      <p:to>
+                                        <p:strVal val="visible"/>
+                                      </p:to>
+                                    </p:set>
+                                    <p:anim calcmode="lin" valueType="num">
+                                      <p:cBhvr additive="base">
+                                        <p:cTn id="23" dur="500" fill="hold"/>
+                                        <p:tgtEl>
+                                          <p:spTgt spid="5"/>
+                                        </p:tgtEl>
+                                        <p:attrNameLst>
+                                          <p:attrName>ppt_x</p:attrName>
+                                        </p:attrNameLst>
+                                      </p:cBhvr>
+                                      <p:tavLst>
+                                        <p:tav tm="0">
+                                          <p:val>
+                                            <p:strVal val="#ppt_x"/>
+                                          </p:val>
+                                        </p:tav>
+                                        <p:tav tm="100000">
+                                          <p:val>
+                                            <p:strVal val="#ppt_x"/>
+                                          </p:val>
+                                        </p:tav>
+                                      </p:tavLst>
+                                    </p:anim>
+                                    <p:anim calcmode="lin" valueType="num">
+                                      <p:cBhvr additive="base">
+                                        <p:cTn id="24" dur="500" fill="hold"/>
+                                        <p:tgtEl>
+                                          <p:spTgt spid="5"/>
+                                        </p:tgtEl>
+                                        <p:attrNameLst>
+                                          <p:attrName>ppt_y</p:attrName>
+                                        </p:attrNameLst>
+                                      </p:cBhvr>
+                                      <p:tavLst>
+                                        <p:tav tm="0">
+                                          <p:val>
+                                            <p:strVal val="1+#ppt_h/2"/>
+                                          </p:val>
+                                        </p:tav>
+                                        <p:tav tm="100000">
+                                          <p:val>
+                                            <p:strVal val="#ppt_y"/>
+                                          </p:val>
+                                        </p:tav>
+                                      </p:tavLst>
+                                    </p:anim>
+                                  </p:childTnLst>
+                                </p:cTn>
+                              </p:par>
+                            </p:childTnLst>
+                          </p:cTn>
+                        </p:par>
+                        <p:par>
+                          <p:cTn id="25" fill="hold">
+                            <p:stCondLst>
+                              <p:cond delay="1000"/>
+                            </p:stCondLst>
+                            <p:childTnLst>
+                              <p:par>
+                                <p:cTn id="26" presetID="2" presetClass="entr" presetSubtype="4" fill="hold" grpId="0" nodeType="afterEffect">
+                                  <p:stCondLst>
+                                    <p:cond delay="0"/>
+                                  </p:stCondLst>
+                                  <p:childTnLst>
+                                    <p:set>
+                                      <p:cBhvr>
+                                        <p:cTn id="27" dur="1" fill="hold">
+                                          <p:stCondLst>
+                                            <p:cond delay="0"/>
+                                          </p:stCondLst>
+                                        </p:cTn>
+                                        <p:tgtEl>
+                                          <p:spTgt spid="6"/>
+                                        </p:tgtEl>
+                                        <p:attrNameLst>
+                                          <p:attrName>style.visibility</p:attrName>
+                                        </p:attrNameLst>
+                                      </p:cBhvr>
+                                      <p:to>
+                                        <p:strVal val="visible"/>
+                                      </p:to>
+                                    </p:set>
+                                    <p:anim calcmode="lin" valueType="num">
+                                      <p:cBhvr additive="base">
+                                        <p:cTn id="28" dur="500" fill="hold"/>
+                                        <p:tgtEl>
+                                          <p:spTgt spid="6"/>
+                                        </p:tgtEl>
+                                        <p:attrNameLst>
+                                          <p:attrName>ppt_x</p:attrName>
+                                        </p:attrNameLst>
+                                      </p:cBhvr>
+                                      <p:tavLst>
+                                        <p:tav tm="0">
+                                          <p:val>
+                                            <p:strVal val="#ppt_x"/>
+                                          </p:val>
+                                        </p:tav>
+                                        <p:tav tm="100000">
+                                          <p:val>
+                                            <p:strVal val="#ppt_x"/>
+                                          </p:val>
+                                        </p:tav>
+                                      </p:tavLst>
+                                    </p:anim>
+                                    <p:anim calcmode="lin" valueType="num">
+                                      <p:cBhvr additive="base">
+                                        <p:cTn id="29" dur="500" fill="hold"/>
+                                        <p:tgtEl>
+                                          <p:spTgt spid="6"/>
+                                        </p:tgtEl>
+                                        <p:attrNameLst>
+                                          <p:attrName>ppt_y</p:attrName>
+                                        </p:attrNameLst>
+                                      </p:cBhvr>
+                                      <p:tavLst>
+                                        <p:tav tm="0">
+                                          <p:val>
+                                            <p:strVal val="1+#ppt_h/2"/>
+                                          </p:val>
+                                        </p:tav>
+                                        <p:tav tm="100000">
+                                          <p:val>
+                                            <p:strVal val="#ppt_y"/>
+                                          </p:val>
+                                        </p:tav>
+                                      </p:tavLst>
+                                    </p:anim>
+                                  </p:childTnLst>
+                                </p:cTn>
+                              </p:par>
+                            </p:childTnLst>
+                          </p:cTn>
+                        </p:par>
+                      </p:childTnLst>
+                    </p:cTn>
+                  </p:par>
+                </p:childTnLst>
+              </p:cTn>
+              <p:prevCondLst>
+                <p:cond evt="onPrev" delay="0">
+                  <p:tgtEl>
+                    <p:sldTgt/>
+                  </p:tgtEl>
+                </p:cond>
+              </p:prevCondLst>
+              <p:nextCondLst>
+                <p:cond evt="onNext" delay="0">
+                  <p:tgtEl>
+                    <p:sldTgt/>
+                  </p:tgtEl>
+                </p:cond>
+              </p:nextCondLst>
+            </p:seq>
+          </p:childTnLst>
+        </p:cTn>
+      </p:par>
+    </p:tnLst>
+    <p:bldLst>
+      <p:bldP spid="6" grpId="0"/>
+    </p:bldLst>
   </p:timing>
 </p:sld>
 </file>

--- a/课程PPT/11.JavaScript标准内置对象-非构造器（Math、JSON）.pptx
+++ b/课程PPT/11.JavaScript标准内置对象-非构造器（Math、JSON）.pptx
@@ -3993,75 +3993,6 @@
           </a:p>
         </p:txBody>
       </p:sp>
-      <p:sp>
-        <p:nvSpPr>
-          <p:cNvPr id="6" name="文本框 5"/>
-          <p:cNvSpPr txBox="1"/>
-          <p:nvPr/>
-        </p:nvSpPr>
-        <p:spPr>
-          <a:xfrm>
-            <a:off x="5575300" y="6196330"/>
-            <a:ext cx="5033010" cy="398780"/>
-          </a:xfrm>
-          <a:prstGeom prst="rect">
-            <a:avLst/>
-          </a:prstGeom>
-          <a:noFill/>
-        </p:spPr>
-        <p:txBody>
-          <a:bodyPr wrap="square" rtlCol="0">
-            <a:spAutoFit/>
-          </a:bodyPr>
-          <a:p>
-            <a:r>
-              <a:rPr lang="zh-CN" altLang="en-US" sz="2000">
-                <a:solidFill>
-                  <a:srgbClr val="FF0000"/>
-                </a:solidFill>
-              </a:rPr>
-              <a:t>参见实例</a:t>
-            </a:r>
-            <a:r>
-              <a:rPr lang="en-US" altLang="zh-CN" sz="2000">
-                <a:solidFill>
-                  <a:srgbClr val="FF0000"/>
-                </a:solidFill>
-              </a:rPr>
-              <a:t>Demo JSON</a:t>
-            </a:r>
-            <a:r>
-              <a:rPr lang="zh-CN" altLang="en-US" sz="2000">
-                <a:solidFill>
-                  <a:srgbClr val="FF0000"/>
-                </a:solidFill>
-              </a:rPr>
-              <a:t>对象方法</a:t>
-            </a:r>
-            <a:r>
-              <a:rPr lang="en-US" altLang="zh-CN" sz="2000">
-                <a:solidFill>
-                  <a:srgbClr val="FF0000"/>
-                </a:solidFill>
-              </a:rPr>
-              <a:t> </a:t>
-            </a:r>
-            <a:r>
-              <a:rPr lang="zh-CN" altLang="en-US" sz="2000">
-                <a:solidFill>
-                  <a:srgbClr val="FF0000"/>
-                </a:solidFill>
-              </a:rPr>
-              <a:t> </a:t>
-            </a:r>
-            <a:endParaRPr lang="en-US" altLang="zh-CN" sz="2000">
-              <a:solidFill>
-                <a:srgbClr val="FF0000"/>
-              </a:solidFill>
-            </a:endParaRPr>
-          </a:p>
-        </p:txBody>
-      </p:sp>
       <p:pic>
         <p:nvPicPr>
           <p:cNvPr id="4" name="图片 3"/>
@@ -4078,7 +4009,7 @@
         </p:blipFill>
         <p:spPr>
           <a:xfrm>
-            <a:off x="1090930" y="1704975"/>
+            <a:off x="1449705" y="1704975"/>
             <a:ext cx="8281670" cy="4040505"/>
           </a:xfrm>
           <a:prstGeom prst="rect">
@@ -4102,7 +4033,7 @@
         </p:blipFill>
         <p:spPr>
           <a:xfrm>
-            <a:off x="2136140" y="1690370"/>
+            <a:off x="1424940" y="1704975"/>
             <a:ext cx="9669145" cy="4904740"/>
           </a:xfrm>
           <a:prstGeom prst="rect">
@@ -4110,436 +4041,72 @@
           </a:prstGeom>
         </p:spPr>
       </p:pic>
-    </p:spTree>
-  </p:cSld>
-  <p:clrMapOvr>
-    <a:masterClrMapping/>
-  </p:clrMapOvr>
-  <p:timing>
-    <p:tnLst>
-      <p:par>
-        <p:cTn id="1" dur="indefinite" restart="never" nodeType="tmRoot">
-          <p:childTnLst>
-            <p:seq concurrent="1" nextAc="seek">
-              <p:cTn id="2" dur="indefinite" nodeType="mainSeq">
-                <p:childTnLst>
-                  <p:par>
-                    <p:cTn id="3" fill="hold">
-                      <p:stCondLst>
-                        <p:cond delay="indefinite"/>
-                      </p:stCondLst>
-                      <p:childTnLst>
-                        <p:par>
-                          <p:cTn id="4" fill="hold">
-                            <p:stCondLst>
-                              <p:cond delay="0"/>
-                            </p:stCondLst>
-                            <p:childTnLst>
-                              <p:par>
-                                <p:cTn id="5" presetID="2" presetClass="entr" presetSubtype="4" fill="hold" nodeType="clickEffect">
-                                  <p:stCondLst>
-                                    <p:cond delay="0"/>
-                                  </p:stCondLst>
-                                  <p:childTnLst>
-                                    <p:set>
-                                      <p:cBhvr>
-                                        <p:cTn id="6" dur="1" fill="hold">
-                                          <p:stCondLst>
-                                            <p:cond delay="0"/>
-                                          </p:stCondLst>
-                                        </p:cTn>
-                                        <p:tgtEl>
-                                          <p:spTgt spid="2">
-                                            <p:txEl>
-                                              <p:pRg st="0" end="0"/>
-                                            </p:txEl>
-                                          </p:spTgt>
-                                        </p:tgtEl>
-                                        <p:attrNameLst>
-                                          <p:attrName>style.visibility</p:attrName>
-                                        </p:attrNameLst>
-                                      </p:cBhvr>
-                                      <p:to>
-                                        <p:strVal val="visible"/>
-                                      </p:to>
-                                    </p:set>
-                                    <p:anim calcmode="lin" valueType="num">
-                                      <p:cBhvr additive="base">
-                                        <p:cTn id="7" dur="500" fill="hold"/>
-                                        <p:tgtEl>
-                                          <p:spTgt spid="2">
-                                            <p:txEl>
-                                              <p:pRg st="0" end="0"/>
-                                            </p:txEl>
-                                          </p:spTgt>
-                                        </p:tgtEl>
-                                        <p:attrNameLst>
-                                          <p:attrName>ppt_x</p:attrName>
-                                        </p:attrNameLst>
-                                      </p:cBhvr>
-                                      <p:tavLst>
-                                        <p:tav tm="0">
-                                          <p:val>
-                                            <p:strVal val="#ppt_x"/>
-                                          </p:val>
-                                        </p:tav>
-                                        <p:tav tm="100000">
-                                          <p:val>
-                                            <p:strVal val="#ppt_x"/>
-                                          </p:val>
-                                        </p:tav>
-                                      </p:tavLst>
-                                    </p:anim>
-                                    <p:anim calcmode="lin" valueType="num">
-                                      <p:cBhvr additive="base">
-                                        <p:cTn id="8" dur="500" fill="hold"/>
-                                        <p:tgtEl>
-                                          <p:spTgt spid="2">
-                                            <p:txEl>
-                                              <p:pRg st="0" end="0"/>
-                                            </p:txEl>
-                                          </p:spTgt>
-                                        </p:tgtEl>
-                                        <p:attrNameLst>
-                                          <p:attrName>ppt_y</p:attrName>
-                                        </p:attrNameLst>
-                                      </p:cBhvr>
-                                      <p:tavLst>
-                                        <p:tav tm="0">
-                                          <p:val>
-                                            <p:strVal val="1+#ppt_h/2"/>
-                                          </p:val>
-                                        </p:tav>
-                                        <p:tav tm="100000">
-                                          <p:val>
-                                            <p:strVal val="#ppt_y"/>
-                                          </p:val>
-                                        </p:tav>
-                                      </p:tavLst>
-                                    </p:anim>
-                                  </p:childTnLst>
-                                </p:cTn>
-                              </p:par>
-                            </p:childTnLst>
-                          </p:cTn>
-                        </p:par>
-                        <p:par>
-                          <p:cTn id="9" fill="hold">
-                            <p:stCondLst>
-                              <p:cond delay="500"/>
-                            </p:stCondLst>
-                            <p:childTnLst>
-                              <p:par>
-                                <p:cTn id="10" presetID="2" presetClass="entr" presetSubtype="4" fill="hold" grpId="0" nodeType="afterEffect">
-                                  <p:stCondLst>
-                                    <p:cond delay="0"/>
-                                  </p:stCondLst>
-                                  <p:childTnLst>
-                                    <p:set>
-                                      <p:cBhvr>
-                                        <p:cTn id="11" dur="1" fill="hold">
-                                          <p:stCondLst>
-                                            <p:cond delay="0"/>
-                                          </p:stCondLst>
-                                        </p:cTn>
-                                        <p:tgtEl>
-                                          <p:spTgt spid="6"/>
-                                        </p:tgtEl>
-                                        <p:attrNameLst>
-                                          <p:attrName>style.visibility</p:attrName>
-                                        </p:attrNameLst>
-                                      </p:cBhvr>
-                                      <p:to>
-                                        <p:strVal val="visible"/>
-                                      </p:to>
-                                    </p:set>
-                                    <p:anim calcmode="lin" valueType="num">
-                                      <p:cBhvr additive="base">
-                                        <p:cTn id="12" dur="500" fill="hold"/>
-                                        <p:tgtEl>
-                                          <p:spTgt spid="6"/>
-                                        </p:tgtEl>
-                                        <p:attrNameLst>
-                                          <p:attrName>ppt_x</p:attrName>
-                                        </p:attrNameLst>
-                                      </p:cBhvr>
-                                      <p:tavLst>
-                                        <p:tav tm="0">
-                                          <p:val>
-                                            <p:strVal val="#ppt_x"/>
-                                          </p:val>
-                                        </p:tav>
-                                        <p:tav tm="100000">
-                                          <p:val>
-                                            <p:strVal val="#ppt_x"/>
-                                          </p:val>
-                                        </p:tav>
-                                      </p:tavLst>
-                                    </p:anim>
-                                    <p:anim calcmode="lin" valueType="num">
-                                      <p:cBhvr additive="base">
-                                        <p:cTn id="13" dur="500" fill="hold"/>
-                                        <p:tgtEl>
-                                          <p:spTgt spid="6"/>
-                                        </p:tgtEl>
-                                        <p:attrNameLst>
-                                          <p:attrName>ppt_y</p:attrName>
-                                        </p:attrNameLst>
-                                      </p:cBhvr>
-                                      <p:tavLst>
-                                        <p:tav tm="0">
-                                          <p:val>
-                                            <p:strVal val="1+#ppt_h/2"/>
-                                          </p:val>
-                                        </p:tav>
-                                        <p:tav tm="100000">
-                                          <p:val>
-                                            <p:strVal val="#ppt_y"/>
-                                          </p:val>
-                                        </p:tav>
-                                      </p:tavLst>
-                                    </p:anim>
-                                  </p:childTnLst>
-                                </p:cTn>
-                              </p:par>
-                            </p:childTnLst>
-                          </p:cTn>
-                        </p:par>
-                      </p:childTnLst>
-                    </p:cTn>
-                  </p:par>
-                </p:childTnLst>
-              </p:cTn>
-              <p:prevCondLst>
-                <p:cond evt="onPrev" delay="0">
-                  <p:tgtEl>
-                    <p:sldTgt/>
-                  </p:tgtEl>
-                </p:cond>
-              </p:prevCondLst>
-              <p:nextCondLst>
-                <p:cond evt="onNext" delay="0">
-                  <p:tgtEl>
-                    <p:sldTgt/>
-                  </p:tgtEl>
-                </p:cond>
-              </p:nextCondLst>
-            </p:seq>
-          </p:childTnLst>
-        </p:cTn>
-      </p:par>
-    </p:tnLst>
-    <p:bldLst>
-      <p:bldP spid="6" grpId="0"/>
-    </p:bldLst>
-  </p:timing>
-</p:sld>
-</file>
-
-<file path=ppt/slides/slide12.xml><?xml version="1.0" encoding="utf-8"?>
-<p:sld xmlns:a="http://schemas.openxmlformats.org/drawingml/2006/main" xmlns:r="http://schemas.openxmlformats.org/officeDocument/2006/relationships" xmlns:p="http://schemas.openxmlformats.org/presentationml/2006/main">
-  <p:cSld>
-    <p:spTree>
-      <p:nvGrpSpPr>
-        <p:cNvPr id="1" name=""/>
-        <p:cNvGrpSpPr/>
-        <p:nvPr/>
-      </p:nvGrpSpPr>
-      <p:grpSpPr>
-        <a:xfrm>
-          <a:off x="0" y="0"/>
-          <a:ext cx="0" cy="0"/>
-          <a:chOff x="0" y="0"/>
-          <a:chExt cx="0" cy="0"/>
-        </a:xfrm>
-      </p:grpSpPr>
       <p:sp>
         <p:nvSpPr>
-          <p:cNvPr id="2" name="内容占位符 1"/>
-          <p:cNvSpPr>
-            <a:spLocks noGrp="1"/>
-          </p:cNvSpPr>
-          <p:nvPr>
-            <p:ph sz="quarter" idx="10"/>
-          </p:nvPr>
+          <p:cNvPr id="7" name="文本框 6"/>
+          <p:cNvSpPr txBox="1"/>
+          <p:nvPr/>
         </p:nvSpPr>
         <p:spPr>
           <a:xfrm>
-            <a:off x="927735" y="783590"/>
-            <a:ext cx="9776460" cy="5269230"/>
+            <a:off x="6850380" y="6323330"/>
+            <a:ext cx="5033010" cy="398780"/>
           </a:xfrm>
+          <a:prstGeom prst="rect">
+            <a:avLst/>
+          </a:prstGeom>
+          <a:noFill/>
         </p:spPr>
         <p:txBody>
-          <a:bodyPr/>
-          <a:lstStyle/>
-          <a:p>
-            <a:pPr>
-              <a:lnSpc>
-                <a:spcPct val="150000"/>
-              </a:lnSpc>
-            </a:pPr>
-            <a:r>
-              <a:rPr lang="zh-CN" altLang="en-US" sz="3200" dirty="0">
-                <a:solidFill>
-                  <a:schemeClr val="tx1"/>
-                </a:solidFill>
-                <a:sym typeface="+mn-ea"/>
-              </a:rPr>
-              <a:t>http://www.json.cn/wiki.html</a:t>
-            </a:r>
-            <a:endParaRPr lang="zh-CN" altLang="en-US" sz="3200" dirty="0">
+          <a:bodyPr wrap="square" rtlCol="0">
+            <a:spAutoFit/>
+          </a:bodyPr>
+          <a:p>
+            <a:r>
+              <a:rPr lang="zh-CN" altLang="en-US" sz="2000">
+                <a:solidFill>
+                  <a:srgbClr val="FF0000"/>
+                </a:solidFill>
+              </a:rPr>
+              <a:t>参见</a:t>
+            </a:r>
+            <a:r>
+              <a:rPr lang="en-US" sz="2000">
+                <a:solidFill>
+                  <a:srgbClr val="FF0000"/>
+                </a:solidFill>
+              </a:rPr>
+              <a:t>NodeJsonTest</a:t>
+            </a:r>
+            <a:r>
+              <a:rPr lang="zh-CN" altLang="en-US" sz="2000">
+                <a:solidFill>
+                  <a:srgbClr val="FF0000"/>
+                </a:solidFill>
+              </a:rPr>
+              <a:t>实例</a:t>
+            </a:r>
+            <a:r>
+              <a:rPr lang="en-US" altLang="zh-CN" sz="2000">
+                <a:solidFill>
+                  <a:srgbClr val="FF0000"/>
+                </a:solidFill>
+              </a:rPr>
+              <a:t> </a:t>
+            </a:r>
+            <a:r>
+              <a:rPr lang="zh-CN" altLang="en-US" sz="2000">
+                <a:solidFill>
+                  <a:srgbClr val="FF0000"/>
+                </a:solidFill>
+              </a:rPr>
+              <a:t> </a:t>
+            </a:r>
+            <a:endParaRPr lang="en-US" altLang="zh-CN" sz="2000">
               <a:solidFill>
-                <a:schemeClr val="tx1"/>
+                <a:srgbClr val="FF0000"/>
               </a:solidFill>
-              <a:sym typeface="+mn-ea"/>
             </a:endParaRPr>
-          </a:p>
-          <a:p>
-            <a:pPr>
-              <a:lnSpc>
-                <a:spcPct val="150000"/>
-              </a:lnSpc>
-            </a:pPr>
-            <a:r>
-              <a:rPr lang="zh-CN" altLang="en-US" sz="3200" dirty="0">
-                <a:solidFill>
-                  <a:schemeClr val="tx1"/>
-                </a:solidFill>
-                <a:sym typeface="+mn-ea"/>
-              </a:rPr>
-              <a:t>http://www.json.cn/code.html</a:t>
-            </a:r>
-            <a:endParaRPr lang="zh-CN" altLang="en-US" sz="3200" dirty="0">
-              <a:solidFill>
-                <a:schemeClr val="tx1"/>
-              </a:solidFill>
-              <a:sym typeface="+mn-ea"/>
-            </a:endParaRPr>
-          </a:p>
-          <a:p>
-            <a:pPr>
-              <a:lnSpc>
-                <a:spcPct val="150000"/>
-              </a:lnSpc>
-            </a:pPr>
-            <a:r>
-              <a:rPr lang="zh-CN" altLang="en-US" sz="3200" dirty="0">
-                <a:solidFill>
-                  <a:schemeClr val="tx1"/>
-                </a:solidFill>
-                <a:sym typeface="+mn-ea"/>
-              </a:rPr>
-              <a:t>http://www.json.cn/component.html</a:t>
-            </a:r>
-            <a:endParaRPr lang="zh-CN" altLang="en-US" sz="3200" dirty="0">
-              <a:solidFill>
-                <a:schemeClr val="tx1"/>
-              </a:solidFill>
-              <a:sym typeface="+mn-ea"/>
-            </a:endParaRPr>
-          </a:p>
-          <a:p>
-            <a:pPr>
-              <a:lnSpc>
-                <a:spcPct val="150000"/>
-              </a:lnSpc>
-            </a:pPr>
-            <a:r>
-              <a:rPr lang="zh-CN" altLang="en-US" sz="3200" dirty="0">
-                <a:solidFill>
-                  <a:schemeClr val="tx1"/>
-                </a:solidFill>
-                <a:sym typeface="+mn-ea"/>
-              </a:rPr>
-              <a:t>http://www.json.cn/</a:t>
-            </a:r>
-            <a:endParaRPr lang="zh-CN" altLang="en-US" sz="3200" dirty="0">
-              <a:solidFill>
-                <a:schemeClr val="tx1"/>
-              </a:solidFill>
-              <a:sym typeface="+mn-ea"/>
-            </a:endParaRPr>
-          </a:p>
-          <a:p>
-            <a:pPr>
-              <a:lnSpc>
-                <a:spcPct val="150000"/>
-              </a:lnSpc>
-            </a:pPr>
-            <a:r>
-              <a:rPr lang="zh-CN" altLang="en-US" sz="3200" dirty="0">
-                <a:solidFill>
-                  <a:schemeClr val="tx1"/>
-                </a:solidFill>
-                <a:sym typeface="+mn-ea"/>
-              </a:rPr>
-              <a:t>http://www.json.org/json-zh.html</a:t>
-            </a:r>
-            <a:br>
-              <a:rPr lang="zh-CN" altLang="en-US" sz="3200" dirty="0">
-                <a:solidFill>
-                  <a:schemeClr val="tx1"/>
-                </a:solidFill>
-                <a:sym typeface="+mn-ea"/>
-              </a:rPr>
-            </a:br>
-            <a:endParaRPr lang="zh-CN" altLang="en-US" sz="3200" dirty="0">
-              <a:solidFill>
-                <a:schemeClr val="accent3"/>
-              </a:solidFill>
-              <a:sym typeface="+mn-ea"/>
-            </a:endParaRPr>
-          </a:p>
-          <a:p>
-            <a:pPr marL="0" indent="0">
-              <a:lnSpc>
-                <a:spcPct val="150000"/>
-              </a:lnSpc>
-              <a:buNone/>
-            </a:pPr>
-            <a:endParaRPr lang="zh-CN" altLang="en-US" sz="1800" dirty="0">
-              <a:solidFill>
-                <a:schemeClr val="tx1"/>
-              </a:solidFill>
-              <a:sym typeface="+mn-ea"/>
-            </a:endParaRPr>
-          </a:p>
-          <a:p>
-            <a:pPr marL="0" indent="0">
-              <a:lnSpc>
-                <a:spcPct val="160000"/>
-              </a:lnSpc>
-              <a:buNone/>
-            </a:pPr>
-            <a:endParaRPr lang="en-US" altLang="zh-CN" sz="1800" dirty="0">
-              <a:solidFill>
-                <a:schemeClr val="tx1"/>
-              </a:solidFill>
-              <a:sym typeface="+mn-ea"/>
-            </a:endParaRPr>
-          </a:p>
-        </p:txBody>
-      </p:sp>
-      <p:sp>
-        <p:nvSpPr>
-          <p:cNvPr id="3" name="内容占位符 2"/>
-          <p:cNvSpPr>
-            <a:spLocks noGrp="1"/>
-          </p:cNvSpPr>
-          <p:nvPr>
-            <p:ph sz="quarter" idx="11"/>
-          </p:nvPr>
-        </p:nvSpPr>
-        <p:spPr/>
-        <p:txBody>
-          <a:bodyPr/>
-          <a:lstStyle/>
-          <a:p>
-            <a:r>
-              <a:rPr lang="zh-CN" altLang="en-US" dirty="0"/>
-              <a:t>参考链接</a:t>
-            </a:r>
-            <a:endParaRPr lang="zh-CN" altLang="en-US" dirty="0"/>
           </a:p>
         </p:txBody>
       </p:sp>
@@ -4685,11 +4252,7 @@
                                           </p:stCondLst>
                                         </p:cTn>
                                         <p:tgtEl>
-                                          <p:spTgt spid="2">
-                                            <p:txEl>
-                                              <p:pRg st="1" end="1"/>
-                                            </p:txEl>
-                                          </p:spTgt>
+                                          <p:spTgt spid="4"/>
                                         </p:tgtEl>
                                         <p:attrNameLst>
                                           <p:attrName>style.visibility</p:attrName>
@@ -4703,11 +4266,7 @@
                                       <p:cBhvr additive="base">
                                         <p:cTn id="13" dur="500" fill="hold"/>
                                         <p:tgtEl>
-                                          <p:spTgt spid="2">
-                                            <p:txEl>
-                                              <p:pRg st="1" end="1"/>
-                                            </p:txEl>
-                                          </p:spTgt>
+                                          <p:spTgt spid="4"/>
                                         </p:tgtEl>
                                         <p:attrNameLst>
                                           <p:attrName>ppt_x</p:attrName>
@@ -4730,11 +4289,7 @@
                                       <p:cBhvr additive="base">
                                         <p:cTn id="14" dur="500" fill="hold"/>
                                         <p:tgtEl>
-                                          <p:spTgt spid="2">
-                                            <p:txEl>
-                                              <p:pRg st="1" end="1"/>
-                                            </p:txEl>
-                                          </p:spTgt>
+                                          <p:spTgt spid="4"/>
                                         </p:tgtEl>
                                         <p:attrNameLst>
                                           <p:attrName>ppt_y</p:attrName>
@@ -4788,11 +4343,7 @@
                                           </p:stCondLst>
                                         </p:cTn>
                                         <p:tgtEl>
-                                          <p:spTgt spid="2">
-                                            <p:txEl>
-                                              <p:pRg st="2" end="2"/>
-                                            </p:txEl>
-                                          </p:spTgt>
+                                          <p:spTgt spid="5"/>
                                         </p:tgtEl>
                                         <p:attrNameLst>
                                           <p:attrName>style.visibility</p:attrName>
@@ -4806,11 +4357,7 @@
                                       <p:cBhvr additive="base">
                                         <p:cTn id="19" dur="500" fill="hold"/>
                                         <p:tgtEl>
-                                          <p:spTgt spid="2">
-                                            <p:txEl>
-                                              <p:pRg st="2" end="2"/>
-                                            </p:txEl>
-                                          </p:spTgt>
+                                          <p:spTgt spid="5"/>
                                         </p:tgtEl>
                                         <p:attrNameLst>
                                           <p:attrName>ppt_x</p:attrName>
@@ -4833,11 +4380,7 @@
                                       <p:cBhvr additive="base">
                                         <p:cTn id="20" dur="500" fill="hold"/>
                                         <p:tgtEl>
-                                          <p:spTgt spid="2">
-                                            <p:txEl>
-                                              <p:pRg st="2" end="2"/>
-                                            </p:txEl>
-                                          </p:spTgt>
+                                          <p:spTgt spid="5"/>
                                         </p:tgtEl>
                                         <p:attrNameLst>
                                           <p:attrName>ppt_y</p:attrName>
@@ -4862,40 +4405,27 @@
                             </p:childTnLst>
                           </p:cTn>
                         </p:par>
-                      </p:childTnLst>
-                    </p:cTn>
-                  </p:par>
-                  <p:par>
-                    <p:cTn id="21" fill="hold">
-                      <p:stCondLst>
-                        <p:cond delay="indefinite"/>
-                      </p:stCondLst>
-                      <p:childTnLst>
                         <p:par>
-                          <p:cTn id="22" fill="hold">
+                          <p:cTn id="21" fill="hold">
                             <p:stCondLst>
-                              <p:cond delay="0"/>
+                              <p:cond delay="500"/>
                             </p:stCondLst>
                             <p:childTnLst>
                               <p:par>
-                                <p:cTn id="23" presetID="2" presetClass="entr" presetSubtype="4" fill="hold" nodeType="clickEffect">
+                                <p:cTn id="22" presetID="2" presetClass="entr" presetSubtype="4" fill="hold" grpId="0" nodeType="afterEffect">
                                   <p:stCondLst>
                                     <p:cond delay="0"/>
                                   </p:stCondLst>
                                   <p:childTnLst>
                                     <p:set>
                                       <p:cBhvr>
-                                        <p:cTn id="24" dur="1" fill="hold">
+                                        <p:cTn id="23" dur="1" fill="hold">
                                           <p:stCondLst>
                                             <p:cond delay="0"/>
                                           </p:stCondLst>
                                         </p:cTn>
                                         <p:tgtEl>
-                                          <p:spTgt spid="2">
-                                            <p:txEl>
-                                              <p:pRg st="3" end="3"/>
-                                            </p:txEl>
-                                          </p:spTgt>
+                                          <p:spTgt spid="7"/>
                                         </p:tgtEl>
                                         <p:attrNameLst>
                                           <p:attrName>style.visibility</p:attrName>
@@ -4907,13 +4437,9 @@
                                     </p:set>
                                     <p:anim calcmode="lin" valueType="num">
                                       <p:cBhvr additive="base">
-                                        <p:cTn id="25" dur="500" fill="hold"/>
+                                        <p:cTn id="24" dur="500" fill="hold"/>
                                         <p:tgtEl>
-                                          <p:spTgt spid="2">
-                                            <p:txEl>
-                                              <p:pRg st="3" end="3"/>
-                                            </p:txEl>
-                                          </p:spTgt>
+                                          <p:spTgt spid="7"/>
                                         </p:tgtEl>
                                         <p:attrNameLst>
                                           <p:attrName>ppt_x</p:attrName>
@@ -4934,116 +4460,9 @@
                                     </p:anim>
                                     <p:anim calcmode="lin" valueType="num">
                                       <p:cBhvr additive="base">
-                                        <p:cTn id="26" dur="500" fill="hold"/>
+                                        <p:cTn id="25" dur="500" fill="hold"/>
                                         <p:tgtEl>
-                                          <p:spTgt spid="2">
-                                            <p:txEl>
-                                              <p:pRg st="3" end="3"/>
-                                            </p:txEl>
-                                          </p:spTgt>
-                                        </p:tgtEl>
-                                        <p:attrNameLst>
-                                          <p:attrName>ppt_y</p:attrName>
-                                        </p:attrNameLst>
-                                      </p:cBhvr>
-                                      <p:tavLst>
-                                        <p:tav tm="0">
-                                          <p:val>
-                                            <p:strVal val="1+#ppt_h/2"/>
-                                          </p:val>
-                                        </p:tav>
-                                        <p:tav tm="100000">
-                                          <p:val>
-                                            <p:strVal val="#ppt_y"/>
-                                          </p:val>
-                                        </p:tav>
-                                      </p:tavLst>
-                                    </p:anim>
-                                  </p:childTnLst>
-                                </p:cTn>
-                              </p:par>
-                            </p:childTnLst>
-                          </p:cTn>
-                        </p:par>
-                      </p:childTnLst>
-                    </p:cTn>
-                  </p:par>
-                  <p:par>
-                    <p:cTn id="27" fill="hold">
-                      <p:stCondLst>
-                        <p:cond delay="indefinite"/>
-                      </p:stCondLst>
-                      <p:childTnLst>
-                        <p:par>
-                          <p:cTn id="28" fill="hold">
-                            <p:stCondLst>
-                              <p:cond delay="0"/>
-                            </p:stCondLst>
-                            <p:childTnLst>
-                              <p:par>
-                                <p:cTn id="29" presetID="2" presetClass="entr" presetSubtype="4" fill="hold" nodeType="clickEffect">
-                                  <p:stCondLst>
-                                    <p:cond delay="0"/>
-                                  </p:stCondLst>
-                                  <p:childTnLst>
-                                    <p:set>
-                                      <p:cBhvr>
-                                        <p:cTn id="30" dur="1" fill="hold">
-                                          <p:stCondLst>
-                                            <p:cond delay="0"/>
-                                          </p:stCondLst>
-                                        </p:cTn>
-                                        <p:tgtEl>
-                                          <p:spTgt spid="2">
-                                            <p:txEl>
-                                              <p:pRg st="4" end="4"/>
-                                            </p:txEl>
-                                          </p:spTgt>
-                                        </p:tgtEl>
-                                        <p:attrNameLst>
-                                          <p:attrName>style.visibility</p:attrName>
-                                        </p:attrNameLst>
-                                      </p:cBhvr>
-                                      <p:to>
-                                        <p:strVal val="visible"/>
-                                      </p:to>
-                                    </p:set>
-                                    <p:anim calcmode="lin" valueType="num">
-                                      <p:cBhvr additive="base">
-                                        <p:cTn id="31" dur="500" fill="hold"/>
-                                        <p:tgtEl>
-                                          <p:spTgt spid="2">
-                                            <p:txEl>
-                                              <p:pRg st="4" end="4"/>
-                                            </p:txEl>
-                                          </p:spTgt>
-                                        </p:tgtEl>
-                                        <p:attrNameLst>
-                                          <p:attrName>ppt_x</p:attrName>
-                                        </p:attrNameLst>
-                                      </p:cBhvr>
-                                      <p:tavLst>
-                                        <p:tav tm="0">
-                                          <p:val>
-                                            <p:strVal val="#ppt_x"/>
-                                          </p:val>
-                                        </p:tav>
-                                        <p:tav tm="100000">
-                                          <p:val>
-                                            <p:strVal val="#ppt_x"/>
-                                          </p:val>
-                                        </p:tav>
-                                      </p:tavLst>
-                                    </p:anim>
-                                    <p:anim calcmode="lin" valueType="num">
-                                      <p:cBhvr additive="base">
-                                        <p:cTn id="32" dur="500" fill="hold"/>
-                                        <p:tgtEl>
-                                          <p:spTgt spid="2">
-                                            <p:txEl>
-                                              <p:pRg st="4" end="4"/>
-                                            </p:txEl>
-                                          </p:spTgt>
+                                          <p:spTgt spid="7"/>
                                         </p:tgtEl>
                                         <p:attrNameLst>
                                           <p:attrName>ppt_y</p:attrName>
@@ -5090,6 +4509,231 @@
             </p:seq>
           </p:childTnLst>
         </p:cTn>
+      </p:par>
+    </p:tnLst>
+    <p:bldLst>
+      <p:bldP spid="7" grpId="0"/>
+    </p:bldLst>
+  </p:timing>
+</p:sld>
+</file>
+
+<file path=ppt/slides/slide12.xml><?xml version="1.0" encoding="utf-8"?>
+<p:sld xmlns:a="http://schemas.openxmlformats.org/drawingml/2006/main" xmlns:r="http://schemas.openxmlformats.org/officeDocument/2006/relationships" xmlns:p="http://schemas.openxmlformats.org/presentationml/2006/main">
+  <p:cSld>
+    <p:spTree>
+      <p:nvGrpSpPr>
+        <p:cNvPr id="1" name=""/>
+        <p:cNvGrpSpPr/>
+        <p:nvPr/>
+      </p:nvGrpSpPr>
+      <p:grpSpPr>
+        <a:xfrm>
+          <a:off x="0" y="0"/>
+          <a:ext cx="0" cy="0"/>
+          <a:chOff x="0" y="0"/>
+          <a:chExt cx="0" cy="0"/>
+        </a:xfrm>
+      </p:grpSpPr>
+      <p:sp>
+        <p:nvSpPr>
+          <p:cNvPr id="2" name="内容占位符 1"/>
+          <p:cNvSpPr>
+            <a:spLocks noGrp="1"/>
+          </p:cNvSpPr>
+          <p:nvPr>
+            <p:ph sz="quarter" idx="10"/>
+          </p:nvPr>
+        </p:nvSpPr>
+        <p:spPr>
+          <a:xfrm>
+            <a:off x="927735" y="783590"/>
+            <a:ext cx="9776460" cy="5269230"/>
+          </a:xfrm>
+        </p:spPr>
+        <p:txBody>
+          <a:bodyPr/>
+          <a:lstStyle/>
+          <a:p>
+            <a:pPr>
+              <a:lnSpc>
+                <a:spcPct val="150000"/>
+              </a:lnSpc>
+            </a:pPr>
+            <a:r>
+              <a:rPr lang="zh-CN" altLang="en-US" sz="3200" dirty="0">
+                <a:solidFill>
+                  <a:schemeClr val="tx1"/>
+                </a:solidFill>
+                <a:sym typeface="+mn-ea"/>
+              </a:rPr>
+              <a:t>http://www.json.cn/wiki.html</a:t>
+            </a:r>
+            <a:endParaRPr lang="zh-CN" altLang="en-US" sz="3200" dirty="0">
+              <a:solidFill>
+                <a:schemeClr val="tx1"/>
+              </a:solidFill>
+              <a:sym typeface="+mn-ea"/>
+            </a:endParaRPr>
+          </a:p>
+          <a:p>
+            <a:pPr>
+              <a:lnSpc>
+                <a:spcPct val="150000"/>
+              </a:lnSpc>
+            </a:pPr>
+            <a:r>
+              <a:rPr lang="zh-CN" altLang="en-US" sz="3200" dirty="0">
+                <a:solidFill>
+                  <a:schemeClr val="tx1"/>
+                </a:solidFill>
+                <a:sym typeface="+mn-ea"/>
+              </a:rPr>
+              <a:t>http://www.json.cn/code.html</a:t>
+            </a:r>
+            <a:endParaRPr lang="zh-CN" altLang="en-US" sz="3200" dirty="0">
+              <a:solidFill>
+                <a:schemeClr val="tx1"/>
+              </a:solidFill>
+              <a:sym typeface="+mn-ea"/>
+            </a:endParaRPr>
+          </a:p>
+          <a:p>
+            <a:pPr>
+              <a:lnSpc>
+                <a:spcPct val="150000"/>
+              </a:lnSpc>
+            </a:pPr>
+            <a:r>
+              <a:rPr lang="zh-CN" altLang="en-US" sz="3200" dirty="0">
+                <a:solidFill>
+                  <a:schemeClr val="tx1"/>
+                </a:solidFill>
+                <a:sym typeface="+mn-ea"/>
+              </a:rPr>
+              <a:t>http://www.json.cn/component.html</a:t>
+            </a:r>
+            <a:endParaRPr lang="zh-CN" altLang="en-US" sz="3200" dirty="0">
+              <a:solidFill>
+                <a:schemeClr val="tx1"/>
+              </a:solidFill>
+              <a:sym typeface="+mn-ea"/>
+            </a:endParaRPr>
+          </a:p>
+          <a:p>
+            <a:pPr>
+              <a:lnSpc>
+                <a:spcPct val="150000"/>
+              </a:lnSpc>
+            </a:pPr>
+            <a:r>
+              <a:rPr lang="zh-CN" altLang="en-US" sz="3200" dirty="0">
+                <a:solidFill>
+                  <a:schemeClr val="tx1"/>
+                </a:solidFill>
+                <a:sym typeface="+mn-ea"/>
+              </a:rPr>
+              <a:t>http://www.json.cn/</a:t>
+            </a:r>
+            <a:endParaRPr lang="zh-CN" altLang="en-US" sz="3200" dirty="0">
+              <a:solidFill>
+                <a:schemeClr val="tx1"/>
+              </a:solidFill>
+              <a:sym typeface="+mn-ea"/>
+            </a:endParaRPr>
+          </a:p>
+          <a:p>
+            <a:pPr>
+              <a:lnSpc>
+                <a:spcPct val="150000"/>
+              </a:lnSpc>
+            </a:pPr>
+            <a:r>
+              <a:rPr lang="zh-CN" altLang="en-US" sz="3200" dirty="0">
+                <a:solidFill>
+                  <a:schemeClr val="tx1"/>
+                </a:solidFill>
+                <a:sym typeface="+mn-ea"/>
+              </a:rPr>
+              <a:t>http://www.json.org/json-zh.html</a:t>
+            </a:r>
+            <a:br>
+              <a:rPr lang="zh-CN" altLang="en-US" sz="3200" dirty="0">
+                <a:solidFill>
+                  <a:schemeClr val="tx1"/>
+                </a:solidFill>
+                <a:sym typeface="+mn-ea"/>
+              </a:rPr>
+            </a:br>
+            <a:endParaRPr lang="zh-CN" altLang="en-US" sz="3200" dirty="0">
+              <a:solidFill>
+                <a:schemeClr val="accent3"/>
+              </a:solidFill>
+              <a:sym typeface="+mn-ea"/>
+            </a:endParaRPr>
+          </a:p>
+          <a:p>
+            <a:pPr marL="0" indent="0">
+              <a:lnSpc>
+                <a:spcPct val="150000"/>
+              </a:lnSpc>
+              <a:buNone/>
+            </a:pPr>
+            <a:endParaRPr lang="zh-CN" altLang="en-US" sz="1800" dirty="0">
+              <a:solidFill>
+                <a:schemeClr val="tx1"/>
+              </a:solidFill>
+              <a:sym typeface="+mn-ea"/>
+            </a:endParaRPr>
+          </a:p>
+          <a:p>
+            <a:pPr marL="0" indent="0">
+              <a:lnSpc>
+                <a:spcPct val="160000"/>
+              </a:lnSpc>
+              <a:buNone/>
+            </a:pPr>
+            <a:endParaRPr lang="en-US" altLang="zh-CN" sz="1800" dirty="0">
+              <a:solidFill>
+                <a:schemeClr val="tx1"/>
+              </a:solidFill>
+              <a:sym typeface="+mn-ea"/>
+            </a:endParaRPr>
+          </a:p>
+        </p:txBody>
+      </p:sp>
+      <p:sp>
+        <p:nvSpPr>
+          <p:cNvPr id="3" name="内容占位符 2"/>
+          <p:cNvSpPr>
+            <a:spLocks noGrp="1"/>
+          </p:cNvSpPr>
+          <p:nvPr>
+            <p:ph sz="quarter" idx="11"/>
+          </p:nvPr>
+        </p:nvSpPr>
+        <p:spPr/>
+        <p:txBody>
+          <a:bodyPr/>
+          <a:lstStyle/>
+          <a:p>
+            <a:r>
+              <a:rPr lang="zh-CN" altLang="en-US" dirty="0"/>
+              <a:t>参考链接</a:t>
+            </a:r>
+            <a:endParaRPr lang="zh-CN" altLang="en-US" dirty="0"/>
+          </a:p>
+        </p:txBody>
+      </p:sp>
+    </p:spTree>
+  </p:cSld>
+  <p:clrMapOvr>
+    <a:masterClrMapping/>
+  </p:clrMapOvr>
+  <p:timing>
+    <p:tnLst>
+      <p:par>
+        <p:cTn id="1" dur="indefinite" restart="never" nodeType="tmRoot"/>
       </p:par>
     </p:tnLst>
   </p:timing>

--- a/课程PPT/11.JavaScript标准内置对象-非构造器（Math、JSON）.pptx
+++ b/课程PPT/11.JavaScript标准内置对象-非构造器（Math、JSON）.pptx
@@ -4223,30 +4223,21 @@
                             </p:childTnLst>
                           </p:cTn>
                         </p:par>
-                      </p:childTnLst>
-                    </p:cTn>
-                  </p:par>
-                  <p:par>
-                    <p:cTn id="9" fill="hold">
-                      <p:stCondLst>
-                        <p:cond delay="indefinite"/>
-                      </p:stCondLst>
-                      <p:childTnLst>
                         <p:par>
-                          <p:cTn id="10" fill="hold">
+                          <p:cTn id="9" fill="hold">
                             <p:stCondLst>
-                              <p:cond delay="0"/>
+                              <p:cond delay="500"/>
                             </p:stCondLst>
                             <p:childTnLst>
                               <p:par>
-                                <p:cTn id="11" presetID="2" presetClass="entr" presetSubtype="4" fill="hold" nodeType="clickEffect">
+                                <p:cTn id="10" presetID="2" presetClass="entr" presetSubtype="4" fill="hold" nodeType="afterEffect">
                                   <p:stCondLst>
                                     <p:cond delay="0"/>
                                   </p:stCondLst>
                                   <p:childTnLst>
                                     <p:set>
                                       <p:cBhvr>
-                                        <p:cTn id="12" dur="1" fill="hold">
+                                        <p:cTn id="11" dur="1" fill="hold">
                                           <p:stCondLst>
                                             <p:cond delay="0"/>
                                           </p:stCondLst>
@@ -4264,7 +4255,7 @@
                                     </p:set>
                                     <p:anim calcmode="lin" valueType="num">
                                       <p:cBhvr additive="base">
-                                        <p:cTn id="13" dur="500" fill="hold"/>
+                                        <p:cTn id="12" dur="500" fill="hold"/>
                                         <p:tgtEl>
                                           <p:spTgt spid="4"/>
                                         </p:tgtEl>
@@ -4287,7 +4278,7 @@
                                     </p:anim>
                                     <p:anim calcmode="lin" valueType="num">
                                       <p:cBhvr additive="base">
-                                        <p:cTn id="14" dur="500" fill="hold"/>
+                                        <p:cTn id="13" dur="500" fill="hold"/>
                                         <p:tgtEl>
                                           <p:spTgt spid="4"/>
                                         </p:tgtEl>
@@ -4318,26 +4309,26 @@
                     </p:cTn>
                   </p:par>
                   <p:par>
-                    <p:cTn id="15" fill="hold">
+                    <p:cTn id="14" fill="hold">
                       <p:stCondLst>
                         <p:cond delay="indefinite"/>
                       </p:stCondLst>
                       <p:childTnLst>
                         <p:par>
-                          <p:cTn id="16" fill="hold">
+                          <p:cTn id="15" fill="hold">
                             <p:stCondLst>
                               <p:cond delay="0"/>
                             </p:stCondLst>
                             <p:childTnLst>
                               <p:par>
-                                <p:cTn id="17" presetID="2" presetClass="entr" presetSubtype="4" fill="hold" nodeType="clickEffect">
+                                <p:cTn id="16" presetID="2" presetClass="entr" presetSubtype="4" fill="hold" nodeType="clickEffect">
                                   <p:stCondLst>
                                     <p:cond delay="0"/>
                                   </p:stCondLst>
                                   <p:childTnLst>
                                     <p:set>
                                       <p:cBhvr>
-                                        <p:cTn id="18" dur="1" fill="hold">
+                                        <p:cTn id="17" dur="1" fill="hold">
                                           <p:stCondLst>
                                             <p:cond delay="0"/>
                                           </p:stCondLst>
@@ -4355,7 +4346,7 @@
                                     </p:set>
                                     <p:anim calcmode="lin" valueType="num">
                                       <p:cBhvr additive="base">
-                                        <p:cTn id="19" dur="500" fill="hold"/>
+                                        <p:cTn id="18" dur="500" fill="hold"/>
                                         <p:tgtEl>
                                           <p:spTgt spid="5"/>
                                         </p:tgtEl>
@@ -4378,7 +4369,7 @@
                                     </p:anim>
                                     <p:anim calcmode="lin" valueType="num">
                                       <p:cBhvr additive="base">
-                                        <p:cTn id="20" dur="500" fill="hold"/>
+                                        <p:cTn id="19" dur="500" fill="hold"/>
                                         <p:tgtEl>
                                           <p:spTgt spid="5"/>
                                         </p:tgtEl>
@@ -4406,20 +4397,20 @@
                           </p:cTn>
                         </p:par>
                         <p:par>
-                          <p:cTn id="21" fill="hold">
+                          <p:cTn id="20" fill="hold">
                             <p:stCondLst>
                               <p:cond delay="500"/>
                             </p:stCondLst>
                             <p:childTnLst>
                               <p:par>
-                                <p:cTn id="22" presetID="2" presetClass="entr" presetSubtype="4" fill="hold" grpId="0" nodeType="afterEffect">
+                                <p:cTn id="21" presetID="2" presetClass="entr" presetSubtype="4" fill="hold" grpId="0" nodeType="afterEffect">
                                   <p:stCondLst>
                                     <p:cond delay="0"/>
                                   </p:stCondLst>
                                   <p:childTnLst>
                                     <p:set>
                                       <p:cBhvr>
-                                        <p:cTn id="23" dur="1" fill="hold">
+                                        <p:cTn id="22" dur="1" fill="hold">
                                           <p:stCondLst>
                                             <p:cond delay="0"/>
                                           </p:stCondLst>
@@ -4437,7 +4428,7 @@
                                     </p:set>
                                     <p:anim calcmode="lin" valueType="num">
                                       <p:cBhvr additive="base">
-                                        <p:cTn id="24" dur="500" fill="hold"/>
+                                        <p:cTn id="23" dur="500" fill="hold"/>
                                         <p:tgtEl>
                                           <p:spTgt spid="7"/>
                                         </p:tgtEl>
@@ -4460,7 +4451,7 @@
                                     </p:anim>
                                     <p:anim calcmode="lin" valueType="num">
                                       <p:cBhvr additive="base">
-                                        <p:cTn id="25" dur="500" fill="hold"/>
+                                        <p:cTn id="24" dur="500" fill="hold"/>
                                         <p:tgtEl>
                                           <p:spTgt spid="7"/>
                                         </p:tgtEl>
@@ -4567,7 +4558,7 @@
                 </a:solidFill>
                 <a:sym typeface="+mn-ea"/>
               </a:rPr>
-              <a:t>http://www.json.cn/wiki.html</a:t>
+              <a:t>复习本章内容</a:t>
             </a:r>
             <a:endParaRPr lang="zh-CN" altLang="en-US" sz="3200" dirty="0">
               <a:solidFill>
@@ -4589,21 +4580,17 @@
                 </a:solidFill>
                 <a:sym typeface="+mn-ea"/>
               </a:rPr>
-              <a:t>http://www.json.cn/code.html</a:t>
-            </a:r>
-            <a:endParaRPr lang="zh-CN" altLang="en-US" sz="3200" dirty="0">
-              <a:solidFill>
-                <a:schemeClr val="tx1"/>
-              </a:solidFill>
-              <a:sym typeface="+mn-ea"/>
-            </a:endParaRPr>
-          </a:p>
-          <a:p>
-            <a:pPr>
-              <a:lnSpc>
-                <a:spcPct val="150000"/>
-              </a:lnSpc>
-            </a:pPr>
+              <a:t>查看深入理解</a:t>
+            </a:r>
+            <a:r>
+              <a:rPr lang="en-US" altLang="zh-CN" sz="3200" dirty="0">
+                <a:solidFill>
+                  <a:schemeClr val="tx1"/>
+                </a:solidFill>
+                <a:sym typeface="+mn-ea"/>
+              </a:rPr>
+              <a:t>JavaScript</a:t>
+            </a:r>
             <a:r>
               <a:rPr lang="zh-CN" altLang="en-US" sz="3200" dirty="0">
                 <a:solidFill>
@@ -4611,21 +4598,17 @@
                 </a:solidFill>
                 <a:sym typeface="+mn-ea"/>
               </a:rPr>
-              <a:t>http://www.json.cn/component.html</a:t>
-            </a:r>
-            <a:endParaRPr lang="zh-CN" altLang="en-US" sz="3200" dirty="0">
-              <a:solidFill>
-                <a:schemeClr val="tx1"/>
-              </a:solidFill>
-              <a:sym typeface="+mn-ea"/>
-            </a:endParaRPr>
-          </a:p>
-          <a:p>
-            <a:pPr>
-              <a:lnSpc>
-                <a:spcPct val="150000"/>
-              </a:lnSpc>
-            </a:pPr>
+              <a:t>中的</a:t>
+            </a:r>
+            <a:r>
+              <a:rPr lang="en-US" altLang="zh-CN" sz="3200" dirty="0">
+                <a:solidFill>
+                  <a:schemeClr val="tx1"/>
+                </a:solidFill>
+                <a:sym typeface="+mn-ea"/>
+              </a:rPr>
+              <a:t>JSON</a:t>
+            </a:r>
             <a:r>
               <a:rPr lang="zh-CN" altLang="en-US" sz="3200" dirty="0">
                 <a:solidFill>
@@ -4633,29 +4616,7 @@
                 </a:solidFill>
                 <a:sym typeface="+mn-ea"/>
               </a:rPr>
-              <a:t>http://www.json.cn/</a:t>
-            </a:r>
-            <a:endParaRPr lang="zh-CN" altLang="en-US" sz="3200" dirty="0">
-              <a:solidFill>
-                <a:schemeClr val="tx1"/>
-              </a:solidFill>
-              <a:sym typeface="+mn-ea"/>
-            </a:endParaRPr>
-          </a:p>
-          <a:p>
-            <a:pPr>
-              <a:lnSpc>
-                <a:spcPct val="150000"/>
-              </a:lnSpc>
-            </a:pPr>
-            <a:r>
-              <a:rPr lang="zh-CN" altLang="en-US" sz="3200" dirty="0">
-                <a:solidFill>
-                  <a:schemeClr val="tx1"/>
-                </a:solidFill>
-                <a:sym typeface="+mn-ea"/>
-              </a:rPr>
-              <a:t>http://www.json.org/json-zh.html</a:t>
+              <a:t>章节</a:t>
             </a:r>
             <a:br>
               <a:rPr lang="zh-CN" altLang="en-US" sz="3200" dirty="0">
@@ -4719,7 +4680,7 @@
           <a:p>
             <a:r>
               <a:rPr lang="zh-CN" altLang="en-US" dirty="0"/>
-              <a:t>参考链接</a:t>
+              <a:t>作业</a:t>
             </a:r>
             <a:endParaRPr lang="zh-CN" altLang="en-US" dirty="0"/>
           </a:p>
@@ -7696,7 +7657,7 @@
                 </a:solidFill>
                 <a:sym typeface="+mn-ea"/>
               </a:rPr>
-              <a:t>等）</a:t>
+              <a:t>等，都是来作为数据的载体）</a:t>
             </a:r>
             <a:br>
               <a:rPr lang="zh-CN" sz="2000" dirty="0">
@@ -7785,7 +7746,7 @@
                 </a:solidFill>
                 <a:sym typeface="+mn-ea"/>
               </a:rPr>
-              <a:t>存储和表示数据</a:t>
+              <a:t>存储和传输数据</a:t>
             </a:r>
             <a:br>
               <a:rPr lang="zh-CN" altLang="en-US" sz="2000" dirty="0">
